--- a/Latihan 6/Latihan 6_18320019.pptx
+++ b/Latihan 6/Latihan 6_18320019.pptx
@@ -5,7 +5,7 @@
     <p:sldMasterId id="2147483648" r:id="rId4"/>
   </p:sldMasterIdLst>
   <p:notesMasterIdLst>
-    <p:notesMasterId r:id="rId13"/>
+    <p:notesMasterId r:id="rId15"/>
   </p:notesMasterIdLst>
   <p:sldIdLst>
     <p:sldId id="256" r:id="rId5"/>
@@ -16,6 +16,8 @@
     <p:sldId id="261" r:id="rId10"/>
     <p:sldId id="263" r:id="rId11"/>
     <p:sldId id="264" r:id="rId12"/>
+    <p:sldId id="265" r:id="rId13"/>
+    <p:sldId id="266" r:id="rId14"/>
   </p:sldIdLst>
   <p:sldSz cx="24384000" cy="13716000"/>
   <p:notesSz cx="6858000" cy="9144000"/>
@@ -3683,7 +3685,7 @@
           </a:ln>
           <a:extLst>
             <a:ext uri="{C572A759-6A51-4108-AA02-DFA0A04FC94B}">
-              <ma14:wrappingTextBoxFlag xmlns="" xmlns:m="http://schemas.openxmlformats.org/officeDocument/2006/math" xmlns:a14="http://schemas.microsoft.com/office/drawing/2010/main" xmlns:ma14="http://schemas.microsoft.com/office/mac/drawingml/2011/main" val="1"/>
+              <ma14:wrappingTextBoxFlag xmlns:ma14="http://schemas.microsoft.com/office/mac/drawingml/2011/main" xmlns:a14="http://schemas.microsoft.com/office/drawing/2010/main" xmlns:m="http://schemas.openxmlformats.org/officeDocument/2006/math" xmlns="" val="1"/>
             </a:ext>
           </a:extLst>
         </p:spPr>
@@ -3722,7 +3724,7 @@
           </a:ln>
           <a:extLst>
             <a:ext uri="{C572A759-6A51-4108-AA02-DFA0A04FC94B}">
-              <ma14:wrappingTextBoxFlag xmlns="" xmlns:m="http://schemas.openxmlformats.org/officeDocument/2006/math" xmlns:a14="http://schemas.microsoft.com/office/drawing/2010/main" xmlns:ma14="http://schemas.microsoft.com/office/mac/drawingml/2011/main" val="1"/>
+              <ma14:wrappingTextBoxFlag xmlns:ma14="http://schemas.microsoft.com/office/mac/drawingml/2011/main" xmlns:a14="http://schemas.microsoft.com/office/drawing/2010/main" xmlns:m="http://schemas.openxmlformats.org/officeDocument/2006/math" xmlns="" val="1"/>
             </a:ext>
           </a:extLst>
         </p:spPr>
@@ -4563,7 +4565,7 @@
           </a:prstGeom>
           <a:extLst>
             <a:ext uri="{C572A759-6A51-4108-AA02-DFA0A04FC94B}">
-              <ma14:wrappingTextBoxFlag xmlns="" xmlns:m="http://schemas.openxmlformats.org/officeDocument/2006/math" xmlns:a14="http://schemas.microsoft.com/office/drawing/2010/main" xmlns:ma14="http://schemas.microsoft.com/office/mac/drawingml/2011/main" val="1"/>
+              <ma14:wrappingTextBoxFlag xmlns:ma14="http://schemas.microsoft.com/office/mac/drawingml/2011/main" xmlns:a14="http://schemas.microsoft.com/office/drawing/2010/main" xmlns:m="http://schemas.openxmlformats.org/officeDocument/2006/math" xmlns="" val="1"/>
             </a:ext>
           </a:extLst>
         </p:spPr>
@@ -4642,6 +4644,975 @@
         </p:txBody>
       </p:sp>
     </p:spTree>
+  </p:cSld>
+  <p:clrMapOvr>
+    <a:masterClrMapping/>
+  </p:clrMapOvr>
+  <p:transition spd="med"/>
+</p:sld>
+</file>
+
+<file path=ppt/slides/slide10.xml><?xml version="1.0" encoding="utf-8"?>
+<p:sld xmlns:a="http://schemas.openxmlformats.org/drawingml/2006/main" xmlns:r="http://schemas.openxmlformats.org/officeDocument/2006/relationships" xmlns:p="http://schemas.openxmlformats.org/presentationml/2006/main">
+  <p:cSld>
+    <p:spTree>
+      <p:nvGrpSpPr>
+        <p:cNvPr id="1" name=""/>
+        <p:cNvGrpSpPr/>
+        <p:nvPr/>
+      </p:nvGrpSpPr>
+      <p:grpSpPr>
+        <a:xfrm>
+          <a:off x="0" y="0"/>
+          <a:ext cx="0" cy="0"/>
+          <a:chOff x="0" y="0"/>
+          <a:chExt cx="0" cy="0"/>
+        </a:xfrm>
+      </p:grpSpPr>
+      <p:sp>
+        <p:nvSpPr>
+          <p:cNvPr id="7" name="TextBox 6">
+            <a:extLst>
+              <a:ext uri="{FF2B5EF4-FFF2-40B4-BE49-F238E27FC236}">
+                <a16:creationId xmlns:a16="http://schemas.microsoft.com/office/drawing/2014/main" id="{320D9967-9A8D-5A4F-9E49-C39E5F3AC2DE}"/>
+              </a:ext>
+            </a:extLst>
+          </p:cNvPr>
+          <p:cNvSpPr txBox="1"/>
+          <p:nvPr/>
+        </p:nvSpPr>
+        <p:spPr>
+          <a:xfrm>
+            <a:off x="5117943" y="158732"/>
+            <a:ext cx="615553" cy="13398540"/>
+          </a:xfrm>
+          <a:prstGeom prst="rect">
+            <a:avLst/>
+          </a:prstGeom>
+          <a:noFill/>
+          <a:ln w="12700" cap="flat">
+            <a:noFill/>
+            <a:miter lim="400000"/>
+          </a:ln>
+          <a:effectLst/>
+          <a:sp3d/>
+        </p:spPr>
+        <p:style>
+          <a:lnRef idx="0">
+            <a:scrgbClr r="0" g="0" b="0"/>
+          </a:lnRef>
+          <a:fillRef idx="0">
+            <a:scrgbClr r="0" g="0" b="0"/>
+          </a:fillRef>
+          <a:effectRef idx="0">
+            <a:scrgbClr r="0" g="0" b="0"/>
+          </a:effectRef>
+          <a:fontRef idx="none"/>
+        </p:style>
+        <p:txBody>
+          <a:bodyPr rot="0" spcFirstLastPara="1" vertOverflow="overflow" horzOverflow="overflow" vert="horz" wrap="none" lIns="50800" tIns="50800" rIns="50800" bIns="50800" numCol="1" spcCol="38100" rtlCol="0" anchor="ctr">
+            <a:spAutoFit/>
+          </a:bodyPr>
+          <a:lstStyle/>
+          <a:p>
+            <a:pPr algn="l"/>
+            <a:r>
+              <a:rPr lang="en-US" sz="4800" noProof="1">
+                <a:solidFill>
+                  <a:srgbClr val="000000"/>
+                </a:solidFill>
+              </a:rPr>
+              <a:t>h</a:t>
+            </a:r>
+          </a:p>
+          <a:p>
+            <a:pPr algn="l"/>
+            <a:r>
+              <a:rPr lang="en-US" sz="4800" noProof="1">
+                <a:solidFill>
+                  <a:srgbClr val="000000"/>
+                </a:solidFill>
+              </a:rPr>
+              <a:t>k</a:t>
+            </a:r>
+          </a:p>
+          <a:p>
+            <a:pPr algn="l"/>
+            <a:r>
+              <a:rPr lang="en-US" sz="4800" noProof="1">
+                <a:solidFill>
+                  <a:srgbClr val="000000"/>
+                </a:solidFill>
+              </a:rPr>
+              <a:t>o</a:t>
+            </a:r>
+          </a:p>
+          <a:p>
+            <a:pPr algn="l"/>
+            <a:r>
+              <a:rPr lang="en-US" sz="4800" noProof="1">
+                <a:solidFill>
+                  <a:srgbClr val="000000"/>
+                </a:solidFill>
+              </a:rPr>
+              <a:t>w</a:t>
+            </a:r>
+          </a:p>
+          <a:p>
+            <a:pPr algn="l"/>
+            <a:r>
+              <a:rPr lang="en-US" sz="4800" noProof="1">
+                <a:solidFill>
+                  <a:srgbClr val="000000"/>
+                </a:solidFill>
+              </a:rPr>
+              <a:t>y</a:t>
+            </a:r>
+          </a:p>
+          <a:p>
+            <a:pPr algn="l"/>
+            <a:r>
+              <a:rPr kumimoji="0" lang="en-US" sz="4800" b="0" i="0" u="none" strike="noStrike" cap="none" spc="0" normalizeH="0" baseline="0" noProof="1">
+                <a:ln>
+                  <a:noFill/>
+                </a:ln>
+                <a:solidFill>
+                  <a:srgbClr val="000000"/>
+                </a:solidFill>
+                <a:effectLst/>
+                <a:uFillTx/>
+                <a:latin typeface="+mn-lt"/>
+                <a:ea typeface="+mn-ea"/>
+                <a:cs typeface="+mn-cs"/>
+                <a:sym typeface="Helvetica Neue"/>
+              </a:rPr>
+              <a:t>g</a:t>
+            </a:r>
+          </a:p>
+          <a:p>
+            <a:pPr algn="l"/>
+            <a:r>
+              <a:rPr kumimoji="0" lang="en-US" sz="4800" b="0" i="0" u="none" strike="noStrike" cap="none" spc="0" normalizeH="0" baseline="0" noProof="1">
+                <a:ln>
+                  <a:noFill/>
+                </a:ln>
+                <a:solidFill>
+                  <a:srgbClr val="000000"/>
+                </a:solidFill>
+                <a:effectLst/>
+                <a:uFillTx/>
+                <a:latin typeface="+mn-lt"/>
+                <a:ea typeface="+mn-ea"/>
+                <a:cs typeface="+mn-cs"/>
+                <a:sym typeface="Helvetica Neue"/>
+              </a:rPr>
+              <a:t>p</a:t>
+            </a:r>
+          </a:p>
+          <a:p>
+            <a:pPr algn="l"/>
+            <a:r>
+              <a:rPr kumimoji="0" lang="en-US" sz="4800" b="0" i="0" u="none" strike="noStrike" cap="none" spc="0" normalizeH="0" baseline="0" noProof="1">
+                <a:ln>
+                  <a:noFill/>
+                </a:ln>
+                <a:solidFill>
+                  <a:srgbClr val="000000"/>
+                </a:solidFill>
+                <a:effectLst/>
+                <a:uFillTx/>
+                <a:latin typeface="+mn-lt"/>
+                <a:ea typeface="+mn-ea"/>
+                <a:cs typeface="+mn-cs"/>
+                <a:sym typeface="Helvetica Neue"/>
+              </a:rPr>
+              <a:t>u</a:t>
+            </a:r>
+          </a:p>
+          <a:p>
+            <a:pPr algn="l"/>
+            <a:r>
+              <a:rPr kumimoji="0" lang="en-US" sz="4800" b="0" i="0" u="none" strike="noStrike" cap="none" spc="0" normalizeH="0" baseline="0" noProof="1">
+                <a:ln>
+                  <a:noFill/>
+                </a:ln>
+                <a:solidFill>
+                  <a:srgbClr val="000000"/>
+                </a:solidFill>
+                <a:effectLst/>
+                <a:uFillTx/>
+                <a:latin typeface="+mn-lt"/>
+                <a:ea typeface="+mn-ea"/>
+                <a:cs typeface="+mn-cs"/>
+                <a:sym typeface="Helvetica Neue"/>
+              </a:rPr>
+              <a:t>e</a:t>
+            </a:r>
+          </a:p>
+          <a:p>
+            <a:pPr algn="l"/>
+            <a:r>
+              <a:rPr lang="en-US" sz="4800" noProof="1">
+                <a:solidFill>
+                  <a:srgbClr val="000000"/>
+                </a:solidFill>
+              </a:rPr>
+              <a:t>l</a:t>
+            </a:r>
+            <a:endParaRPr kumimoji="0" lang="en-US" sz="4800" b="0" i="0" u="none" strike="noStrike" cap="none" spc="0" normalizeH="0" baseline="0" noProof="1">
+              <a:ln>
+                <a:noFill/>
+              </a:ln>
+              <a:solidFill>
+                <a:srgbClr val="000000"/>
+              </a:solidFill>
+              <a:effectLst/>
+              <a:uFillTx/>
+              <a:latin typeface="+mn-lt"/>
+              <a:ea typeface="+mn-ea"/>
+              <a:cs typeface="+mn-cs"/>
+              <a:sym typeface="Helvetica Neue"/>
+            </a:endParaRPr>
+          </a:p>
+          <a:p>
+            <a:pPr algn="l"/>
+            <a:r>
+              <a:rPr kumimoji="0" lang="en-US" sz="4800" b="0" i="0" u="none" strike="noStrike" cap="none" spc="0" normalizeH="0" baseline="0" noProof="1">
+                <a:ln>
+                  <a:noFill/>
+                </a:ln>
+                <a:solidFill>
+                  <a:srgbClr val="000000"/>
+                </a:solidFill>
+                <a:effectLst/>
+                <a:uFillTx/>
+                <a:latin typeface="+mn-lt"/>
+                <a:ea typeface="+mn-ea"/>
+                <a:cs typeface="+mn-cs"/>
+                <a:sym typeface="Helvetica Neue"/>
+              </a:rPr>
+              <a:t>m</a:t>
+            </a:r>
+          </a:p>
+          <a:p>
+            <a:pPr algn="l"/>
+            <a:r>
+              <a:rPr kumimoji="0" lang="en-US" sz="4800" b="0" i="0" u="none" strike="noStrike" cap="none" spc="0" normalizeH="0" baseline="0" noProof="1">
+                <a:ln>
+                  <a:noFill/>
+                </a:ln>
+                <a:solidFill>
+                  <a:srgbClr val="000000"/>
+                </a:solidFill>
+                <a:effectLst/>
+                <a:uFillTx/>
+                <a:latin typeface="+mn-lt"/>
+                <a:ea typeface="+mn-ea"/>
+                <a:cs typeface="+mn-cs"/>
+                <a:sym typeface="Helvetica Neue"/>
+              </a:rPr>
+              <a:t>s</a:t>
+            </a:r>
+          </a:p>
+          <a:p>
+            <a:pPr algn="l"/>
+            <a:r>
+              <a:rPr kumimoji="0" lang="en-US" sz="4800" b="0" i="0" u="none" strike="noStrike" cap="none" spc="0" normalizeH="0" baseline="0" noProof="1">
+                <a:ln>
+                  <a:noFill/>
+                </a:ln>
+                <a:solidFill>
+                  <a:srgbClr val="000000"/>
+                </a:solidFill>
+                <a:effectLst/>
+                <a:uFillTx/>
+                <a:latin typeface="+mn-lt"/>
+                <a:ea typeface="+mn-ea"/>
+                <a:cs typeface="+mn-cs"/>
+                <a:sym typeface="Helvetica Neue"/>
+              </a:rPr>
+              <a:t>d</a:t>
+            </a:r>
+          </a:p>
+          <a:p>
+            <a:pPr algn="l"/>
+            <a:r>
+              <a:rPr kumimoji="0" lang="en-US" sz="4800" b="0" i="0" u="none" strike="noStrike" cap="none" spc="0" normalizeH="0" baseline="0" noProof="1">
+                <a:ln>
+                  <a:noFill/>
+                </a:ln>
+                <a:solidFill>
+                  <a:srgbClr val="000000"/>
+                </a:solidFill>
+                <a:effectLst/>
+                <a:uFillTx/>
+                <a:latin typeface="+mn-lt"/>
+                <a:ea typeface="+mn-ea"/>
+                <a:cs typeface="+mn-cs"/>
+                <a:sym typeface="Helvetica Neue"/>
+              </a:rPr>
+              <a:t>i</a:t>
+            </a:r>
+          </a:p>
+          <a:p>
+            <a:pPr algn="l"/>
+            <a:r>
+              <a:rPr kumimoji="0" lang="en-US" sz="4800" b="0" i="0" u="none" strike="noStrike" cap="none" spc="0" normalizeH="0" baseline="0" noProof="1">
+                <a:ln>
+                  <a:noFill/>
+                </a:ln>
+                <a:solidFill>
+                  <a:srgbClr val="000000"/>
+                </a:solidFill>
+                <a:effectLst/>
+                <a:uFillTx/>
+                <a:latin typeface="+mn-lt"/>
+                <a:ea typeface="+mn-ea"/>
+                <a:cs typeface="+mn-cs"/>
+                <a:sym typeface="Helvetica Neue"/>
+              </a:rPr>
+              <a:t>n</a:t>
+            </a:r>
+          </a:p>
+          <a:p>
+            <a:pPr algn="l"/>
+            <a:r>
+              <a:rPr kumimoji="0" lang="en-US" sz="4800" b="0" i="0" u="none" strike="noStrike" cap="none" spc="0" normalizeH="0" baseline="0" noProof="1">
+                <a:ln>
+                  <a:noFill/>
+                </a:ln>
+                <a:solidFill>
+                  <a:srgbClr val="000000"/>
+                </a:solidFill>
+                <a:effectLst/>
+                <a:uFillTx/>
+                <a:latin typeface="+mn-lt"/>
+                <a:ea typeface="+mn-ea"/>
+                <a:cs typeface="+mn-cs"/>
+                <a:sym typeface="Helvetica Neue"/>
+              </a:rPr>
+              <a:t>t</a:t>
+            </a:r>
+          </a:p>
+          <a:p>
+            <a:pPr algn="l"/>
+            <a:r>
+              <a:rPr kumimoji="0" lang="en-US" sz="4800" b="0" i="0" u="none" strike="noStrike" cap="none" spc="0" normalizeH="0" baseline="0" noProof="1">
+                <a:ln>
+                  <a:noFill/>
+                </a:ln>
+                <a:solidFill>
+                  <a:srgbClr val="000000"/>
+                </a:solidFill>
+                <a:effectLst/>
+                <a:uFillTx/>
+                <a:latin typeface="+mn-lt"/>
+                <a:ea typeface="+mn-ea"/>
+                <a:cs typeface="+mn-cs"/>
+                <a:sym typeface="Helvetica Neue"/>
+              </a:rPr>
+              <a:t>r</a:t>
+            </a:r>
+          </a:p>
+          <a:p>
+            <a:pPr algn="l"/>
+            <a:r>
+              <a:rPr kumimoji="0" lang="en-US" sz="4800" b="0" i="0" u="none" strike="noStrike" cap="none" spc="0" normalizeH="0" baseline="0" noProof="1">
+                <a:ln>
+                  <a:noFill/>
+                </a:ln>
+                <a:solidFill>
+                  <a:srgbClr val="000000"/>
+                </a:solidFill>
+                <a:effectLst/>
+                <a:uFillTx/>
+                <a:latin typeface="+mn-lt"/>
+                <a:ea typeface="+mn-ea"/>
+                <a:cs typeface="+mn-cs"/>
+                <a:sym typeface="Helvetica Neue"/>
+              </a:rPr>
+              <a:t>a </a:t>
+            </a:r>
+            <a:endParaRPr kumimoji="0" lang="id-ID" sz="4800" b="0" i="0" u="none" strike="noStrike" cap="none" spc="0" normalizeH="0" baseline="0" noProof="1">
+              <a:ln>
+                <a:noFill/>
+              </a:ln>
+              <a:solidFill>
+                <a:srgbClr val="000000"/>
+              </a:solidFill>
+              <a:effectLst/>
+              <a:uFillTx/>
+              <a:latin typeface="+mn-lt"/>
+              <a:ea typeface="+mn-ea"/>
+              <a:cs typeface="+mn-cs"/>
+              <a:sym typeface="Helvetica Neue"/>
+            </a:endParaRPr>
+          </a:p>
+        </p:txBody>
+      </p:sp>
+      <p:sp>
+        <p:nvSpPr>
+          <p:cNvPr id="94" name="TextBox 93">
+            <a:extLst>
+              <a:ext uri="{FF2B5EF4-FFF2-40B4-BE49-F238E27FC236}">
+                <a16:creationId xmlns:a16="http://schemas.microsoft.com/office/drawing/2014/main" id="{D2FE8B16-318D-48C3-A168-E79D1A393E0B}"/>
+              </a:ext>
+            </a:extLst>
+          </p:cNvPr>
+          <p:cNvSpPr txBox="1"/>
+          <p:nvPr/>
+        </p:nvSpPr>
+        <p:spPr>
+          <a:xfrm>
+            <a:off x="2934887" y="160701"/>
+            <a:ext cx="1817805" cy="13398540"/>
+          </a:xfrm>
+          <a:prstGeom prst="rect">
+            <a:avLst/>
+          </a:prstGeom>
+          <a:noFill/>
+          <a:ln w="12700" cap="flat">
+            <a:noFill/>
+            <a:miter lim="400000"/>
+          </a:ln>
+          <a:effectLst/>
+          <a:sp3d/>
+        </p:spPr>
+        <p:style>
+          <a:lnRef idx="0">
+            <a:scrgbClr r="0" g="0" b="0"/>
+          </a:lnRef>
+          <a:fillRef idx="0">
+            <a:scrgbClr r="0" g="0" b="0"/>
+          </a:fillRef>
+          <a:effectRef idx="0">
+            <a:scrgbClr r="0" g="0" b="0"/>
+          </a:effectRef>
+          <a:fontRef idx="none"/>
+        </p:style>
+        <p:txBody>
+          <a:bodyPr rot="0" spcFirstLastPara="1" vertOverflow="overflow" horzOverflow="overflow" vert="horz" wrap="none" lIns="50800" tIns="50800" rIns="50800" bIns="50800" numCol="1" spcCol="38100" rtlCol="0" anchor="ctr">
+            <a:spAutoFit/>
+          </a:bodyPr>
+          <a:lstStyle/>
+          <a:p>
+            <a:pPr algn="r"/>
+            <a:r>
+              <a:rPr lang="en-US" sz="4800" noProof="1">
+                <a:solidFill>
+                  <a:srgbClr val="000000"/>
+                </a:solidFill>
+              </a:rPr>
+              <a:t>00000</a:t>
+            </a:r>
+          </a:p>
+          <a:p>
+            <a:pPr algn="r"/>
+            <a:r>
+              <a:rPr lang="en-US" sz="4800" noProof="1">
+                <a:solidFill>
+                  <a:srgbClr val="000000"/>
+                </a:solidFill>
+              </a:rPr>
+              <a:t>00001</a:t>
+            </a:r>
+          </a:p>
+          <a:p>
+            <a:pPr algn="r"/>
+            <a:r>
+              <a:rPr lang="en-US" sz="4800" noProof="1">
+                <a:solidFill>
+                  <a:srgbClr val="000000"/>
+                </a:solidFill>
+              </a:rPr>
+              <a:t>00010</a:t>
+            </a:r>
+          </a:p>
+          <a:p>
+            <a:pPr algn="r"/>
+            <a:r>
+              <a:rPr lang="en-US" sz="4800" noProof="1">
+                <a:solidFill>
+                  <a:srgbClr val="000000"/>
+                </a:solidFill>
+              </a:rPr>
+              <a:t>00011</a:t>
+            </a:r>
+          </a:p>
+          <a:p>
+            <a:pPr algn="r"/>
+            <a:r>
+              <a:rPr lang="en-US" sz="4800" noProof="1">
+                <a:solidFill>
+                  <a:srgbClr val="000000"/>
+                </a:solidFill>
+              </a:rPr>
+              <a:t>00100</a:t>
+            </a:r>
+          </a:p>
+          <a:p>
+            <a:pPr algn="r"/>
+            <a:r>
+              <a:rPr lang="en-US" sz="4800" noProof="1">
+                <a:solidFill>
+                  <a:srgbClr val="000000"/>
+                </a:solidFill>
+              </a:rPr>
+              <a:t>00101</a:t>
+            </a:r>
+            <a:endParaRPr kumimoji="0" lang="en-US" sz="4800" b="0" i="0" u="none" strike="noStrike" cap="none" spc="0" normalizeH="0" baseline="0" noProof="1">
+              <a:ln>
+                <a:noFill/>
+              </a:ln>
+              <a:solidFill>
+                <a:srgbClr val="000000"/>
+              </a:solidFill>
+              <a:effectLst/>
+              <a:uFillTx/>
+              <a:latin typeface="+mn-lt"/>
+              <a:ea typeface="+mn-ea"/>
+              <a:cs typeface="+mn-cs"/>
+              <a:sym typeface="Helvetica Neue"/>
+            </a:endParaRPr>
+          </a:p>
+          <a:p>
+            <a:pPr algn="r"/>
+            <a:r>
+              <a:rPr lang="en-US" sz="4800" noProof="1">
+                <a:solidFill>
+                  <a:srgbClr val="000000"/>
+                </a:solidFill>
+              </a:rPr>
+              <a:t>00110</a:t>
+            </a:r>
+            <a:endParaRPr kumimoji="0" lang="en-US" sz="4800" b="0" i="0" u="none" strike="noStrike" cap="none" spc="0" normalizeH="0" baseline="0" noProof="1">
+              <a:ln>
+                <a:noFill/>
+              </a:ln>
+              <a:solidFill>
+                <a:srgbClr val="000000"/>
+              </a:solidFill>
+              <a:effectLst/>
+              <a:uFillTx/>
+              <a:latin typeface="+mn-lt"/>
+              <a:ea typeface="+mn-ea"/>
+              <a:cs typeface="+mn-cs"/>
+              <a:sym typeface="Helvetica Neue"/>
+            </a:endParaRPr>
+          </a:p>
+          <a:p>
+            <a:pPr algn="r"/>
+            <a:r>
+              <a:rPr lang="en-US" sz="4800" noProof="1">
+                <a:solidFill>
+                  <a:srgbClr val="000000"/>
+                </a:solidFill>
+              </a:rPr>
+              <a:t>00111</a:t>
+            </a:r>
+            <a:endParaRPr kumimoji="0" lang="en-US" sz="4800" b="0" i="0" u="none" strike="noStrike" cap="none" spc="0" normalizeH="0" baseline="0" noProof="1">
+              <a:ln>
+                <a:noFill/>
+              </a:ln>
+              <a:solidFill>
+                <a:srgbClr val="000000"/>
+              </a:solidFill>
+              <a:effectLst/>
+              <a:uFillTx/>
+              <a:latin typeface="+mn-lt"/>
+              <a:ea typeface="+mn-ea"/>
+              <a:cs typeface="+mn-cs"/>
+              <a:sym typeface="Helvetica Neue"/>
+            </a:endParaRPr>
+          </a:p>
+          <a:p>
+            <a:pPr algn="r"/>
+            <a:r>
+              <a:rPr lang="en-US" sz="4800" noProof="1">
+                <a:solidFill>
+                  <a:srgbClr val="000000"/>
+                </a:solidFill>
+              </a:rPr>
+              <a:t>01000</a:t>
+            </a:r>
+            <a:endParaRPr kumimoji="0" lang="en-US" sz="4800" b="0" i="0" u="none" strike="noStrike" cap="none" spc="0" normalizeH="0" baseline="0" noProof="1">
+              <a:ln>
+                <a:noFill/>
+              </a:ln>
+              <a:solidFill>
+                <a:srgbClr val="000000"/>
+              </a:solidFill>
+              <a:effectLst/>
+              <a:uFillTx/>
+              <a:latin typeface="+mn-lt"/>
+              <a:ea typeface="+mn-ea"/>
+              <a:cs typeface="+mn-cs"/>
+              <a:sym typeface="Helvetica Neue"/>
+            </a:endParaRPr>
+          </a:p>
+          <a:p>
+            <a:pPr algn="r"/>
+            <a:r>
+              <a:rPr kumimoji="0" lang="en-US" sz="4800" b="0" i="0" u="none" strike="noStrike" cap="none" spc="0" normalizeH="0" baseline="0" noProof="1">
+                <a:ln>
+                  <a:noFill/>
+                </a:ln>
+                <a:solidFill>
+                  <a:srgbClr val="000000"/>
+                </a:solidFill>
+                <a:effectLst/>
+                <a:uFillTx/>
+                <a:latin typeface="+mn-lt"/>
+                <a:ea typeface="+mn-ea"/>
+                <a:cs typeface="+mn-cs"/>
+                <a:sym typeface="Helvetica Neue"/>
+              </a:rPr>
+              <a:t>01001</a:t>
+            </a:r>
+          </a:p>
+          <a:p>
+            <a:pPr algn="r"/>
+            <a:r>
+              <a:rPr lang="en-US" sz="4800" noProof="1">
+                <a:solidFill>
+                  <a:srgbClr val="000000"/>
+                </a:solidFill>
+              </a:rPr>
+              <a:t>01010</a:t>
+            </a:r>
+            <a:endParaRPr kumimoji="0" lang="en-US" sz="4800" b="0" i="0" u="none" strike="noStrike" cap="none" spc="0" normalizeH="0" baseline="0" noProof="1">
+              <a:ln>
+                <a:noFill/>
+              </a:ln>
+              <a:solidFill>
+                <a:srgbClr val="000000"/>
+              </a:solidFill>
+              <a:effectLst/>
+              <a:uFillTx/>
+              <a:latin typeface="+mn-lt"/>
+              <a:ea typeface="+mn-ea"/>
+              <a:cs typeface="+mn-cs"/>
+              <a:sym typeface="Helvetica Neue"/>
+            </a:endParaRPr>
+          </a:p>
+          <a:p>
+            <a:pPr algn="r"/>
+            <a:r>
+              <a:rPr lang="en-US" sz="4800" noProof="1">
+                <a:solidFill>
+                  <a:srgbClr val="000000"/>
+                </a:solidFill>
+              </a:rPr>
+              <a:t>01011</a:t>
+            </a:r>
+            <a:endParaRPr kumimoji="0" lang="en-US" sz="4800" b="0" i="0" u="none" strike="noStrike" cap="none" spc="0" normalizeH="0" baseline="0" noProof="1">
+              <a:ln>
+                <a:noFill/>
+              </a:ln>
+              <a:solidFill>
+                <a:srgbClr val="000000"/>
+              </a:solidFill>
+              <a:effectLst/>
+              <a:uFillTx/>
+              <a:latin typeface="+mn-lt"/>
+              <a:ea typeface="+mn-ea"/>
+              <a:cs typeface="+mn-cs"/>
+              <a:sym typeface="Helvetica Neue"/>
+            </a:endParaRPr>
+          </a:p>
+          <a:p>
+            <a:pPr algn="r"/>
+            <a:r>
+              <a:rPr lang="en-US" sz="4800" noProof="1">
+                <a:solidFill>
+                  <a:srgbClr val="000000"/>
+                </a:solidFill>
+              </a:rPr>
+              <a:t>01100</a:t>
+            </a:r>
+            <a:endParaRPr kumimoji="0" lang="en-US" sz="4800" b="0" i="0" u="none" strike="noStrike" cap="none" spc="0" normalizeH="0" baseline="0" noProof="1">
+              <a:ln>
+                <a:noFill/>
+              </a:ln>
+              <a:solidFill>
+                <a:srgbClr val="000000"/>
+              </a:solidFill>
+              <a:effectLst/>
+              <a:uFillTx/>
+              <a:latin typeface="+mn-lt"/>
+              <a:ea typeface="+mn-ea"/>
+              <a:cs typeface="+mn-cs"/>
+              <a:sym typeface="Helvetica Neue"/>
+            </a:endParaRPr>
+          </a:p>
+          <a:p>
+            <a:pPr algn="r"/>
+            <a:r>
+              <a:rPr lang="en-US" sz="4800" noProof="1">
+                <a:solidFill>
+                  <a:srgbClr val="000000"/>
+                </a:solidFill>
+              </a:rPr>
+              <a:t>01101</a:t>
+            </a:r>
+            <a:endParaRPr kumimoji="0" lang="en-US" sz="4800" b="0" i="0" u="none" strike="noStrike" cap="none" spc="0" normalizeH="0" baseline="0" noProof="1">
+              <a:ln>
+                <a:noFill/>
+              </a:ln>
+              <a:solidFill>
+                <a:srgbClr val="000000"/>
+              </a:solidFill>
+              <a:effectLst/>
+              <a:uFillTx/>
+              <a:latin typeface="+mn-lt"/>
+              <a:ea typeface="+mn-ea"/>
+              <a:cs typeface="+mn-cs"/>
+              <a:sym typeface="Helvetica Neue"/>
+            </a:endParaRPr>
+          </a:p>
+          <a:p>
+            <a:pPr algn="r"/>
+            <a:r>
+              <a:rPr lang="en-US" sz="4800" noProof="1">
+                <a:solidFill>
+                  <a:srgbClr val="000000"/>
+                </a:solidFill>
+              </a:rPr>
+              <a:t>01110</a:t>
+            </a:r>
+            <a:endParaRPr kumimoji="0" lang="en-US" sz="4800" b="0" i="0" u="none" strike="noStrike" cap="none" spc="0" normalizeH="0" baseline="0" noProof="1">
+              <a:ln>
+                <a:noFill/>
+              </a:ln>
+              <a:solidFill>
+                <a:srgbClr val="000000"/>
+              </a:solidFill>
+              <a:effectLst/>
+              <a:uFillTx/>
+              <a:latin typeface="+mn-lt"/>
+              <a:ea typeface="+mn-ea"/>
+              <a:cs typeface="+mn-cs"/>
+              <a:sym typeface="Helvetica Neue"/>
+            </a:endParaRPr>
+          </a:p>
+          <a:p>
+            <a:pPr algn="r"/>
+            <a:r>
+              <a:rPr lang="en-US" sz="4800" noProof="1">
+                <a:solidFill>
+                  <a:srgbClr val="000000"/>
+                </a:solidFill>
+              </a:rPr>
+              <a:t>01111</a:t>
+            </a:r>
+            <a:endParaRPr kumimoji="0" lang="en-US" sz="4800" b="0" i="0" u="none" strike="noStrike" cap="none" spc="0" normalizeH="0" baseline="0" noProof="1">
+              <a:ln>
+                <a:noFill/>
+              </a:ln>
+              <a:solidFill>
+                <a:srgbClr val="000000"/>
+              </a:solidFill>
+              <a:effectLst/>
+              <a:uFillTx/>
+              <a:latin typeface="+mn-lt"/>
+              <a:ea typeface="+mn-ea"/>
+              <a:cs typeface="+mn-cs"/>
+              <a:sym typeface="Helvetica Neue"/>
+            </a:endParaRPr>
+          </a:p>
+          <a:p>
+            <a:pPr algn="r"/>
+            <a:r>
+              <a:rPr lang="en-US" sz="4800" noProof="1">
+                <a:solidFill>
+                  <a:srgbClr val="000000"/>
+                </a:solidFill>
+              </a:rPr>
+              <a:t>10</a:t>
+            </a:r>
+            <a:endParaRPr kumimoji="0" lang="en-US" sz="4800" b="0" i="0" u="none" strike="noStrike" cap="none" spc="0" normalizeH="0" baseline="0" noProof="1">
+              <a:ln>
+                <a:noFill/>
+              </a:ln>
+              <a:solidFill>
+                <a:srgbClr val="000000"/>
+              </a:solidFill>
+              <a:effectLst/>
+              <a:uFillTx/>
+              <a:latin typeface="+mn-lt"/>
+              <a:ea typeface="+mn-ea"/>
+              <a:cs typeface="+mn-cs"/>
+              <a:sym typeface="Helvetica Neue"/>
+            </a:endParaRPr>
+          </a:p>
+          <a:p>
+            <a:pPr algn="r"/>
+            <a:r>
+              <a:rPr lang="en-US" sz="4800" noProof="1">
+                <a:solidFill>
+                  <a:srgbClr val="000000"/>
+                </a:solidFill>
+              </a:rPr>
+              <a:t>11</a:t>
+            </a:r>
+            <a:endParaRPr kumimoji="0" lang="id-ID" sz="4800" b="0" i="0" u="none" strike="noStrike" cap="none" spc="0" normalizeH="0" baseline="0" noProof="1">
+              <a:ln>
+                <a:noFill/>
+              </a:ln>
+              <a:solidFill>
+                <a:srgbClr val="000000"/>
+              </a:solidFill>
+              <a:effectLst/>
+              <a:uFillTx/>
+              <a:latin typeface="+mn-lt"/>
+              <a:ea typeface="+mn-ea"/>
+              <a:cs typeface="+mn-cs"/>
+              <a:sym typeface="Helvetica Neue"/>
+            </a:endParaRPr>
+          </a:p>
+        </p:txBody>
+      </p:sp>
+      <p:sp>
+        <p:nvSpPr>
+          <p:cNvPr id="92" name="TextBox 91">
+            <a:extLst>
+              <a:ext uri="{FF2B5EF4-FFF2-40B4-BE49-F238E27FC236}">
+                <a16:creationId xmlns:a16="http://schemas.microsoft.com/office/drawing/2014/main" id="{DBE44912-0356-4428-BF17-3AA0730434E4}"/>
+              </a:ext>
+            </a:extLst>
+          </p:cNvPr>
+          <p:cNvSpPr txBox="1"/>
+          <p:nvPr/>
+        </p:nvSpPr>
+        <p:spPr>
+          <a:xfrm>
+            <a:off x="7383592" y="3673143"/>
+            <a:ext cx="12109084" cy="6011902"/>
+          </a:xfrm>
+          <a:prstGeom prst="rect">
+            <a:avLst/>
+          </a:prstGeom>
+          <a:noFill/>
+          <a:ln w="12700" cap="flat">
+            <a:noFill/>
+            <a:miter lim="400000"/>
+          </a:ln>
+          <a:effectLst/>
+          <a:sp3d/>
+        </p:spPr>
+        <p:style>
+          <a:lnRef idx="0">
+            <a:scrgbClr r="0" g="0" b="0"/>
+          </a:lnRef>
+          <a:fillRef idx="0">
+            <a:scrgbClr r="0" g="0" b="0"/>
+          </a:fillRef>
+          <a:effectRef idx="0">
+            <a:scrgbClr r="0" g="0" b="0"/>
+          </a:effectRef>
+          <a:fontRef idx="none"/>
+        </p:style>
+        <p:txBody>
+          <a:bodyPr rot="0" spcFirstLastPara="1" vertOverflow="overflow" horzOverflow="overflow" vert="horz" wrap="none" lIns="50800" tIns="50800" rIns="50800" bIns="50800" numCol="1" spcCol="38100" rtlCol="0" anchor="ctr">
+            <a:spAutoFit/>
+          </a:bodyPr>
+          <a:lstStyle/>
+          <a:p>
+            <a:pPr algn="l"/>
+            <a:r>
+              <a:rPr lang="en-US" sz="4800" noProof="1">
+                <a:solidFill>
+                  <a:srgbClr val="000000"/>
+                </a:solidFill>
+              </a:rPr>
+              <a:t>01011 01000 01010 00111 11 00110 11</a:t>
+            </a:r>
+          </a:p>
+          <a:p>
+            <a:pPr algn="l"/>
+            <a:r>
+              <a:rPr lang="en-US" sz="4800" noProof="1">
+                <a:solidFill>
+                  <a:srgbClr val="000000"/>
+                </a:solidFill>
+              </a:rPr>
+              <a:t>01011 01011 00011 00010 10 01100 01001</a:t>
+            </a:r>
+          </a:p>
+          <a:p>
+            <a:pPr algn="l"/>
+            <a:r>
+              <a:rPr lang="en-US" sz="4800" noProof="1">
+                <a:solidFill>
+                  <a:srgbClr val="000000"/>
+                </a:solidFill>
+              </a:rPr>
+              <a:t>00111 00001 01010 11 01110 01111 01000</a:t>
+            </a:r>
+          </a:p>
+          <a:p>
+            <a:pPr algn="l"/>
+            <a:r>
+              <a:rPr lang="en-US" sz="4800" noProof="1">
+                <a:solidFill>
+                  <a:srgbClr val="000000"/>
+                </a:solidFill>
+              </a:rPr>
+              <a:t>10 01100 01101 10 01101 01100 11</a:t>
+            </a:r>
+          </a:p>
+          <a:p>
+            <a:pPr algn="l"/>
+            <a:r>
+              <a:rPr lang="en-US" sz="4800" noProof="1">
+                <a:solidFill>
+                  <a:srgbClr val="000000"/>
+                </a:solidFill>
+              </a:rPr>
+              <a:t>10 01101 01111 01000 01010 00110 11</a:t>
+            </a:r>
+          </a:p>
+          <a:p>
+            <a:pPr algn="l"/>
+            <a:r>
+              <a:rPr lang="en-US" sz="4800" noProof="1">
+                <a:solidFill>
+                  <a:srgbClr val="000000"/>
+                </a:solidFill>
+              </a:rPr>
+              <a:t>01111 01100 11 01110 01111 11 01110</a:t>
+            </a:r>
+          </a:p>
+          <a:p>
+            <a:pPr algn="l"/>
+            <a:r>
+              <a:rPr lang="en-US" sz="4800" noProof="1">
+                <a:solidFill>
+                  <a:srgbClr val="000000"/>
+                </a:solidFill>
+              </a:rPr>
+              <a:t>00101 00101 11 01001 01001 11 00000</a:t>
+            </a:r>
+          </a:p>
+          <a:p>
+            <a:pPr algn="l"/>
+            <a:r>
+              <a:rPr lang="en-US" sz="4800" noProof="1">
+                <a:solidFill>
+                  <a:srgbClr val="000000"/>
+                </a:solidFill>
+              </a:rPr>
+              <a:t>01101 10 01110 00100 11</a:t>
+            </a:r>
+          </a:p>
+        </p:txBody>
+      </p:sp>
+    </p:spTree>
+    <p:extLst>
+      <p:ext uri="{BB962C8B-B14F-4D97-AF65-F5344CB8AC3E}">
+        <p14:creationId xmlns:p14="http://schemas.microsoft.com/office/powerpoint/2010/main" val="3630071333"/>
+      </p:ext>
+    </p:extLst>
   </p:cSld>
   <p:clrMapOvr>
     <a:masterClrMapping/>
@@ -4901,8 +5872,8 @@
           </a:p>
         </p:txBody>
       </p:sp>
-      <mc:AlternateContent xmlns:mc="http://schemas.openxmlformats.org/markup-compatibility/2006">
-        <mc:Choice xmlns:p14="http://schemas.microsoft.com/office/powerpoint/2010/main" Requires="p14">
+      <mc:AlternateContent xmlns:mc="http://schemas.openxmlformats.org/markup-compatibility/2006" xmlns:p14="http://schemas.microsoft.com/office/powerpoint/2010/main">
+        <mc:Choice Requires="p14">
           <p:contentPart p14:bwMode="auto" r:id="rId3">
             <p14:nvContentPartPr>
               <p14:cNvPr id="2" name="Ink 1">
@@ -4921,7 +5892,7 @@
             </p14:xfrm>
           </p:contentPart>
         </mc:Choice>
-        <mc:Fallback>
+        <mc:Fallback xmlns="">
           <p:pic>
             <p:nvPicPr>
               <p:cNvPr id="2" name="Ink 1">
@@ -4952,8 +5923,8 @@
           </p:pic>
         </mc:Fallback>
       </mc:AlternateContent>
-      <mc:AlternateContent xmlns:mc="http://schemas.openxmlformats.org/markup-compatibility/2006">
-        <mc:Choice xmlns:p14="http://schemas.microsoft.com/office/powerpoint/2010/main" Requires="p14">
+      <mc:AlternateContent xmlns:mc="http://schemas.openxmlformats.org/markup-compatibility/2006" xmlns:p14="http://schemas.microsoft.com/office/powerpoint/2010/main">
+        <mc:Choice Requires="p14">
           <p:contentPart p14:bwMode="auto" r:id="rId5">
             <p14:nvContentPartPr>
               <p14:cNvPr id="5" name="Ink 4">
@@ -4972,7 +5943,7 @@
             </p14:xfrm>
           </p:contentPart>
         </mc:Choice>
-        <mc:Fallback>
+        <mc:Fallback xmlns="">
           <p:pic>
             <p:nvPicPr>
               <p:cNvPr id="5" name="Ink 4">
@@ -5160,8 +6131,8 @@
           </a:p>
         </p:txBody>
       </p:sp>
-      <mc:AlternateContent xmlns:mc="http://schemas.openxmlformats.org/markup-compatibility/2006">
-        <mc:Choice xmlns:p14="http://schemas.microsoft.com/office/powerpoint/2010/main" Requires="p14">
+      <mc:AlternateContent xmlns:mc="http://schemas.openxmlformats.org/markup-compatibility/2006" xmlns:p14="http://schemas.microsoft.com/office/powerpoint/2010/main">
+        <mc:Choice Requires="p14">
           <p:contentPart p14:bwMode="auto" r:id="rId3">
             <p14:nvContentPartPr>
               <p14:cNvPr id="7" name="Ink 6">
@@ -5180,7 +6151,7 @@
             </p14:xfrm>
           </p:contentPart>
         </mc:Choice>
-        <mc:Fallback>
+        <mc:Fallback xmlns="">
           <p:pic>
             <p:nvPicPr>
               <p:cNvPr id="7" name="Ink 6">
@@ -5211,8 +6182,8 @@
           </p:pic>
         </mc:Fallback>
       </mc:AlternateContent>
-      <mc:AlternateContent xmlns:mc="http://schemas.openxmlformats.org/markup-compatibility/2006">
-        <mc:Choice xmlns:p14="http://schemas.microsoft.com/office/powerpoint/2010/main" Requires="p14">
+      <mc:AlternateContent xmlns:mc="http://schemas.openxmlformats.org/markup-compatibility/2006" xmlns:p14="http://schemas.microsoft.com/office/powerpoint/2010/main">
+        <mc:Choice Requires="p14">
           <p:contentPart p14:bwMode="auto" r:id="rId5">
             <p14:nvContentPartPr>
               <p14:cNvPr id="8" name="Ink 7">
@@ -5231,7 +6202,7 @@
             </p14:xfrm>
           </p:contentPart>
         </mc:Choice>
-        <mc:Fallback>
+        <mc:Fallback xmlns="">
           <p:pic>
             <p:nvPicPr>
               <p:cNvPr id="8" name="Ink 7">
@@ -5262,8 +6233,8 @@
           </p:pic>
         </mc:Fallback>
       </mc:AlternateContent>
-      <mc:AlternateContent xmlns:mc="http://schemas.openxmlformats.org/markup-compatibility/2006">
-        <mc:Choice xmlns:p14="http://schemas.microsoft.com/office/powerpoint/2010/main" Requires="p14">
+      <mc:AlternateContent xmlns:mc="http://schemas.openxmlformats.org/markup-compatibility/2006" xmlns:p14="http://schemas.microsoft.com/office/powerpoint/2010/main">
+        <mc:Choice Requires="p14">
           <p:contentPart p14:bwMode="auto" r:id="rId7">
             <p14:nvContentPartPr>
               <p14:cNvPr id="9" name="Ink 8">
@@ -5282,7 +6253,7 @@
             </p14:xfrm>
           </p:contentPart>
         </mc:Choice>
-        <mc:Fallback>
+        <mc:Fallback xmlns="">
           <p:pic>
             <p:nvPicPr>
               <p:cNvPr id="9" name="Ink 8">
@@ -5313,8 +6284,8 @@
           </p:pic>
         </mc:Fallback>
       </mc:AlternateContent>
-      <mc:AlternateContent xmlns:mc="http://schemas.openxmlformats.org/markup-compatibility/2006">
-        <mc:Choice xmlns:p14="http://schemas.microsoft.com/office/powerpoint/2010/main" Requires="p14">
+      <mc:AlternateContent xmlns:mc="http://schemas.openxmlformats.org/markup-compatibility/2006" xmlns:p14="http://schemas.microsoft.com/office/powerpoint/2010/main">
+        <mc:Choice Requires="p14">
           <p:contentPart p14:bwMode="auto" r:id="rId9">
             <p14:nvContentPartPr>
               <p14:cNvPr id="10" name="Ink 9">
@@ -5333,7 +6304,7 @@
             </p14:xfrm>
           </p:contentPart>
         </mc:Choice>
-        <mc:Fallback>
+        <mc:Fallback xmlns="">
           <p:pic>
             <p:nvPicPr>
               <p:cNvPr id="10" name="Ink 9">
@@ -5364,8 +6335,8 @@
           </p:pic>
         </mc:Fallback>
       </mc:AlternateContent>
-      <mc:AlternateContent xmlns:mc="http://schemas.openxmlformats.org/markup-compatibility/2006">
-        <mc:Choice xmlns:p14="http://schemas.microsoft.com/office/powerpoint/2010/main" Requires="p14">
+      <mc:AlternateContent xmlns:mc="http://schemas.openxmlformats.org/markup-compatibility/2006" xmlns:p14="http://schemas.microsoft.com/office/powerpoint/2010/main">
+        <mc:Choice Requires="p14">
           <p:contentPart p14:bwMode="auto" r:id="rId11">
             <p14:nvContentPartPr>
               <p14:cNvPr id="11" name="Ink 10">
@@ -5384,7 +6355,7 @@
             </p14:xfrm>
           </p:contentPart>
         </mc:Choice>
-        <mc:Fallback>
+        <mc:Fallback xmlns="">
           <p:pic>
             <p:nvPicPr>
               <p:cNvPr id="11" name="Ink 10">
@@ -5415,8 +6386,8 @@
           </p:pic>
         </mc:Fallback>
       </mc:AlternateContent>
-      <mc:AlternateContent xmlns:mc="http://schemas.openxmlformats.org/markup-compatibility/2006">
-        <mc:Choice xmlns:p14="http://schemas.microsoft.com/office/powerpoint/2010/main" Requires="p14">
+      <mc:AlternateContent xmlns:mc="http://schemas.openxmlformats.org/markup-compatibility/2006" xmlns:p14="http://schemas.microsoft.com/office/powerpoint/2010/main">
+        <mc:Choice Requires="p14">
           <p:contentPart p14:bwMode="auto" r:id="rId13">
             <p14:nvContentPartPr>
               <p14:cNvPr id="12" name="Ink 11">
@@ -5435,7 +6406,7 @@
             </p14:xfrm>
           </p:contentPart>
         </mc:Choice>
-        <mc:Fallback>
+        <mc:Fallback xmlns="">
           <p:pic>
             <p:nvPicPr>
               <p:cNvPr id="12" name="Ink 11">
@@ -5466,8 +6437,8 @@
           </p:pic>
         </mc:Fallback>
       </mc:AlternateContent>
-      <mc:AlternateContent xmlns:mc="http://schemas.openxmlformats.org/markup-compatibility/2006">
-        <mc:Choice xmlns:p14="http://schemas.microsoft.com/office/powerpoint/2010/main" Requires="p14">
+      <mc:AlternateContent xmlns:mc="http://schemas.openxmlformats.org/markup-compatibility/2006" xmlns:p14="http://schemas.microsoft.com/office/powerpoint/2010/main">
+        <mc:Choice Requires="p14">
           <p:contentPart p14:bwMode="auto" r:id="rId15">
             <p14:nvContentPartPr>
               <p14:cNvPr id="13" name="Ink 12">
@@ -5486,7 +6457,7 @@
             </p14:xfrm>
           </p:contentPart>
         </mc:Choice>
-        <mc:Fallback>
+        <mc:Fallback xmlns="">
           <p:pic>
             <p:nvPicPr>
               <p:cNvPr id="13" name="Ink 12">
@@ -5517,8 +6488,8 @@
           </p:pic>
         </mc:Fallback>
       </mc:AlternateContent>
-      <mc:AlternateContent xmlns:mc="http://schemas.openxmlformats.org/markup-compatibility/2006">
-        <mc:Choice xmlns:p14="http://schemas.microsoft.com/office/powerpoint/2010/main" Requires="p14">
+      <mc:AlternateContent xmlns:mc="http://schemas.openxmlformats.org/markup-compatibility/2006" xmlns:p14="http://schemas.microsoft.com/office/powerpoint/2010/main">
+        <mc:Choice Requires="p14">
           <p:contentPart p14:bwMode="auto" r:id="rId17">
             <p14:nvContentPartPr>
               <p14:cNvPr id="14" name="Ink 13">
@@ -5537,7 +6508,7 @@
             </p14:xfrm>
           </p:contentPart>
         </mc:Choice>
-        <mc:Fallback>
+        <mc:Fallback xmlns="">
           <p:pic>
             <p:nvPicPr>
               <p:cNvPr id="14" name="Ink 13">
@@ -5568,8 +6539,8 @@
           </p:pic>
         </mc:Fallback>
       </mc:AlternateContent>
-      <mc:AlternateContent xmlns:mc="http://schemas.openxmlformats.org/markup-compatibility/2006">
-        <mc:Choice xmlns:p14="http://schemas.microsoft.com/office/powerpoint/2010/main" Requires="p14">
+      <mc:AlternateContent xmlns:mc="http://schemas.openxmlformats.org/markup-compatibility/2006" xmlns:p14="http://schemas.microsoft.com/office/powerpoint/2010/main">
+        <mc:Choice Requires="p14">
           <p:contentPart p14:bwMode="auto" r:id="rId19">
             <p14:nvContentPartPr>
               <p14:cNvPr id="15" name="Ink 14">
@@ -5588,7 +6559,7 @@
             </p14:xfrm>
           </p:contentPart>
         </mc:Choice>
-        <mc:Fallback>
+        <mc:Fallback xmlns="">
           <p:pic>
             <p:nvPicPr>
               <p:cNvPr id="15" name="Ink 14">
@@ -5619,8 +6590,8 @@
           </p:pic>
         </mc:Fallback>
       </mc:AlternateContent>
-      <mc:AlternateContent xmlns:mc="http://schemas.openxmlformats.org/markup-compatibility/2006">
-        <mc:Choice xmlns:p14="http://schemas.microsoft.com/office/powerpoint/2010/main" Requires="p14">
+      <mc:AlternateContent xmlns:mc="http://schemas.openxmlformats.org/markup-compatibility/2006" xmlns:p14="http://schemas.microsoft.com/office/powerpoint/2010/main">
+        <mc:Choice Requires="p14">
           <p:contentPart p14:bwMode="auto" r:id="rId20">
             <p14:nvContentPartPr>
               <p14:cNvPr id="16" name="Ink 15">
@@ -5639,7 +6610,7 @@
             </p14:xfrm>
           </p:contentPart>
         </mc:Choice>
-        <mc:Fallback>
+        <mc:Fallback xmlns="">
           <p:pic>
             <p:nvPicPr>
               <p:cNvPr id="16" name="Ink 15">
@@ -5670,8 +6641,8 @@
           </p:pic>
         </mc:Fallback>
       </mc:AlternateContent>
-      <mc:AlternateContent xmlns:mc="http://schemas.openxmlformats.org/markup-compatibility/2006">
-        <mc:Choice xmlns:p14="http://schemas.microsoft.com/office/powerpoint/2010/main" Requires="p14">
+      <mc:AlternateContent xmlns:mc="http://schemas.openxmlformats.org/markup-compatibility/2006" xmlns:p14="http://schemas.microsoft.com/office/powerpoint/2010/main">
+        <mc:Choice Requires="p14">
           <p:contentPart p14:bwMode="auto" r:id="rId21">
             <p14:nvContentPartPr>
               <p14:cNvPr id="17" name="Ink 16">
@@ -5690,7 +6661,7 @@
             </p14:xfrm>
           </p:contentPart>
         </mc:Choice>
-        <mc:Fallback>
+        <mc:Fallback xmlns="">
           <p:pic>
             <p:nvPicPr>
               <p:cNvPr id="17" name="Ink 16">
@@ -5721,8 +6692,8 @@
           </p:pic>
         </mc:Fallback>
       </mc:AlternateContent>
-      <mc:AlternateContent xmlns:mc="http://schemas.openxmlformats.org/markup-compatibility/2006">
-        <mc:Choice xmlns:p14="http://schemas.microsoft.com/office/powerpoint/2010/main" Requires="p14">
+      <mc:AlternateContent xmlns:mc="http://schemas.openxmlformats.org/markup-compatibility/2006" xmlns:p14="http://schemas.microsoft.com/office/powerpoint/2010/main">
+        <mc:Choice Requires="p14">
           <p:contentPart p14:bwMode="auto" r:id="rId22">
             <p14:nvContentPartPr>
               <p14:cNvPr id="18" name="Ink 17">
@@ -5741,7 +6712,7 @@
             </p14:xfrm>
           </p:contentPart>
         </mc:Choice>
-        <mc:Fallback>
+        <mc:Fallback xmlns="">
           <p:pic>
             <p:nvPicPr>
               <p:cNvPr id="18" name="Ink 17">
@@ -5772,8 +6743,8 @@
           </p:pic>
         </mc:Fallback>
       </mc:AlternateContent>
-      <mc:AlternateContent xmlns:mc="http://schemas.openxmlformats.org/markup-compatibility/2006">
-        <mc:Choice xmlns:p14="http://schemas.microsoft.com/office/powerpoint/2010/main" Requires="p14">
+      <mc:AlternateContent xmlns:mc="http://schemas.openxmlformats.org/markup-compatibility/2006" xmlns:p14="http://schemas.microsoft.com/office/powerpoint/2010/main">
+        <mc:Choice Requires="p14">
           <p:contentPart p14:bwMode="auto" r:id="rId23">
             <p14:nvContentPartPr>
               <p14:cNvPr id="19" name="Ink 18">
@@ -5792,7 +6763,7 @@
             </p14:xfrm>
           </p:contentPart>
         </mc:Choice>
-        <mc:Fallback>
+        <mc:Fallback xmlns="">
           <p:pic>
             <p:nvPicPr>
               <p:cNvPr id="19" name="Ink 18">
@@ -5823,8 +6794,8 @@
           </p:pic>
         </mc:Fallback>
       </mc:AlternateContent>
-      <mc:AlternateContent xmlns:mc="http://schemas.openxmlformats.org/markup-compatibility/2006">
-        <mc:Choice xmlns:p14="http://schemas.microsoft.com/office/powerpoint/2010/main" Requires="p14">
+      <mc:AlternateContent xmlns:mc="http://schemas.openxmlformats.org/markup-compatibility/2006" xmlns:p14="http://schemas.microsoft.com/office/powerpoint/2010/main">
+        <mc:Choice Requires="p14">
           <p:contentPart p14:bwMode="auto" r:id="rId24">
             <p14:nvContentPartPr>
               <p14:cNvPr id="20" name="Ink 19">
@@ -5843,7 +6814,7 @@
             </p14:xfrm>
           </p:contentPart>
         </mc:Choice>
-        <mc:Fallback>
+        <mc:Fallback xmlns="">
           <p:pic>
             <p:nvPicPr>
               <p:cNvPr id="20" name="Ink 19">
@@ -5874,6 +6845,486 @@
           </p:pic>
         </mc:Fallback>
       </mc:AlternateContent>
+      <p:sp>
+        <p:nvSpPr>
+          <p:cNvPr id="21" name="TextBox 20">
+            <a:extLst>
+              <a:ext uri="{FF2B5EF4-FFF2-40B4-BE49-F238E27FC236}">
+                <a16:creationId xmlns:a16="http://schemas.microsoft.com/office/drawing/2014/main" id="{64BA1067-BF98-43E8-B6C6-DAEA22A8EFCD}"/>
+              </a:ext>
+            </a:extLst>
+          </p:cNvPr>
+          <p:cNvSpPr txBox="1"/>
+          <p:nvPr/>
+        </p:nvSpPr>
+        <p:spPr>
+          <a:xfrm>
+            <a:off x="171918" y="6858000"/>
+            <a:ext cx="1493781" cy="964367"/>
+          </a:xfrm>
+          <a:prstGeom prst="rect">
+            <a:avLst/>
+          </a:prstGeom>
+          <a:noFill/>
+          <a:ln w="12700" cap="flat">
+            <a:noFill/>
+            <a:miter lim="400000"/>
+          </a:ln>
+          <a:effectLst/>
+          <a:sp3d/>
+        </p:spPr>
+        <p:style>
+          <a:lnRef idx="0">
+            <a:scrgbClr r="0" g="0" b="0"/>
+          </a:lnRef>
+          <a:fillRef idx="0">
+            <a:scrgbClr r="0" g="0" b="0"/>
+          </a:fillRef>
+          <a:effectRef idx="0">
+            <a:scrgbClr r="0" g="0" b="0"/>
+          </a:effectRef>
+          <a:fontRef idx="none"/>
+        </p:style>
+        <p:txBody>
+          <a:bodyPr rot="0" spcFirstLastPara="1" vertOverflow="overflow" horzOverflow="overflow" vert="horz" wrap="square" lIns="50800" tIns="50800" rIns="50800" bIns="50800" numCol="1" spcCol="38100" rtlCol="0" anchor="ctr">
+            <a:spAutoFit/>
+          </a:bodyPr>
+          <a:lstStyle/>
+          <a:p>
+            <a:r>
+              <a:rPr kumimoji="0" lang="en-US" sz="2800" b="0" i="0" u="none" strike="noStrike" cap="none" spc="0" normalizeH="0" baseline="0" noProof="1">
+                <a:ln>
+                  <a:noFill/>
+                </a:ln>
+                <a:solidFill>
+                  <a:srgbClr val="000000"/>
+                </a:solidFill>
+                <a:effectLst/>
+                <a:uFillTx/>
+                <a:latin typeface="+mn-lt"/>
+                <a:ea typeface="+mn-ea"/>
+                <a:cs typeface="+mn-cs"/>
+                <a:sym typeface="Helvetica Neue"/>
+              </a:rPr>
+              <a:t>4370 (Depok)</a:t>
+            </a:r>
+            <a:endParaRPr kumimoji="0" lang="id-ID" sz="2800" b="0" i="0" u="none" strike="noStrike" cap="none" spc="0" normalizeH="0" baseline="0" noProof="1">
+              <a:ln>
+                <a:noFill/>
+              </a:ln>
+              <a:solidFill>
+                <a:srgbClr val="000000"/>
+              </a:solidFill>
+              <a:effectLst/>
+              <a:uFillTx/>
+              <a:latin typeface="+mn-lt"/>
+              <a:ea typeface="+mn-ea"/>
+              <a:cs typeface="+mn-cs"/>
+              <a:sym typeface="Helvetica Neue"/>
+            </a:endParaRPr>
+          </a:p>
+        </p:txBody>
+      </p:sp>
+      <p:sp>
+        <p:nvSpPr>
+          <p:cNvPr id="22" name="TextBox 21">
+            <a:extLst>
+              <a:ext uri="{FF2B5EF4-FFF2-40B4-BE49-F238E27FC236}">
+                <a16:creationId xmlns:a16="http://schemas.microsoft.com/office/drawing/2014/main" id="{6C6838C4-4E7A-4992-88E3-31BC5FEAEEE9}"/>
+              </a:ext>
+            </a:extLst>
+          </p:cNvPr>
+          <p:cNvSpPr txBox="1"/>
+          <p:nvPr/>
+        </p:nvSpPr>
+        <p:spPr>
+          <a:xfrm>
+            <a:off x="5948209" y="11234013"/>
+            <a:ext cx="1493781" cy="1395254"/>
+          </a:xfrm>
+          <a:prstGeom prst="rect">
+            <a:avLst/>
+          </a:prstGeom>
+          <a:noFill/>
+          <a:ln w="12700" cap="flat">
+            <a:noFill/>
+            <a:miter lim="400000"/>
+          </a:ln>
+          <a:effectLst/>
+          <a:sp3d/>
+        </p:spPr>
+        <p:style>
+          <a:lnRef idx="0">
+            <a:scrgbClr r="0" g="0" b="0"/>
+          </a:lnRef>
+          <a:fillRef idx="0">
+            <a:scrgbClr r="0" g="0" b="0"/>
+          </a:fillRef>
+          <a:effectRef idx="0">
+            <a:scrgbClr r="0" g="0" b="0"/>
+          </a:effectRef>
+          <a:fontRef idx="none"/>
+        </p:style>
+        <p:txBody>
+          <a:bodyPr rot="0" spcFirstLastPara="1" vertOverflow="overflow" horzOverflow="overflow" vert="horz" wrap="square" lIns="50800" tIns="50800" rIns="50800" bIns="50800" numCol="1" spcCol="38100" rtlCol="0" anchor="ctr">
+            <a:spAutoFit/>
+          </a:bodyPr>
+          <a:lstStyle/>
+          <a:p>
+            <a:r>
+              <a:rPr kumimoji="0" lang="en-US" sz="2800" b="0" i="0" u="none" strike="noStrike" cap="none" spc="0" normalizeH="0" baseline="0" noProof="1">
+                <a:ln>
+                  <a:noFill/>
+                </a:ln>
+                <a:solidFill>
+                  <a:srgbClr val="000000"/>
+                </a:solidFill>
+                <a:effectLst/>
+                <a:uFillTx/>
+                <a:latin typeface="+mn-lt"/>
+                <a:ea typeface="+mn-ea"/>
+                <a:cs typeface="+mn-cs"/>
+                <a:sym typeface="Helvetica Neue"/>
+              </a:rPr>
+              <a:t>10680 (Depok, Bogor)</a:t>
+            </a:r>
+            <a:endParaRPr kumimoji="0" lang="id-ID" sz="2800" b="0" i="0" u="none" strike="noStrike" cap="none" spc="0" normalizeH="0" baseline="0" noProof="1">
+              <a:ln>
+                <a:noFill/>
+              </a:ln>
+              <a:solidFill>
+                <a:srgbClr val="000000"/>
+              </a:solidFill>
+              <a:effectLst/>
+              <a:uFillTx/>
+              <a:latin typeface="+mn-lt"/>
+              <a:ea typeface="+mn-ea"/>
+              <a:cs typeface="+mn-cs"/>
+              <a:sym typeface="Helvetica Neue"/>
+            </a:endParaRPr>
+          </a:p>
+        </p:txBody>
+      </p:sp>
+      <p:sp>
+        <p:nvSpPr>
+          <p:cNvPr id="23" name="TextBox 22">
+            <a:extLst>
+              <a:ext uri="{FF2B5EF4-FFF2-40B4-BE49-F238E27FC236}">
+                <a16:creationId xmlns:a16="http://schemas.microsoft.com/office/drawing/2014/main" id="{F71422B1-D54D-4767-9DB6-1DA7AAFD3E84}"/>
+              </a:ext>
+            </a:extLst>
+          </p:cNvPr>
+          <p:cNvSpPr txBox="1"/>
+          <p:nvPr/>
+        </p:nvSpPr>
+        <p:spPr>
+          <a:xfrm>
+            <a:off x="9639829" y="11018570"/>
+            <a:ext cx="1493781" cy="1826141"/>
+          </a:xfrm>
+          <a:prstGeom prst="rect">
+            <a:avLst/>
+          </a:prstGeom>
+          <a:noFill/>
+          <a:ln w="12700" cap="flat">
+            <a:noFill/>
+            <a:miter lim="400000"/>
+          </a:ln>
+          <a:effectLst/>
+          <a:sp3d/>
+        </p:spPr>
+        <p:style>
+          <a:lnRef idx="0">
+            <a:scrgbClr r="0" g="0" b="0"/>
+          </a:lnRef>
+          <a:fillRef idx="0">
+            <a:scrgbClr r="0" g="0" b="0"/>
+          </a:fillRef>
+          <a:effectRef idx="0">
+            <a:scrgbClr r="0" g="0" b="0"/>
+          </a:effectRef>
+          <a:fontRef idx="none"/>
+        </p:style>
+        <p:txBody>
+          <a:bodyPr rot="0" spcFirstLastPara="1" vertOverflow="overflow" horzOverflow="overflow" vert="horz" wrap="square" lIns="50800" tIns="50800" rIns="50800" bIns="50800" numCol="1" spcCol="38100" rtlCol="0" anchor="ctr">
+            <a:spAutoFit/>
+          </a:bodyPr>
+          <a:lstStyle/>
+          <a:p>
+            <a:r>
+              <a:rPr kumimoji="0" lang="en-US" sz="2800" b="0" i="0" u="none" strike="noStrike" cap="none" spc="0" normalizeH="0" baseline="0" noProof="1">
+                <a:ln>
+                  <a:noFill/>
+                </a:ln>
+                <a:solidFill>
+                  <a:srgbClr val="000000"/>
+                </a:solidFill>
+                <a:effectLst/>
+                <a:uFillTx/>
+                <a:latin typeface="+mn-lt"/>
+                <a:ea typeface="+mn-ea"/>
+                <a:cs typeface="+mn-cs"/>
+                <a:sym typeface="Helvetica Neue"/>
+              </a:rPr>
+              <a:t>17180 (Depok, Bogor, Cianjur)</a:t>
+            </a:r>
+            <a:endParaRPr kumimoji="0" lang="id-ID" sz="2800" b="0" i="0" u="none" strike="noStrike" cap="none" spc="0" normalizeH="0" baseline="0" noProof="1">
+              <a:ln>
+                <a:noFill/>
+              </a:ln>
+              <a:solidFill>
+                <a:srgbClr val="000000"/>
+              </a:solidFill>
+              <a:effectLst/>
+              <a:uFillTx/>
+              <a:latin typeface="+mn-lt"/>
+              <a:ea typeface="+mn-ea"/>
+              <a:cs typeface="+mn-cs"/>
+              <a:sym typeface="Helvetica Neue"/>
+            </a:endParaRPr>
+          </a:p>
+        </p:txBody>
+      </p:sp>
+      <p:sp>
+        <p:nvSpPr>
+          <p:cNvPr id="24" name="TextBox 23">
+            <a:extLst>
+              <a:ext uri="{FF2B5EF4-FFF2-40B4-BE49-F238E27FC236}">
+                <a16:creationId xmlns:a16="http://schemas.microsoft.com/office/drawing/2014/main" id="{FD49C449-51FE-4F5B-AE54-4B59FFA9C197}"/>
+              </a:ext>
+            </a:extLst>
+          </p:cNvPr>
+          <p:cNvSpPr txBox="1"/>
+          <p:nvPr/>
+        </p:nvSpPr>
+        <p:spPr>
+          <a:xfrm>
+            <a:off x="12969218" y="8234742"/>
+            <a:ext cx="2549520" cy="1395254"/>
+          </a:xfrm>
+          <a:prstGeom prst="rect">
+            <a:avLst/>
+          </a:prstGeom>
+          <a:noFill/>
+          <a:ln w="12700" cap="flat">
+            <a:noFill/>
+            <a:miter lim="400000"/>
+          </a:ln>
+          <a:effectLst/>
+          <a:sp3d/>
+        </p:spPr>
+        <p:style>
+          <a:lnRef idx="0">
+            <a:scrgbClr r="0" g="0" b="0"/>
+          </a:lnRef>
+          <a:fillRef idx="0">
+            <a:scrgbClr r="0" g="0" b="0"/>
+          </a:fillRef>
+          <a:effectRef idx="0">
+            <a:scrgbClr r="0" g="0" b="0"/>
+          </a:effectRef>
+          <a:fontRef idx="none"/>
+        </p:style>
+        <p:txBody>
+          <a:bodyPr rot="0" spcFirstLastPara="1" vertOverflow="overflow" horzOverflow="overflow" vert="horz" wrap="square" lIns="50800" tIns="50800" rIns="50800" bIns="50800" numCol="1" spcCol="38100" rtlCol="0" anchor="ctr">
+            <a:spAutoFit/>
+          </a:bodyPr>
+          <a:lstStyle/>
+          <a:p>
+            <a:r>
+              <a:rPr kumimoji="0" lang="en-US" sz="2800" b="0" i="0" u="none" strike="noStrike" cap="none" spc="0" normalizeH="0" baseline="0" noProof="1">
+                <a:ln>
+                  <a:noFill/>
+                </a:ln>
+                <a:solidFill>
+                  <a:srgbClr val="000000"/>
+                </a:solidFill>
+                <a:effectLst/>
+                <a:uFillTx/>
+                <a:latin typeface="+mn-lt"/>
+                <a:ea typeface="+mn-ea"/>
+                <a:cs typeface="+mn-cs"/>
+                <a:sym typeface="Helvetica Neue"/>
+              </a:rPr>
+              <a:t>21830 (Depok, Bogor, Cianjur, Bandung)</a:t>
+            </a:r>
+            <a:endParaRPr kumimoji="0" lang="id-ID" sz="2800" b="0" i="0" u="none" strike="noStrike" cap="none" spc="0" normalizeH="0" baseline="0" noProof="1">
+              <a:ln>
+                <a:noFill/>
+              </a:ln>
+              <a:solidFill>
+                <a:srgbClr val="000000"/>
+              </a:solidFill>
+              <a:effectLst/>
+              <a:uFillTx/>
+              <a:latin typeface="+mn-lt"/>
+              <a:ea typeface="+mn-ea"/>
+              <a:cs typeface="+mn-cs"/>
+              <a:sym typeface="Helvetica Neue"/>
+            </a:endParaRPr>
+          </a:p>
+        </p:txBody>
+      </p:sp>
+      <p:sp>
+        <p:nvSpPr>
+          <p:cNvPr id="25" name="TextBox 24">
+            <a:extLst>
+              <a:ext uri="{FF2B5EF4-FFF2-40B4-BE49-F238E27FC236}">
+                <a16:creationId xmlns:a16="http://schemas.microsoft.com/office/drawing/2014/main" id="{8F307C44-38C0-44F1-8A56-67CCE3A6C2DB}"/>
+              </a:ext>
+            </a:extLst>
+          </p:cNvPr>
+          <p:cNvSpPr txBox="1"/>
+          <p:nvPr/>
+        </p:nvSpPr>
+        <p:spPr>
+          <a:xfrm>
+            <a:off x="15918808" y="8259232"/>
+            <a:ext cx="3604743" cy="1395254"/>
+          </a:xfrm>
+          <a:prstGeom prst="rect">
+            <a:avLst/>
+          </a:prstGeom>
+          <a:noFill/>
+          <a:ln w="12700" cap="flat">
+            <a:noFill/>
+            <a:miter lim="400000"/>
+          </a:ln>
+          <a:effectLst/>
+          <a:sp3d/>
+        </p:spPr>
+        <p:style>
+          <a:lnRef idx="0">
+            <a:scrgbClr r="0" g="0" b="0"/>
+          </a:lnRef>
+          <a:fillRef idx="0">
+            <a:scrgbClr r="0" g="0" b="0"/>
+          </a:fillRef>
+          <a:effectRef idx="0">
+            <a:scrgbClr r="0" g="0" b="0"/>
+          </a:effectRef>
+          <a:fontRef idx="none"/>
+        </p:style>
+        <p:txBody>
+          <a:bodyPr rot="0" spcFirstLastPara="1" vertOverflow="overflow" horzOverflow="overflow" vert="horz" wrap="square" lIns="50800" tIns="50800" rIns="50800" bIns="50800" numCol="1" spcCol="38100" rtlCol="0" anchor="ctr">
+            <a:spAutoFit/>
+          </a:bodyPr>
+          <a:lstStyle/>
+          <a:p>
+            <a:r>
+              <a:rPr kumimoji="0" lang="en-US" sz="2800" b="0" i="0" u="none" strike="noStrike" cap="none" spc="0" normalizeH="0" baseline="0" noProof="1">
+                <a:ln>
+                  <a:noFill/>
+                </a:ln>
+                <a:solidFill>
+                  <a:srgbClr val="000000"/>
+                </a:solidFill>
+                <a:effectLst/>
+                <a:uFillTx/>
+                <a:latin typeface="+mn-lt"/>
+                <a:ea typeface="+mn-ea"/>
+                <a:cs typeface="+mn-cs"/>
+                <a:sym typeface="Helvetica Neue"/>
+              </a:rPr>
+              <a:t>26990 (Depok, Bogor, Cianjur, Bandung, Sumedang)</a:t>
+            </a:r>
+            <a:endParaRPr kumimoji="0" lang="id-ID" sz="2800" b="0" i="0" u="none" strike="noStrike" cap="none" spc="0" normalizeH="0" baseline="0" noProof="1">
+              <a:ln>
+                <a:noFill/>
+              </a:ln>
+              <a:solidFill>
+                <a:srgbClr val="000000"/>
+              </a:solidFill>
+              <a:effectLst/>
+              <a:uFillTx/>
+              <a:latin typeface="+mn-lt"/>
+              <a:ea typeface="+mn-ea"/>
+              <a:cs typeface="+mn-cs"/>
+              <a:sym typeface="Helvetica Neue"/>
+            </a:endParaRPr>
+          </a:p>
+        </p:txBody>
+      </p:sp>
+      <p:sp>
+        <p:nvSpPr>
+          <p:cNvPr id="26" name="TextBox 25">
+            <a:extLst>
+              <a:ext uri="{FF2B5EF4-FFF2-40B4-BE49-F238E27FC236}">
+                <a16:creationId xmlns:a16="http://schemas.microsoft.com/office/drawing/2014/main" id="{D7BD4797-F9D6-4EAC-AC1D-73DFE982568D}"/>
+              </a:ext>
+            </a:extLst>
+          </p:cNvPr>
+          <p:cNvSpPr txBox="1"/>
+          <p:nvPr/>
+        </p:nvSpPr>
+        <p:spPr>
+          <a:xfrm>
+            <a:off x="21081404" y="1198454"/>
+            <a:ext cx="3006391" cy="2257028"/>
+          </a:xfrm>
+          <a:prstGeom prst="rect">
+            <a:avLst/>
+          </a:prstGeom>
+          <a:noFill/>
+          <a:ln w="12700" cap="flat">
+            <a:noFill/>
+            <a:miter lim="400000"/>
+          </a:ln>
+          <a:effectLst/>
+          <a:sp3d/>
+        </p:spPr>
+        <p:style>
+          <a:lnRef idx="0">
+            <a:scrgbClr r="0" g="0" b="0"/>
+          </a:lnRef>
+          <a:fillRef idx="0">
+            <a:scrgbClr r="0" g="0" b="0"/>
+          </a:fillRef>
+          <a:effectRef idx="0">
+            <a:scrgbClr r="0" g="0" b="0"/>
+          </a:effectRef>
+          <a:fontRef idx="none"/>
+        </p:style>
+        <p:txBody>
+          <a:bodyPr rot="0" spcFirstLastPara="1" vertOverflow="overflow" horzOverflow="overflow" vert="horz" wrap="square" lIns="50800" tIns="50800" rIns="50800" bIns="50800" numCol="1" spcCol="38100" rtlCol="0" anchor="ctr">
+            <a:spAutoFit/>
+          </a:bodyPr>
+          <a:lstStyle/>
+          <a:p>
+            <a:r>
+              <a:rPr kumimoji="0" lang="en-US" sz="2800" b="0" i="0" u="none" strike="noStrike" cap="none" spc="0" normalizeH="0" baseline="0" noProof="1">
+                <a:ln>
+                  <a:noFill/>
+                </a:ln>
+                <a:solidFill>
+                  <a:srgbClr val="000000"/>
+                </a:solidFill>
+                <a:effectLst/>
+                <a:uFillTx/>
+                <a:latin typeface="+mn-lt"/>
+                <a:ea typeface="+mn-ea"/>
+                <a:cs typeface="+mn-cs"/>
+                <a:sym typeface="Helvetica Neue"/>
+              </a:rPr>
+              <a:t>33560 (Depok, Bogor, Cianjur, Bandung, Sumedang, Majalengka)</a:t>
+            </a:r>
+            <a:endParaRPr kumimoji="0" lang="id-ID" sz="2800" b="0" i="0" u="none" strike="noStrike" cap="none" spc="0" normalizeH="0" baseline="0" noProof="1">
+              <a:ln>
+                <a:noFill/>
+              </a:ln>
+              <a:solidFill>
+                <a:srgbClr val="000000"/>
+              </a:solidFill>
+              <a:effectLst/>
+              <a:uFillTx/>
+              <a:latin typeface="+mn-lt"/>
+              <a:ea typeface="+mn-ea"/>
+              <a:cs typeface="+mn-cs"/>
+              <a:sym typeface="Helvetica Neue"/>
+            </a:endParaRPr>
+          </a:p>
+        </p:txBody>
+      </p:sp>
     </p:spTree>
     <p:extLst>
       <p:ext uri="{BB962C8B-B14F-4D97-AF65-F5344CB8AC3E}">
@@ -6031,8 +7482,8 @@
           </a:p>
         </p:txBody>
       </p:sp>
-      <mc:AlternateContent xmlns:mc="http://schemas.openxmlformats.org/markup-compatibility/2006">
-        <mc:Choice xmlns:p14="http://schemas.microsoft.com/office/powerpoint/2010/main" Requires="p14">
+      <mc:AlternateContent xmlns:mc="http://schemas.openxmlformats.org/markup-compatibility/2006" xmlns:p14="http://schemas.microsoft.com/office/powerpoint/2010/main">
+        <mc:Choice Requires="p14">
           <p:contentPart p14:bwMode="auto" r:id="rId3">
             <p14:nvContentPartPr>
               <p14:cNvPr id="7" name="Ink 6">
@@ -6051,7 +7502,7 @@
             </p14:xfrm>
           </p:contentPart>
         </mc:Choice>
-        <mc:Fallback>
+        <mc:Fallback xmlns="">
           <p:pic>
             <p:nvPicPr>
               <p:cNvPr id="7" name="Ink 6">
@@ -6082,8 +7533,8 @@
           </p:pic>
         </mc:Fallback>
       </mc:AlternateContent>
-      <mc:AlternateContent xmlns:mc="http://schemas.openxmlformats.org/markup-compatibility/2006">
-        <mc:Choice xmlns:p14="http://schemas.microsoft.com/office/powerpoint/2010/main" Requires="p14">
+      <mc:AlternateContent xmlns:mc="http://schemas.openxmlformats.org/markup-compatibility/2006" xmlns:p14="http://schemas.microsoft.com/office/powerpoint/2010/main">
+        <mc:Choice Requires="p14">
           <p:contentPart p14:bwMode="auto" r:id="rId5">
             <p14:nvContentPartPr>
               <p14:cNvPr id="9" name="Ink 8">
@@ -6102,7 +7553,7 @@
             </p14:xfrm>
           </p:contentPart>
         </mc:Choice>
-        <mc:Fallback>
+        <mc:Fallback xmlns="">
           <p:pic>
             <p:nvPicPr>
               <p:cNvPr id="9" name="Ink 8">
@@ -6133,8 +7584,8 @@
           </p:pic>
         </mc:Fallback>
       </mc:AlternateContent>
-      <mc:AlternateContent xmlns:mc="http://schemas.openxmlformats.org/markup-compatibility/2006">
-        <mc:Choice xmlns:p14="http://schemas.microsoft.com/office/powerpoint/2010/main" Requires="p14">
+      <mc:AlternateContent xmlns:mc="http://schemas.openxmlformats.org/markup-compatibility/2006" xmlns:p14="http://schemas.microsoft.com/office/powerpoint/2010/main">
+        <mc:Choice Requires="p14">
           <p:contentPart p14:bwMode="auto" r:id="rId7">
             <p14:nvContentPartPr>
               <p14:cNvPr id="10" name="Ink 9">
@@ -6153,7 +7604,7 @@
             </p14:xfrm>
           </p:contentPart>
         </mc:Choice>
-        <mc:Fallback>
+        <mc:Fallback xmlns="">
           <p:pic>
             <p:nvPicPr>
               <p:cNvPr id="10" name="Ink 9">
@@ -6184,8 +7635,8 @@
           </p:pic>
         </mc:Fallback>
       </mc:AlternateContent>
-      <mc:AlternateContent xmlns:mc="http://schemas.openxmlformats.org/markup-compatibility/2006">
-        <mc:Choice xmlns:p14="http://schemas.microsoft.com/office/powerpoint/2010/main" Requires="p14">
+      <mc:AlternateContent xmlns:mc="http://schemas.openxmlformats.org/markup-compatibility/2006" xmlns:p14="http://schemas.microsoft.com/office/powerpoint/2010/main">
+        <mc:Choice Requires="p14">
           <p:contentPart p14:bwMode="auto" r:id="rId9">
             <p14:nvContentPartPr>
               <p14:cNvPr id="11" name="Ink 10">
@@ -6204,7 +7655,7 @@
             </p14:xfrm>
           </p:contentPart>
         </mc:Choice>
-        <mc:Fallback>
+        <mc:Fallback xmlns="">
           <p:pic>
             <p:nvPicPr>
               <p:cNvPr id="11" name="Ink 10">
@@ -6235,8 +7686,8 @@
           </p:pic>
         </mc:Fallback>
       </mc:AlternateContent>
-      <mc:AlternateContent xmlns:mc="http://schemas.openxmlformats.org/markup-compatibility/2006">
-        <mc:Choice xmlns:p14="http://schemas.microsoft.com/office/powerpoint/2010/main" Requires="p14">
+      <mc:AlternateContent xmlns:mc="http://schemas.openxmlformats.org/markup-compatibility/2006" xmlns:p14="http://schemas.microsoft.com/office/powerpoint/2010/main">
+        <mc:Choice Requires="p14">
           <p:contentPart p14:bwMode="auto" r:id="rId11">
             <p14:nvContentPartPr>
               <p14:cNvPr id="12" name="Ink 11">
@@ -6255,7 +7706,7 @@
             </p14:xfrm>
           </p:contentPart>
         </mc:Choice>
-        <mc:Fallback>
+        <mc:Fallback xmlns="">
           <p:pic>
             <p:nvPicPr>
               <p:cNvPr id="12" name="Ink 11">
@@ -6286,8 +7737,8 @@
           </p:pic>
         </mc:Fallback>
       </mc:AlternateContent>
-      <mc:AlternateContent xmlns:mc="http://schemas.openxmlformats.org/markup-compatibility/2006">
-        <mc:Choice xmlns:p14="http://schemas.microsoft.com/office/powerpoint/2010/main" Requires="p14">
+      <mc:AlternateContent xmlns:mc="http://schemas.openxmlformats.org/markup-compatibility/2006" xmlns:p14="http://schemas.microsoft.com/office/powerpoint/2010/main">
+        <mc:Choice Requires="p14">
           <p:contentPart p14:bwMode="auto" r:id="rId13">
             <p14:nvContentPartPr>
               <p14:cNvPr id="13" name="Ink 12">
@@ -6306,7 +7757,7 @@
             </p14:xfrm>
           </p:contentPart>
         </mc:Choice>
-        <mc:Fallback>
+        <mc:Fallback xmlns="">
           <p:pic>
             <p:nvPicPr>
               <p:cNvPr id="13" name="Ink 12">
@@ -6337,8 +7788,8 @@
           </p:pic>
         </mc:Fallback>
       </mc:AlternateContent>
-      <mc:AlternateContent xmlns:mc="http://schemas.openxmlformats.org/markup-compatibility/2006">
-        <mc:Choice xmlns:p14="http://schemas.microsoft.com/office/powerpoint/2010/main" Requires="p14">
+      <mc:AlternateContent xmlns:mc="http://schemas.openxmlformats.org/markup-compatibility/2006" xmlns:p14="http://schemas.microsoft.com/office/powerpoint/2010/main">
+        <mc:Choice Requires="p14">
           <p:contentPart p14:bwMode="auto" r:id="rId15">
             <p14:nvContentPartPr>
               <p14:cNvPr id="14" name="Ink 13">
@@ -6357,7 +7808,7 @@
             </p14:xfrm>
           </p:contentPart>
         </mc:Choice>
-        <mc:Fallback>
+        <mc:Fallback xmlns="">
           <p:pic>
             <p:nvPicPr>
               <p:cNvPr id="14" name="Ink 13">
@@ -6388,8 +7839,8 @@
           </p:pic>
         </mc:Fallback>
       </mc:AlternateContent>
-      <mc:AlternateContent xmlns:mc="http://schemas.openxmlformats.org/markup-compatibility/2006">
-        <mc:Choice xmlns:p14="http://schemas.microsoft.com/office/powerpoint/2010/main" Requires="p14">
+      <mc:AlternateContent xmlns:mc="http://schemas.openxmlformats.org/markup-compatibility/2006" xmlns:p14="http://schemas.microsoft.com/office/powerpoint/2010/main">
+        <mc:Choice Requires="p14">
           <p:contentPart p14:bwMode="auto" r:id="rId17">
             <p14:nvContentPartPr>
               <p14:cNvPr id="15" name="Ink 14">
@@ -6408,7 +7859,7 @@
             </p14:xfrm>
           </p:contentPart>
         </mc:Choice>
-        <mc:Fallback>
+        <mc:Fallback xmlns="">
           <p:pic>
             <p:nvPicPr>
               <p:cNvPr id="15" name="Ink 14">
@@ -6439,8 +7890,8 @@
           </p:pic>
         </mc:Fallback>
       </mc:AlternateContent>
-      <mc:AlternateContent xmlns:mc="http://schemas.openxmlformats.org/markup-compatibility/2006">
-        <mc:Choice xmlns:p14="http://schemas.microsoft.com/office/powerpoint/2010/main" Requires="p14">
+      <mc:AlternateContent xmlns:mc="http://schemas.openxmlformats.org/markup-compatibility/2006" xmlns:p14="http://schemas.microsoft.com/office/powerpoint/2010/main">
+        <mc:Choice Requires="p14">
           <p:contentPart p14:bwMode="auto" r:id="rId18">
             <p14:nvContentPartPr>
               <p14:cNvPr id="16" name="Ink 15">
@@ -6459,7 +7910,7 @@
             </p14:xfrm>
           </p:contentPart>
         </mc:Choice>
-        <mc:Fallback>
+        <mc:Fallback xmlns="">
           <p:pic>
             <p:nvPicPr>
               <p:cNvPr id="16" name="Ink 15">
@@ -6490,8 +7941,8 @@
           </p:pic>
         </mc:Fallback>
       </mc:AlternateContent>
-      <mc:AlternateContent xmlns:mc="http://schemas.openxmlformats.org/markup-compatibility/2006">
-        <mc:Choice xmlns:p14="http://schemas.microsoft.com/office/powerpoint/2010/main" Requires="p14">
+      <mc:AlternateContent xmlns:mc="http://schemas.openxmlformats.org/markup-compatibility/2006" xmlns:p14="http://schemas.microsoft.com/office/powerpoint/2010/main">
+        <mc:Choice Requires="p14">
           <p:contentPart p14:bwMode="auto" r:id="rId19">
             <p14:nvContentPartPr>
               <p14:cNvPr id="17" name="Ink 16">
@@ -6510,7 +7961,7 @@
             </p14:xfrm>
           </p:contentPart>
         </mc:Choice>
-        <mc:Fallback>
+        <mc:Fallback xmlns="">
           <p:pic>
             <p:nvPicPr>
               <p:cNvPr id="17" name="Ink 16">
@@ -6541,8 +7992,8 @@
           </p:pic>
         </mc:Fallback>
       </mc:AlternateContent>
-      <mc:AlternateContent xmlns:mc="http://schemas.openxmlformats.org/markup-compatibility/2006">
-        <mc:Choice xmlns:p14="http://schemas.microsoft.com/office/powerpoint/2010/main" Requires="p14">
+      <mc:AlternateContent xmlns:mc="http://schemas.openxmlformats.org/markup-compatibility/2006" xmlns:p14="http://schemas.microsoft.com/office/powerpoint/2010/main">
+        <mc:Choice Requires="p14">
           <p:contentPart p14:bwMode="auto" r:id="rId20">
             <p14:nvContentPartPr>
               <p14:cNvPr id="18" name="Ink 17">
@@ -6561,7 +8012,7 @@
             </p14:xfrm>
           </p:contentPart>
         </mc:Choice>
-        <mc:Fallback>
+        <mc:Fallback xmlns="">
           <p:pic>
             <p:nvPicPr>
               <p:cNvPr id="18" name="Ink 17">
@@ -6592,8 +8043,8 @@
           </p:pic>
         </mc:Fallback>
       </mc:AlternateContent>
-      <mc:AlternateContent xmlns:mc="http://schemas.openxmlformats.org/markup-compatibility/2006">
-        <mc:Choice xmlns:p14="http://schemas.microsoft.com/office/powerpoint/2010/main" Requires="p14">
+      <mc:AlternateContent xmlns:mc="http://schemas.openxmlformats.org/markup-compatibility/2006" xmlns:p14="http://schemas.microsoft.com/office/powerpoint/2010/main">
+        <mc:Choice Requires="p14">
           <p:contentPart p14:bwMode="auto" r:id="rId21">
             <p14:nvContentPartPr>
               <p14:cNvPr id="19" name="Ink 18">
@@ -6612,7 +8063,7 @@
             </p14:xfrm>
           </p:contentPart>
         </mc:Choice>
-        <mc:Fallback>
+        <mc:Fallback xmlns="">
           <p:pic>
             <p:nvPicPr>
               <p:cNvPr id="19" name="Ink 18">
@@ -6643,8 +8094,8 @@
           </p:pic>
         </mc:Fallback>
       </mc:AlternateContent>
-      <mc:AlternateContent xmlns:mc="http://schemas.openxmlformats.org/markup-compatibility/2006">
-        <mc:Choice xmlns:p14="http://schemas.microsoft.com/office/powerpoint/2010/main" Requires="p14">
+      <mc:AlternateContent xmlns:mc="http://schemas.openxmlformats.org/markup-compatibility/2006" xmlns:p14="http://schemas.microsoft.com/office/powerpoint/2010/main">
+        <mc:Choice Requires="p14">
           <p:contentPart p14:bwMode="auto" r:id="rId22">
             <p14:nvContentPartPr>
               <p14:cNvPr id="20" name="Ink 19">
@@ -6663,7 +8114,7 @@
             </p14:xfrm>
           </p:contentPart>
         </mc:Choice>
-        <mc:Fallback>
+        <mc:Fallback xmlns="">
           <p:pic>
             <p:nvPicPr>
               <p:cNvPr id="20" name="Ink 19">
@@ -6694,6 +8145,406 @@
           </p:pic>
         </mc:Fallback>
       </mc:AlternateContent>
+      <p:sp>
+        <p:nvSpPr>
+          <p:cNvPr id="21" name="TextBox 20">
+            <a:extLst>
+              <a:ext uri="{FF2B5EF4-FFF2-40B4-BE49-F238E27FC236}">
+                <a16:creationId xmlns:a16="http://schemas.microsoft.com/office/drawing/2014/main" id="{3CA87229-634C-4AFB-964F-5CC7993AB5C2}"/>
+              </a:ext>
+            </a:extLst>
+          </p:cNvPr>
+          <p:cNvSpPr txBox="1"/>
+          <p:nvPr/>
+        </p:nvSpPr>
+        <p:spPr>
+          <a:xfrm>
+            <a:off x="8997660" y="11294185"/>
+            <a:ext cx="2778120" cy="533479"/>
+          </a:xfrm>
+          <a:prstGeom prst="rect">
+            <a:avLst/>
+          </a:prstGeom>
+          <a:noFill/>
+          <a:ln w="12700" cap="flat">
+            <a:noFill/>
+            <a:miter lim="400000"/>
+          </a:ln>
+          <a:effectLst/>
+          <a:sp3d/>
+        </p:spPr>
+        <p:style>
+          <a:lnRef idx="0">
+            <a:scrgbClr r="0" g="0" b="0"/>
+          </a:lnRef>
+          <a:fillRef idx="0">
+            <a:scrgbClr r="0" g="0" b="0"/>
+          </a:fillRef>
+          <a:effectRef idx="0">
+            <a:scrgbClr r="0" g="0" b="0"/>
+          </a:effectRef>
+          <a:fontRef idx="none"/>
+        </p:style>
+        <p:txBody>
+          <a:bodyPr rot="0" spcFirstLastPara="1" vertOverflow="overflow" horzOverflow="overflow" vert="horz" wrap="square" lIns="50800" tIns="50800" rIns="50800" bIns="50800" numCol="1" spcCol="38100" rtlCol="0" anchor="ctr">
+            <a:spAutoFit/>
+          </a:bodyPr>
+          <a:lstStyle/>
+          <a:p>
+            <a:r>
+              <a:rPr kumimoji="0" lang="en-US" sz="2800" b="0" i="0" u="none" strike="noStrike" cap="none" spc="0" normalizeH="0" baseline="0" noProof="1">
+                <a:ln>
+                  <a:noFill/>
+                </a:ln>
+                <a:solidFill>
+                  <a:srgbClr val="000000"/>
+                </a:solidFill>
+                <a:effectLst/>
+                <a:uFillTx/>
+                <a:latin typeface="+mn-lt"/>
+                <a:ea typeface="+mn-ea"/>
+                <a:cs typeface="+mn-cs"/>
+                <a:sym typeface="Helvetica Neue"/>
+              </a:rPr>
+              <a:t>5870 (Subang)</a:t>
+            </a:r>
+            <a:endParaRPr kumimoji="0" lang="id-ID" sz="2800" b="0" i="0" u="none" strike="noStrike" cap="none" spc="0" normalizeH="0" baseline="0" noProof="1">
+              <a:ln>
+                <a:noFill/>
+              </a:ln>
+              <a:solidFill>
+                <a:srgbClr val="000000"/>
+              </a:solidFill>
+              <a:effectLst/>
+              <a:uFillTx/>
+              <a:latin typeface="+mn-lt"/>
+              <a:ea typeface="+mn-ea"/>
+              <a:cs typeface="+mn-cs"/>
+              <a:sym typeface="Helvetica Neue"/>
+            </a:endParaRPr>
+          </a:p>
+        </p:txBody>
+      </p:sp>
+      <p:sp>
+        <p:nvSpPr>
+          <p:cNvPr id="22" name="TextBox 21">
+            <a:extLst>
+              <a:ext uri="{FF2B5EF4-FFF2-40B4-BE49-F238E27FC236}">
+                <a16:creationId xmlns:a16="http://schemas.microsoft.com/office/drawing/2014/main" id="{0C04813D-B74D-4FF3-ACB5-829371128FBA}"/>
+              </a:ext>
+            </a:extLst>
+          </p:cNvPr>
+          <p:cNvSpPr txBox="1"/>
+          <p:nvPr/>
+        </p:nvSpPr>
+        <p:spPr>
+          <a:xfrm>
+            <a:off x="12779280" y="11291274"/>
+            <a:ext cx="2778120" cy="964367"/>
+          </a:xfrm>
+          <a:prstGeom prst="rect">
+            <a:avLst/>
+          </a:prstGeom>
+          <a:noFill/>
+          <a:ln w="12700" cap="flat">
+            <a:noFill/>
+            <a:miter lim="400000"/>
+          </a:ln>
+          <a:effectLst/>
+          <a:sp3d/>
+        </p:spPr>
+        <p:style>
+          <a:lnRef idx="0">
+            <a:scrgbClr r="0" g="0" b="0"/>
+          </a:lnRef>
+          <a:fillRef idx="0">
+            <a:scrgbClr r="0" g="0" b="0"/>
+          </a:fillRef>
+          <a:effectRef idx="0">
+            <a:scrgbClr r="0" g="0" b="0"/>
+          </a:effectRef>
+          <a:fontRef idx="none"/>
+        </p:style>
+        <p:txBody>
+          <a:bodyPr rot="0" spcFirstLastPara="1" vertOverflow="overflow" horzOverflow="overflow" vert="horz" wrap="square" lIns="50800" tIns="50800" rIns="50800" bIns="50800" numCol="1" spcCol="38100" rtlCol="0" anchor="ctr">
+            <a:spAutoFit/>
+          </a:bodyPr>
+          <a:lstStyle/>
+          <a:p>
+            <a:r>
+              <a:rPr kumimoji="0" lang="en-US" sz="2800" b="0" i="0" u="none" strike="noStrike" cap="none" spc="0" normalizeH="0" baseline="0" noProof="1">
+                <a:ln>
+                  <a:noFill/>
+                </a:ln>
+                <a:solidFill>
+                  <a:srgbClr val="000000"/>
+                </a:solidFill>
+                <a:effectLst/>
+                <a:uFillTx/>
+                <a:latin typeface="+mn-lt"/>
+                <a:ea typeface="+mn-ea"/>
+                <a:cs typeface="+mn-cs"/>
+                <a:sym typeface="Helvetica Neue"/>
+              </a:rPr>
+              <a:t>12820 (Subang, Bandung)</a:t>
+            </a:r>
+            <a:endParaRPr kumimoji="0" lang="id-ID" sz="2800" b="0" i="0" u="none" strike="noStrike" cap="none" spc="0" normalizeH="0" baseline="0" noProof="1">
+              <a:ln>
+                <a:noFill/>
+              </a:ln>
+              <a:solidFill>
+                <a:srgbClr val="000000"/>
+              </a:solidFill>
+              <a:effectLst/>
+              <a:uFillTx/>
+              <a:latin typeface="+mn-lt"/>
+              <a:ea typeface="+mn-ea"/>
+              <a:cs typeface="+mn-cs"/>
+              <a:sym typeface="Helvetica Neue"/>
+            </a:endParaRPr>
+          </a:p>
+        </p:txBody>
+      </p:sp>
+      <p:sp>
+        <p:nvSpPr>
+          <p:cNvPr id="23" name="TextBox 22">
+            <a:extLst>
+              <a:ext uri="{FF2B5EF4-FFF2-40B4-BE49-F238E27FC236}">
+                <a16:creationId xmlns:a16="http://schemas.microsoft.com/office/drawing/2014/main" id="{F08DB770-2810-454D-A83A-72047150A9CA}"/>
+              </a:ext>
+            </a:extLst>
+          </p:cNvPr>
+          <p:cNvSpPr txBox="1"/>
+          <p:nvPr/>
+        </p:nvSpPr>
+        <p:spPr>
+          <a:xfrm>
+            <a:off x="16332120" y="11443674"/>
+            <a:ext cx="2778120" cy="964367"/>
+          </a:xfrm>
+          <a:prstGeom prst="rect">
+            <a:avLst/>
+          </a:prstGeom>
+          <a:noFill/>
+          <a:ln w="12700" cap="flat">
+            <a:noFill/>
+            <a:miter lim="400000"/>
+          </a:ln>
+          <a:effectLst/>
+          <a:sp3d/>
+        </p:spPr>
+        <p:style>
+          <a:lnRef idx="0">
+            <a:scrgbClr r="0" g="0" b="0"/>
+          </a:lnRef>
+          <a:fillRef idx="0">
+            <a:scrgbClr r="0" g="0" b="0"/>
+          </a:fillRef>
+          <a:effectRef idx="0">
+            <a:scrgbClr r="0" g="0" b="0"/>
+          </a:effectRef>
+          <a:fontRef idx="none"/>
+        </p:style>
+        <p:txBody>
+          <a:bodyPr rot="0" spcFirstLastPara="1" vertOverflow="overflow" horzOverflow="overflow" vert="horz" wrap="square" lIns="50800" tIns="50800" rIns="50800" bIns="50800" numCol="1" spcCol="38100" rtlCol="0" anchor="ctr">
+            <a:spAutoFit/>
+          </a:bodyPr>
+          <a:lstStyle/>
+          <a:p>
+            <a:r>
+              <a:rPr kumimoji="0" lang="en-US" sz="2800" b="0" i="0" u="none" strike="noStrike" cap="none" spc="0" normalizeH="0" baseline="0" noProof="1">
+                <a:ln>
+                  <a:noFill/>
+                </a:ln>
+                <a:solidFill>
+                  <a:srgbClr val="000000"/>
+                </a:solidFill>
+                <a:effectLst/>
+                <a:uFillTx/>
+                <a:latin typeface="+mn-lt"/>
+                <a:ea typeface="+mn-ea"/>
+                <a:cs typeface="+mn-cs"/>
+                <a:sym typeface="Helvetica Neue"/>
+              </a:rPr>
+              <a:t>18100 (Subang, Bandung, Garut)</a:t>
+            </a:r>
+            <a:endParaRPr kumimoji="0" lang="id-ID" sz="2800" b="0" i="0" u="none" strike="noStrike" cap="none" spc="0" normalizeH="0" baseline="0" noProof="1">
+              <a:ln>
+                <a:noFill/>
+              </a:ln>
+              <a:solidFill>
+                <a:srgbClr val="000000"/>
+              </a:solidFill>
+              <a:effectLst/>
+              <a:uFillTx/>
+              <a:latin typeface="+mn-lt"/>
+              <a:ea typeface="+mn-ea"/>
+              <a:cs typeface="+mn-cs"/>
+              <a:sym typeface="Helvetica Neue"/>
+            </a:endParaRPr>
+          </a:p>
+        </p:txBody>
+      </p:sp>
+      <p:sp>
+        <p:nvSpPr>
+          <p:cNvPr id="24" name="TextBox 23">
+            <a:extLst>
+              <a:ext uri="{FF2B5EF4-FFF2-40B4-BE49-F238E27FC236}">
+                <a16:creationId xmlns:a16="http://schemas.microsoft.com/office/drawing/2014/main" id="{CD837EBF-C67C-4A39-BFBD-481B4D10268B}"/>
+              </a:ext>
+            </a:extLst>
+          </p:cNvPr>
+          <p:cNvSpPr txBox="1"/>
+          <p:nvPr/>
+        </p:nvSpPr>
+        <p:spPr>
+          <a:xfrm>
+            <a:off x="22643820" y="4686918"/>
+            <a:ext cx="1584195" cy="2687915"/>
+          </a:xfrm>
+          <a:prstGeom prst="rect">
+            <a:avLst/>
+          </a:prstGeom>
+          <a:noFill/>
+          <a:ln w="12700" cap="flat">
+            <a:noFill/>
+            <a:miter lim="400000"/>
+          </a:ln>
+          <a:effectLst/>
+          <a:sp3d/>
+        </p:spPr>
+        <p:style>
+          <a:lnRef idx="0">
+            <a:scrgbClr r="0" g="0" b="0"/>
+          </a:lnRef>
+          <a:fillRef idx="0">
+            <a:scrgbClr r="0" g="0" b="0"/>
+          </a:fillRef>
+          <a:effectRef idx="0">
+            <a:scrgbClr r="0" g="0" b="0"/>
+          </a:effectRef>
+          <a:fontRef idx="none"/>
+        </p:style>
+        <p:txBody>
+          <a:bodyPr rot="0" spcFirstLastPara="1" vertOverflow="overflow" horzOverflow="overflow" vert="horz" wrap="square" lIns="50800" tIns="50800" rIns="50800" bIns="50800" numCol="1" spcCol="38100" rtlCol="0" anchor="ctr">
+            <a:spAutoFit/>
+          </a:bodyPr>
+          <a:lstStyle/>
+          <a:p>
+            <a:r>
+              <a:rPr kumimoji="0" lang="en-US" sz="2800" b="0" i="0" u="none" strike="noStrike" cap="none" spc="0" normalizeH="0" baseline="0" noProof="1">
+                <a:ln>
+                  <a:noFill/>
+                </a:ln>
+                <a:solidFill>
+                  <a:srgbClr val="000000"/>
+                </a:solidFill>
+                <a:effectLst/>
+                <a:uFillTx/>
+                <a:latin typeface="+mn-lt"/>
+                <a:ea typeface="+mn-ea"/>
+                <a:cs typeface="+mn-cs"/>
+                <a:sym typeface="Helvetica Neue"/>
+              </a:rPr>
+              <a:t>19880 (Subang, Bandung, Garut, Tasikmalaya)</a:t>
+            </a:r>
+            <a:endParaRPr kumimoji="0" lang="id-ID" sz="2800" b="0" i="0" u="none" strike="noStrike" cap="none" spc="0" normalizeH="0" baseline="0" noProof="1">
+              <a:ln>
+                <a:noFill/>
+              </a:ln>
+              <a:solidFill>
+                <a:srgbClr val="000000"/>
+              </a:solidFill>
+              <a:effectLst/>
+              <a:uFillTx/>
+              <a:latin typeface="+mn-lt"/>
+              <a:ea typeface="+mn-ea"/>
+              <a:cs typeface="+mn-cs"/>
+              <a:sym typeface="Helvetica Neue"/>
+            </a:endParaRPr>
+          </a:p>
+        </p:txBody>
+      </p:sp>
+      <p:sp>
+        <p:nvSpPr>
+          <p:cNvPr id="25" name="TextBox 24">
+            <a:extLst>
+              <a:ext uri="{FF2B5EF4-FFF2-40B4-BE49-F238E27FC236}">
+                <a16:creationId xmlns:a16="http://schemas.microsoft.com/office/drawing/2014/main" id="{1341EE71-EA2A-455C-A11B-286859F1AF93}"/>
+              </a:ext>
+            </a:extLst>
+          </p:cNvPr>
+          <p:cNvSpPr txBox="1"/>
+          <p:nvPr/>
+        </p:nvSpPr>
+        <p:spPr>
+          <a:xfrm>
+            <a:off x="20657797" y="11443674"/>
+            <a:ext cx="2778120" cy="1826141"/>
+          </a:xfrm>
+          <a:prstGeom prst="rect">
+            <a:avLst/>
+          </a:prstGeom>
+          <a:noFill/>
+          <a:ln w="12700" cap="flat">
+            <a:noFill/>
+            <a:miter lim="400000"/>
+          </a:ln>
+          <a:effectLst/>
+          <a:sp3d/>
+        </p:spPr>
+        <p:style>
+          <a:lnRef idx="0">
+            <a:scrgbClr r="0" g="0" b="0"/>
+          </a:lnRef>
+          <a:fillRef idx="0">
+            <a:scrgbClr r="0" g="0" b="0"/>
+          </a:fillRef>
+          <a:effectRef idx="0">
+            <a:scrgbClr r="0" g="0" b="0"/>
+          </a:effectRef>
+          <a:fontRef idx="none"/>
+        </p:style>
+        <p:txBody>
+          <a:bodyPr rot="0" spcFirstLastPara="1" vertOverflow="overflow" horzOverflow="overflow" vert="horz" wrap="square" lIns="50800" tIns="50800" rIns="50800" bIns="50800" numCol="1" spcCol="38100" rtlCol="0" anchor="ctr">
+            <a:spAutoFit/>
+          </a:bodyPr>
+          <a:lstStyle/>
+          <a:p>
+            <a:r>
+              <a:rPr kumimoji="0" lang="en-US" sz="2800" b="0" i="0" u="none" strike="noStrike" cap="none" spc="0" normalizeH="0" baseline="0" noProof="1">
+                <a:ln>
+                  <a:noFill/>
+                </a:ln>
+                <a:solidFill>
+                  <a:srgbClr val="000000"/>
+                </a:solidFill>
+                <a:effectLst/>
+                <a:uFillTx/>
+                <a:latin typeface="+mn-lt"/>
+                <a:ea typeface="+mn-ea"/>
+                <a:cs typeface="+mn-cs"/>
+                <a:sym typeface="Helvetica Neue"/>
+              </a:rPr>
+              <a:t>24590 (Subang, Bandung, Garut, Tasikmalaya, Ciamis)</a:t>
+            </a:r>
+            <a:endParaRPr kumimoji="0" lang="id-ID" sz="2800" b="0" i="0" u="none" strike="noStrike" cap="none" spc="0" normalizeH="0" baseline="0" noProof="1">
+              <a:ln>
+                <a:noFill/>
+              </a:ln>
+              <a:solidFill>
+                <a:srgbClr val="000000"/>
+              </a:solidFill>
+              <a:effectLst/>
+              <a:uFillTx/>
+              <a:latin typeface="+mn-lt"/>
+              <a:ea typeface="+mn-ea"/>
+              <a:cs typeface="+mn-cs"/>
+              <a:sym typeface="Helvetica Neue"/>
+            </a:endParaRPr>
+          </a:p>
+        </p:txBody>
+      </p:sp>
     </p:spTree>
     <p:extLst>
       <p:ext uri="{BB962C8B-B14F-4D97-AF65-F5344CB8AC3E}">
@@ -11978,7 +13829,7 @@
         </p:nvSpPr>
         <p:spPr>
           <a:xfrm>
-            <a:off x="1082652" y="158732"/>
+            <a:off x="2792186" y="158732"/>
             <a:ext cx="615553" cy="13398540"/>
           </a:xfrm>
           <a:prstGeom prst="rect">
@@ -12359,7 +14210,7 @@
         </p:nvSpPr>
         <p:spPr>
           <a:xfrm>
-            <a:off x="2092544" y="158736"/>
+            <a:off x="3802078" y="158736"/>
             <a:ext cx="960199" cy="13398540"/>
           </a:xfrm>
           <a:prstGeom prst="rect">
@@ -12699,7 +14550,7 @@
         </p:nvSpPr>
         <p:spPr>
           <a:xfrm>
-            <a:off x="5121338" y="158736"/>
+            <a:off x="6830872" y="158736"/>
             <a:ext cx="788677" cy="13398540"/>
           </a:xfrm>
           <a:prstGeom prst="rect">
@@ -12998,7 +14849,7 @@
         </p:nvSpPr>
         <p:spPr>
           <a:xfrm>
-            <a:off x="8038168" y="158736"/>
+            <a:off x="9747702" y="158736"/>
             <a:ext cx="788677" cy="13398540"/>
           </a:xfrm>
           <a:prstGeom prst="rect">
@@ -13287,7 +15138,7 @@
         </p:nvSpPr>
         <p:spPr>
           <a:xfrm>
-            <a:off x="11066963" y="138856"/>
+            <a:off x="12776497" y="138856"/>
             <a:ext cx="788677" cy="13398540"/>
           </a:xfrm>
           <a:prstGeom prst="rect">
@@ -13565,7 +15416,7 @@
         </p:nvSpPr>
         <p:spPr>
           <a:xfrm>
-            <a:off x="14097323" y="119268"/>
+            <a:off x="15806857" y="119268"/>
             <a:ext cx="788677" cy="13398540"/>
           </a:xfrm>
           <a:prstGeom prst="rect">
@@ -13840,7 +15691,7 @@
         </p:nvSpPr>
         <p:spPr>
           <a:xfrm>
-            <a:off x="16953030" y="119268"/>
+            <a:off x="22704382" y="138856"/>
             <a:ext cx="788677" cy="13398540"/>
           </a:xfrm>
           <a:prstGeom prst="rect">
@@ -14115,7 +15966,7 @@
         </p:nvCxnSpPr>
         <p:spPr>
           <a:xfrm>
-            <a:off x="2723322" y="675861"/>
+            <a:off x="4432856" y="675861"/>
             <a:ext cx="2146852" cy="0"/>
           </a:xfrm>
           <a:prstGeom prst="line">
@@ -14156,7 +16007,7 @@
         </p:nvCxnSpPr>
         <p:spPr>
           <a:xfrm>
-            <a:off x="2723322" y="2120348"/>
+            <a:off x="4432856" y="2120348"/>
             <a:ext cx="2146852" cy="0"/>
           </a:xfrm>
           <a:prstGeom prst="line">
@@ -14197,7 +16048,7 @@
         </p:nvCxnSpPr>
         <p:spPr>
           <a:xfrm>
-            <a:off x="2723322" y="3571461"/>
+            <a:off x="4432856" y="3571461"/>
             <a:ext cx="2146852" cy="0"/>
           </a:xfrm>
           <a:prstGeom prst="line">
@@ -14238,7 +16089,7 @@
         </p:nvCxnSpPr>
         <p:spPr>
           <a:xfrm>
-            <a:off x="2723322" y="5062331"/>
+            <a:off x="4432856" y="5062331"/>
             <a:ext cx="2146852" cy="0"/>
           </a:xfrm>
           <a:prstGeom prst="line">
@@ -14279,7 +16130,7 @@
         </p:nvCxnSpPr>
         <p:spPr>
           <a:xfrm>
-            <a:off x="2723322" y="6533322"/>
+            <a:off x="4432856" y="6533322"/>
             <a:ext cx="2146852" cy="0"/>
           </a:xfrm>
           <a:prstGeom prst="line">
@@ -14320,7 +16171,7 @@
         </p:nvCxnSpPr>
         <p:spPr>
           <a:xfrm>
-            <a:off x="2723322" y="7964557"/>
+            <a:off x="4432856" y="7964557"/>
             <a:ext cx="2146852" cy="0"/>
           </a:xfrm>
           <a:prstGeom prst="line">
@@ -14361,7 +16212,7 @@
         </p:nvCxnSpPr>
         <p:spPr>
           <a:xfrm>
-            <a:off x="2723322" y="9435548"/>
+            <a:off x="4432856" y="9435548"/>
             <a:ext cx="2146852" cy="0"/>
           </a:xfrm>
           <a:prstGeom prst="line">
@@ -14402,7 +16253,7 @@
         </p:nvCxnSpPr>
         <p:spPr>
           <a:xfrm>
-            <a:off x="2723322" y="10986052"/>
+            <a:off x="4432856" y="10986052"/>
             <a:ext cx="2146852" cy="0"/>
           </a:xfrm>
           <a:prstGeom prst="line">
@@ -14443,7 +16294,7 @@
         </p:nvCxnSpPr>
         <p:spPr>
           <a:xfrm>
-            <a:off x="2657061" y="12417287"/>
+            <a:off x="4366595" y="12417287"/>
             <a:ext cx="2146852" cy="0"/>
           </a:xfrm>
           <a:prstGeom prst="line">
@@ -14484,7 +16335,7 @@
         </p:nvCxnSpPr>
         <p:spPr>
           <a:xfrm>
-            <a:off x="5758070" y="675861"/>
+            <a:off x="7467604" y="675861"/>
             <a:ext cx="2146852" cy="0"/>
           </a:xfrm>
           <a:prstGeom prst="line">
@@ -14525,7 +16376,7 @@
         </p:nvCxnSpPr>
         <p:spPr>
           <a:xfrm>
-            <a:off x="8826845" y="675861"/>
+            <a:off x="10536379" y="675861"/>
             <a:ext cx="2146852" cy="0"/>
           </a:xfrm>
           <a:prstGeom prst="line">
@@ -14566,7 +16417,7 @@
         </p:nvCxnSpPr>
         <p:spPr>
           <a:xfrm>
-            <a:off x="5731566" y="3564835"/>
+            <a:off x="7441100" y="3564835"/>
             <a:ext cx="2146852" cy="0"/>
           </a:xfrm>
           <a:prstGeom prst="line">
@@ -14607,7 +16458,7 @@
         </p:nvCxnSpPr>
         <p:spPr>
           <a:xfrm>
-            <a:off x="8826845" y="6533322"/>
+            <a:off x="10536379" y="6533322"/>
             <a:ext cx="2146852" cy="0"/>
           </a:xfrm>
           <a:prstGeom prst="line">
@@ -14648,7 +16499,7 @@
         </p:nvCxnSpPr>
         <p:spPr>
           <a:xfrm>
-            <a:off x="5758070" y="6533322"/>
+            <a:off x="7467604" y="6533322"/>
             <a:ext cx="2146852" cy="0"/>
           </a:xfrm>
           <a:prstGeom prst="line">
@@ -14689,7 +16540,7 @@
         </p:nvCxnSpPr>
         <p:spPr>
           <a:xfrm>
-            <a:off x="11870959" y="675861"/>
+            <a:off x="13580493" y="675861"/>
             <a:ext cx="2146852" cy="0"/>
           </a:xfrm>
           <a:prstGeom prst="line">
@@ -14730,7 +16581,7 @@
         </p:nvCxnSpPr>
         <p:spPr>
           <a:xfrm>
-            <a:off x="5731566" y="9435548"/>
+            <a:off x="7441100" y="9435548"/>
             <a:ext cx="2146852" cy="0"/>
           </a:xfrm>
           <a:prstGeom prst="line">
@@ -14766,13 +16617,15 @@
               </a:ext>
             </a:extLst>
           </p:cNvPr>
-          <p:cNvCxnSpPr/>
+          <p:cNvCxnSpPr>
+            <a:cxnSpLocks/>
+          </p:cNvCxnSpPr>
           <p:nvPr/>
         </p:nvCxnSpPr>
         <p:spPr>
           <a:xfrm>
-            <a:off x="5758070" y="10939670"/>
-            <a:ext cx="2146852" cy="0"/>
+            <a:off x="16595534" y="675861"/>
+            <a:ext cx="5906661" cy="0"/>
           </a:xfrm>
           <a:prstGeom prst="line">
             <a:avLst/>
@@ -14798,10 +16651,4155 @@
           </a:fontRef>
         </p:style>
       </p:cxnSp>
+      <p:cxnSp>
+        <p:nvCxnSpPr>
+          <p:cNvPr id="3" name="Straight Connector 2">
+            <a:extLst>
+              <a:ext uri="{FF2B5EF4-FFF2-40B4-BE49-F238E27FC236}">
+                <a16:creationId xmlns:a16="http://schemas.microsoft.com/office/drawing/2014/main" id="{C243FFB1-6D43-41C9-BD7D-8D6F94F399C3}"/>
+              </a:ext>
+            </a:extLst>
+          </p:cNvPr>
+          <p:cNvCxnSpPr>
+            <a:cxnSpLocks/>
+          </p:cNvCxnSpPr>
+          <p:nvPr/>
+        </p:nvCxnSpPr>
+        <p:spPr>
+          <a:xfrm flipV="1">
+            <a:off x="4432856" y="675861"/>
+            <a:ext cx="2146852" cy="795130"/>
+          </a:xfrm>
+          <a:prstGeom prst="line">
+            <a:avLst/>
+          </a:prstGeom>
+          <a:ln/>
+        </p:spPr>
+        <p:style>
+          <a:lnRef idx="1">
+            <a:schemeClr val="accent1"/>
+          </a:lnRef>
+          <a:fillRef idx="0">
+            <a:schemeClr val="accent1"/>
+          </a:fillRef>
+          <a:effectRef idx="0">
+            <a:schemeClr val="accent1"/>
+          </a:effectRef>
+          <a:fontRef idx="minor">
+            <a:schemeClr val="tx1"/>
+          </a:fontRef>
+        </p:style>
+      </p:cxnSp>
+      <p:cxnSp>
+        <p:nvCxnSpPr>
+          <p:cNvPr id="30" name="Straight Connector 29">
+            <a:extLst>
+              <a:ext uri="{FF2B5EF4-FFF2-40B4-BE49-F238E27FC236}">
+                <a16:creationId xmlns:a16="http://schemas.microsoft.com/office/drawing/2014/main" id="{7EA621B9-7939-4C18-BD9E-4A83C559DF2D}"/>
+              </a:ext>
+            </a:extLst>
+          </p:cNvPr>
+          <p:cNvCxnSpPr>
+            <a:cxnSpLocks/>
+          </p:cNvCxnSpPr>
+          <p:nvPr/>
+        </p:nvCxnSpPr>
+        <p:spPr>
+          <a:xfrm flipV="1">
+            <a:off x="4402908" y="2120349"/>
+            <a:ext cx="2146852" cy="795130"/>
+          </a:xfrm>
+          <a:prstGeom prst="line">
+            <a:avLst/>
+          </a:prstGeom>
+          <a:ln/>
+        </p:spPr>
+        <p:style>
+          <a:lnRef idx="1">
+            <a:schemeClr val="accent1"/>
+          </a:lnRef>
+          <a:fillRef idx="0">
+            <a:schemeClr val="accent1"/>
+          </a:fillRef>
+          <a:effectRef idx="0">
+            <a:schemeClr val="accent1"/>
+          </a:effectRef>
+          <a:fontRef idx="minor">
+            <a:schemeClr val="tx1"/>
+          </a:fontRef>
+        </p:style>
+      </p:cxnSp>
+      <p:cxnSp>
+        <p:nvCxnSpPr>
+          <p:cNvPr id="31" name="Straight Connector 30">
+            <a:extLst>
+              <a:ext uri="{FF2B5EF4-FFF2-40B4-BE49-F238E27FC236}">
+                <a16:creationId xmlns:a16="http://schemas.microsoft.com/office/drawing/2014/main" id="{CFB2B66E-993C-425F-AF8E-B3CB540EEBA0}"/>
+              </a:ext>
+            </a:extLst>
+          </p:cNvPr>
+          <p:cNvCxnSpPr>
+            <a:cxnSpLocks/>
+          </p:cNvCxnSpPr>
+          <p:nvPr/>
+        </p:nvCxnSpPr>
+        <p:spPr>
+          <a:xfrm flipV="1">
+            <a:off x="4402908" y="3591339"/>
+            <a:ext cx="2146852" cy="795130"/>
+          </a:xfrm>
+          <a:prstGeom prst="line">
+            <a:avLst/>
+          </a:prstGeom>
+          <a:ln/>
+        </p:spPr>
+        <p:style>
+          <a:lnRef idx="1">
+            <a:schemeClr val="accent1"/>
+          </a:lnRef>
+          <a:fillRef idx="0">
+            <a:schemeClr val="accent1"/>
+          </a:fillRef>
+          <a:effectRef idx="0">
+            <a:schemeClr val="accent1"/>
+          </a:effectRef>
+          <a:fontRef idx="minor">
+            <a:schemeClr val="tx1"/>
+          </a:fontRef>
+        </p:style>
+      </p:cxnSp>
+      <p:cxnSp>
+        <p:nvCxnSpPr>
+          <p:cNvPr id="32" name="Straight Connector 31">
+            <a:extLst>
+              <a:ext uri="{FF2B5EF4-FFF2-40B4-BE49-F238E27FC236}">
+                <a16:creationId xmlns:a16="http://schemas.microsoft.com/office/drawing/2014/main" id="{72CB5855-9527-4BF6-9BD2-2C6FC1A5FC2B}"/>
+              </a:ext>
+            </a:extLst>
+          </p:cNvPr>
+          <p:cNvCxnSpPr>
+            <a:cxnSpLocks/>
+          </p:cNvCxnSpPr>
+          <p:nvPr/>
+        </p:nvCxnSpPr>
+        <p:spPr>
+          <a:xfrm flipV="1">
+            <a:off x="4406351" y="5082209"/>
+            <a:ext cx="2146852" cy="795130"/>
+          </a:xfrm>
+          <a:prstGeom prst="line">
+            <a:avLst/>
+          </a:prstGeom>
+          <a:ln/>
+        </p:spPr>
+        <p:style>
+          <a:lnRef idx="1">
+            <a:schemeClr val="accent1"/>
+          </a:lnRef>
+          <a:fillRef idx="0">
+            <a:schemeClr val="accent1"/>
+          </a:fillRef>
+          <a:effectRef idx="0">
+            <a:schemeClr val="accent1"/>
+          </a:effectRef>
+          <a:fontRef idx="minor">
+            <a:schemeClr val="tx1"/>
+          </a:fontRef>
+        </p:style>
+      </p:cxnSp>
+      <p:cxnSp>
+        <p:nvCxnSpPr>
+          <p:cNvPr id="33" name="Straight Connector 32">
+            <a:extLst>
+              <a:ext uri="{FF2B5EF4-FFF2-40B4-BE49-F238E27FC236}">
+                <a16:creationId xmlns:a16="http://schemas.microsoft.com/office/drawing/2014/main" id="{4E140B3C-9BD0-4CCB-A54F-73804F8DB0AC}"/>
+              </a:ext>
+            </a:extLst>
+          </p:cNvPr>
+          <p:cNvCxnSpPr>
+            <a:cxnSpLocks/>
+          </p:cNvCxnSpPr>
+          <p:nvPr/>
+        </p:nvCxnSpPr>
+        <p:spPr>
+          <a:xfrm flipV="1">
+            <a:off x="4402908" y="6553200"/>
+            <a:ext cx="2146852" cy="795130"/>
+          </a:xfrm>
+          <a:prstGeom prst="line">
+            <a:avLst/>
+          </a:prstGeom>
+          <a:ln/>
+        </p:spPr>
+        <p:style>
+          <a:lnRef idx="1">
+            <a:schemeClr val="accent1"/>
+          </a:lnRef>
+          <a:fillRef idx="0">
+            <a:schemeClr val="accent1"/>
+          </a:fillRef>
+          <a:effectRef idx="0">
+            <a:schemeClr val="accent1"/>
+          </a:effectRef>
+          <a:fontRef idx="minor">
+            <a:schemeClr val="tx1"/>
+          </a:fontRef>
+        </p:style>
+      </p:cxnSp>
+      <p:cxnSp>
+        <p:nvCxnSpPr>
+          <p:cNvPr id="34" name="Straight Connector 33">
+            <a:extLst>
+              <a:ext uri="{FF2B5EF4-FFF2-40B4-BE49-F238E27FC236}">
+                <a16:creationId xmlns:a16="http://schemas.microsoft.com/office/drawing/2014/main" id="{DFA1688D-4A92-4EC8-A847-1E9A5BBFB4D8}"/>
+              </a:ext>
+            </a:extLst>
+          </p:cNvPr>
+          <p:cNvCxnSpPr>
+            <a:cxnSpLocks/>
+          </p:cNvCxnSpPr>
+          <p:nvPr/>
+        </p:nvCxnSpPr>
+        <p:spPr>
+          <a:xfrm flipV="1">
+            <a:off x="4406351" y="7984436"/>
+            <a:ext cx="2146852" cy="795130"/>
+          </a:xfrm>
+          <a:prstGeom prst="line">
+            <a:avLst/>
+          </a:prstGeom>
+          <a:ln/>
+        </p:spPr>
+        <p:style>
+          <a:lnRef idx="1">
+            <a:schemeClr val="accent1"/>
+          </a:lnRef>
+          <a:fillRef idx="0">
+            <a:schemeClr val="accent1"/>
+          </a:fillRef>
+          <a:effectRef idx="0">
+            <a:schemeClr val="accent1"/>
+          </a:effectRef>
+          <a:fontRef idx="minor">
+            <a:schemeClr val="tx1"/>
+          </a:fontRef>
+        </p:style>
+      </p:cxnSp>
+      <p:cxnSp>
+        <p:nvCxnSpPr>
+          <p:cNvPr id="35" name="Straight Connector 34">
+            <a:extLst>
+              <a:ext uri="{FF2B5EF4-FFF2-40B4-BE49-F238E27FC236}">
+                <a16:creationId xmlns:a16="http://schemas.microsoft.com/office/drawing/2014/main" id="{10F8A902-E597-44CF-947C-7A073CD86A07}"/>
+              </a:ext>
+            </a:extLst>
+          </p:cNvPr>
+          <p:cNvCxnSpPr>
+            <a:cxnSpLocks/>
+          </p:cNvCxnSpPr>
+          <p:nvPr/>
+        </p:nvCxnSpPr>
+        <p:spPr>
+          <a:xfrm flipV="1">
+            <a:off x="4406351" y="9455426"/>
+            <a:ext cx="2146852" cy="795130"/>
+          </a:xfrm>
+          <a:prstGeom prst="line">
+            <a:avLst/>
+          </a:prstGeom>
+          <a:ln/>
+        </p:spPr>
+        <p:style>
+          <a:lnRef idx="1">
+            <a:schemeClr val="accent1"/>
+          </a:lnRef>
+          <a:fillRef idx="0">
+            <a:schemeClr val="accent1"/>
+          </a:fillRef>
+          <a:effectRef idx="0">
+            <a:schemeClr val="accent1"/>
+          </a:effectRef>
+          <a:fontRef idx="minor">
+            <a:schemeClr val="tx1"/>
+          </a:fontRef>
+        </p:style>
+      </p:cxnSp>
+      <p:cxnSp>
+        <p:nvCxnSpPr>
+          <p:cNvPr id="36" name="Straight Connector 35">
+            <a:extLst>
+              <a:ext uri="{FF2B5EF4-FFF2-40B4-BE49-F238E27FC236}">
+                <a16:creationId xmlns:a16="http://schemas.microsoft.com/office/drawing/2014/main" id="{C698BA17-475F-40EE-9A0F-A6C0FCC16EBF}"/>
+              </a:ext>
+            </a:extLst>
+          </p:cNvPr>
+          <p:cNvCxnSpPr>
+            <a:cxnSpLocks/>
+          </p:cNvCxnSpPr>
+          <p:nvPr/>
+        </p:nvCxnSpPr>
+        <p:spPr>
+          <a:xfrm flipV="1">
+            <a:off x="4462466" y="10986052"/>
+            <a:ext cx="2146852" cy="795130"/>
+          </a:xfrm>
+          <a:prstGeom prst="line">
+            <a:avLst/>
+          </a:prstGeom>
+          <a:ln/>
+        </p:spPr>
+        <p:style>
+          <a:lnRef idx="1">
+            <a:schemeClr val="accent1"/>
+          </a:lnRef>
+          <a:fillRef idx="0">
+            <a:schemeClr val="accent1"/>
+          </a:fillRef>
+          <a:effectRef idx="0">
+            <a:schemeClr val="accent1"/>
+          </a:effectRef>
+          <a:fontRef idx="minor">
+            <a:schemeClr val="tx1"/>
+          </a:fontRef>
+        </p:style>
+      </p:cxnSp>
+      <p:cxnSp>
+        <p:nvCxnSpPr>
+          <p:cNvPr id="37" name="Straight Connector 36">
+            <a:extLst>
+              <a:ext uri="{FF2B5EF4-FFF2-40B4-BE49-F238E27FC236}">
+                <a16:creationId xmlns:a16="http://schemas.microsoft.com/office/drawing/2014/main" id="{0EB899E5-5E3E-4CBC-8F5E-AD8375F11A73}"/>
+              </a:ext>
+            </a:extLst>
+          </p:cNvPr>
+          <p:cNvCxnSpPr>
+            <a:cxnSpLocks/>
+          </p:cNvCxnSpPr>
+          <p:nvPr/>
+        </p:nvCxnSpPr>
+        <p:spPr>
+          <a:xfrm flipV="1">
+            <a:off x="4564436" y="12437165"/>
+            <a:ext cx="1949011" cy="712607"/>
+          </a:xfrm>
+          <a:prstGeom prst="line">
+            <a:avLst/>
+          </a:prstGeom>
+          <a:ln/>
+        </p:spPr>
+        <p:style>
+          <a:lnRef idx="1">
+            <a:schemeClr val="accent1"/>
+          </a:lnRef>
+          <a:fillRef idx="0">
+            <a:schemeClr val="accent1"/>
+          </a:fillRef>
+          <a:effectRef idx="0">
+            <a:schemeClr val="accent1"/>
+          </a:effectRef>
+          <a:fontRef idx="minor">
+            <a:schemeClr val="tx1"/>
+          </a:fontRef>
+        </p:style>
+      </p:cxnSp>
+      <p:cxnSp>
+        <p:nvCxnSpPr>
+          <p:cNvPr id="39" name="Straight Connector 38">
+            <a:extLst>
+              <a:ext uri="{FF2B5EF4-FFF2-40B4-BE49-F238E27FC236}">
+                <a16:creationId xmlns:a16="http://schemas.microsoft.com/office/drawing/2014/main" id="{292ACBDB-92AA-4EE4-A17B-69B086A8EF1C}"/>
+              </a:ext>
+            </a:extLst>
+          </p:cNvPr>
+          <p:cNvCxnSpPr>
+            <a:cxnSpLocks/>
+          </p:cNvCxnSpPr>
+          <p:nvPr/>
+        </p:nvCxnSpPr>
+        <p:spPr>
+          <a:xfrm flipV="1">
+            <a:off x="7441100" y="675861"/>
+            <a:ext cx="2146852" cy="1484244"/>
+          </a:xfrm>
+          <a:prstGeom prst="line">
+            <a:avLst/>
+          </a:prstGeom>
+          <a:ln/>
+        </p:spPr>
+        <p:style>
+          <a:lnRef idx="1">
+            <a:schemeClr val="accent1"/>
+          </a:lnRef>
+          <a:fillRef idx="0">
+            <a:schemeClr val="accent1"/>
+          </a:fillRef>
+          <a:effectRef idx="0">
+            <a:schemeClr val="accent1"/>
+          </a:effectRef>
+          <a:fontRef idx="minor">
+            <a:schemeClr val="tx1"/>
+          </a:fontRef>
+        </p:style>
+      </p:cxnSp>
+      <p:cxnSp>
+        <p:nvCxnSpPr>
+          <p:cNvPr id="41" name="Straight Connector 40">
+            <a:extLst>
+              <a:ext uri="{FF2B5EF4-FFF2-40B4-BE49-F238E27FC236}">
+                <a16:creationId xmlns:a16="http://schemas.microsoft.com/office/drawing/2014/main" id="{A31C889B-F0D1-4334-AA18-0F2E06D4D019}"/>
+              </a:ext>
+            </a:extLst>
+          </p:cNvPr>
+          <p:cNvCxnSpPr>
+            <a:cxnSpLocks/>
+          </p:cNvCxnSpPr>
+          <p:nvPr/>
+        </p:nvCxnSpPr>
+        <p:spPr>
+          <a:xfrm flipV="1">
+            <a:off x="7441100" y="3571461"/>
+            <a:ext cx="2146852" cy="1484244"/>
+          </a:xfrm>
+          <a:prstGeom prst="line">
+            <a:avLst/>
+          </a:prstGeom>
+          <a:ln/>
+        </p:spPr>
+        <p:style>
+          <a:lnRef idx="1">
+            <a:schemeClr val="accent1"/>
+          </a:lnRef>
+          <a:fillRef idx="0">
+            <a:schemeClr val="accent1"/>
+          </a:fillRef>
+          <a:effectRef idx="0">
+            <a:schemeClr val="accent1"/>
+          </a:effectRef>
+          <a:fontRef idx="minor">
+            <a:schemeClr val="tx1"/>
+          </a:fontRef>
+        </p:style>
+      </p:cxnSp>
+      <p:cxnSp>
+        <p:nvCxnSpPr>
+          <p:cNvPr id="42" name="Straight Connector 41">
+            <a:extLst>
+              <a:ext uri="{FF2B5EF4-FFF2-40B4-BE49-F238E27FC236}">
+                <a16:creationId xmlns:a16="http://schemas.microsoft.com/office/drawing/2014/main" id="{AC57455C-912C-430F-B20F-A59C26C77EDA}"/>
+              </a:ext>
+            </a:extLst>
+          </p:cNvPr>
+          <p:cNvCxnSpPr>
+            <a:cxnSpLocks/>
+          </p:cNvCxnSpPr>
+          <p:nvPr/>
+        </p:nvCxnSpPr>
+        <p:spPr>
+          <a:xfrm flipV="1">
+            <a:off x="7467604" y="6592957"/>
+            <a:ext cx="2146852" cy="1484244"/>
+          </a:xfrm>
+          <a:prstGeom prst="line">
+            <a:avLst/>
+          </a:prstGeom>
+          <a:ln/>
+        </p:spPr>
+        <p:style>
+          <a:lnRef idx="1">
+            <a:schemeClr val="accent1"/>
+          </a:lnRef>
+          <a:fillRef idx="0">
+            <a:schemeClr val="accent1"/>
+          </a:fillRef>
+          <a:effectRef idx="0">
+            <a:schemeClr val="accent1"/>
+          </a:effectRef>
+          <a:fontRef idx="minor">
+            <a:schemeClr val="tx1"/>
+          </a:fontRef>
+        </p:style>
+      </p:cxnSp>
+      <p:cxnSp>
+        <p:nvCxnSpPr>
+          <p:cNvPr id="43" name="Straight Connector 42">
+            <a:extLst>
+              <a:ext uri="{FF2B5EF4-FFF2-40B4-BE49-F238E27FC236}">
+                <a16:creationId xmlns:a16="http://schemas.microsoft.com/office/drawing/2014/main" id="{2779F786-0740-4ACE-9C86-436D745C0155}"/>
+              </a:ext>
+            </a:extLst>
+          </p:cNvPr>
+          <p:cNvCxnSpPr>
+            <a:cxnSpLocks/>
+          </p:cNvCxnSpPr>
+          <p:nvPr/>
+        </p:nvCxnSpPr>
+        <p:spPr>
+          <a:xfrm flipV="1">
+            <a:off x="7474730" y="9455426"/>
+            <a:ext cx="2146852" cy="1484244"/>
+          </a:xfrm>
+          <a:prstGeom prst="line">
+            <a:avLst/>
+          </a:prstGeom>
+          <a:ln/>
+        </p:spPr>
+        <p:style>
+          <a:lnRef idx="1">
+            <a:schemeClr val="accent1"/>
+          </a:lnRef>
+          <a:fillRef idx="0">
+            <a:schemeClr val="accent1"/>
+          </a:fillRef>
+          <a:effectRef idx="0">
+            <a:schemeClr val="accent1"/>
+          </a:effectRef>
+          <a:fontRef idx="minor">
+            <a:schemeClr val="tx1"/>
+          </a:fontRef>
+        </p:style>
+      </p:cxnSp>
+      <p:cxnSp>
+        <p:nvCxnSpPr>
+          <p:cNvPr id="44" name="Straight Connector 43">
+            <a:extLst>
+              <a:ext uri="{FF2B5EF4-FFF2-40B4-BE49-F238E27FC236}">
+                <a16:creationId xmlns:a16="http://schemas.microsoft.com/office/drawing/2014/main" id="{8D62ABEF-65C5-438F-8CF7-8273C919F3B7}"/>
+              </a:ext>
+            </a:extLst>
+          </p:cNvPr>
+          <p:cNvCxnSpPr>
+            <a:cxnSpLocks/>
+          </p:cNvCxnSpPr>
+          <p:nvPr/>
+        </p:nvCxnSpPr>
+        <p:spPr>
+          <a:xfrm flipV="1">
+            <a:off x="10352556" y="675861"/>
+            <a:ext cx="2311976" cy="2888974"/>
+          </a:xfrm>
+          <a:prstGeom prst="line">
+            <a:avLst/>
+          </a:prstGeom>
+          <a:ln/>
+        </p:spPr>
+        <p:style>
+          <a:lnRef idx="1">
+            <a:schemeClr val="accent1"/>
+          </a:lnRef>
+          <a:fillRef idx="0">
+            <a:schemeClr val="accent1"/>
+          </a:fillRef>
+          <a:effectRef idx="0">
+            <a:schemeClr val="accent1"/>
+          </a:effectRef>
+          <a:fontRef idx="minor">
+            <a:schemeClr val="tx1"/>
+          </a:fontRef>
+        </p:style>
+      </p:cxnSp>
+      <p:cxnSp>
+        <p:nvCxnSpPr>
+          <p:cNvPr id="46" name="Straight Connector 45">
+            <a:extLst>
+              <a:ext uri="{FF2B5EF4-FFF2-40B4-BE49-F238E27FC236}">
+                <a16:creationId xmlns:a16="http://schemas.microsoft.com/office/drawing/2014/main" id="{002164B9-D12A-421B-B30F-3F1EAE8F6D29}"/>
+              </a:ext>
+            </a:extLst>
+          </p:cNvPr>
+          <p:cNvCxnSpPr>
+            <a:cxnSpLocks/>
+          </p:cNvCxnSpPr>
+          <p:nvPr/>
+        </p:nvCxnSpPr>
+        <p:spPr>
+          <a:xfrm flipV="1">
+            <a:off x="10607846" y="6533322"/>
+            <a:ext cx="2012546" cy="2888974"/>
+          </a:xfrm>
+          <a:prstGeom prst="line">
+            <a:avLst/>
+          </a:prstGeom>
+          <a:ln/>
+        </p:spPr>
+        <p:style>
+          <a:lnRef idx="1">
+            <a:schemeClr val="accent1"/>
+          </a:lnRef>
+          <a:fillRef idx="0">
+            <a:schemeClr val="accent1"/>
+          </a:fillRef>
+          <a:effectRef idx="0">
+            <a:schemeClr val="accent1"/>
+          </a:effectRef>
+          <a:fontRef idx="minor">
+            <a:schemeClr val="tx1"/>
+          </a:fontRef>
+        </p:style>
+      </p:cxnSp>
+      <p:cxnSp>
+        <p:nvCxnSpPr>
+          <p:cNvPr id="48" name="Straight Connector 47">
+            <a:extLst>
+              <a:ext uri="{FF2B5EF4-FFF2-40B4-BE49-F238E27FC236}">
+                <a16:creationId xmlns:a16="http://schemas.microsoft.com/office/drawing/2014/main" id="{B4D801B6-0FC4-4881-94DE-4DBCD3E88D01}"/>
+              </a:ext>
+            </a:extLst>
+          </p:cNvPr>
+          <p:cNvCxnSpPr>
+            <a:cxnSpLocks/>
+          </p:cNvCxnSpPr>
+          <p:nvPr/>
+        </p:nvCxnSpPr>
+        <p:spPr>
+          <a:xfrm flipV="1">
+            <a:off x="13767361" y="675861"/>
+            <a:ext cx="1959984" cy="5857461"/>
+          </a:xfrm>
+          <a:prstGeom prst="line">
+            <a:avLst/>
+          </a:prstGeom>
+          <a:ln/>
+        </p:spPr>
+        <p:style>
+          <a:lnRef idx="1">
+            <a:schemeClr val="accent1"/>
+          </a:lnRef>
+          <a:fillRef idx="0">
+            <a:schemeClr val="accent1"/>
+          </a:fillRef>
+          <a:effectRef idx="0">
+            <a:schemeClr val="accent1"/>
+          </a:effectRef>
+          <a:fontRef idx="minor">
+            <a:schemeClr val="tx1"/>
+          </a:fontRef>
+        </p:style>
+      </p:cxnSp>
+      <p:cxnSp>
+        <p:nvCxnSpPr>
+          <p:cNvPr id="50" name="Straight Connector 49">
+            <a:extLst>
+              <a:ext uri="{FF2B5EF4-FFF2-40B4-BE49-F238E27FC236}">
+                <a16:creationId xmlns:a16="http://schemas.microsoft.com/office/drawing/2014/main" id="{D78885E5-A65E-4912-82C4-184E5ABDC6DF}"/>
+              </a:ext>
+            </a:extLst>
+          </p:cNvPr>
+          <p:cNvCxnSpPr>
+            <a:cxnSpLocks/>
+          </p:cNvCxnSpPr>
+          <p:nvPr/>
+        </p:nvCxnSpPr>
+        <p:spPr>
+          <a:xfrm flipV="1">
+            <a:off x="7865715" y="675860"/>
+            <a:ext cx="14636480" cy="11761305"/>
+          </a:xfrm>
+          <a:prstGeom prst="line">
+            <a:avLst/>
+          </a:prstGeom>
+          <a:ln/>
+        </p:spPr>
+        <p:style>
+          <a:lnRef idx="1">
+            <a:schemeClr val="accent1"/>
+          </a:lnRef>
+          <a:fillRef idx="0">
+            <a:schemeClr val="accent1"/>
+          </a:fillRef>
+          <a:effectRef idx="0">
+            <a:schemeClr val="accent1"/>
+          </a:effectRef>
+          <a:fontRef idx="minor">
+            <a:schemeClr val="tx1"/>
+          </a:fontRef>
+        </p:style>
+      </p:cxnSp>
+      <p:sp>
+        <p:nvSpPr>
+          <p:cNvPr id="57" name="TextBox 56">
+            <a:extLst>
+              <a:ext uri="{FF2B5EF4-FFF2-40B4-BE49-F238E27FC236}">
+                <a16:creationId xmlns:a16="http://schemas.microsoft.com/office/drawing/2014/main" id="{A319C25A-22B1-4946-BDE1-0C2814E76DBF}"/>
+              </a:ext>
+            </a:extLst>
+          </p:cNvPr>
+          <p:cNvSpPr txBox="1"/>
+          <p:nvPr/>
+        </p:nvSpPr>
+        <p:spPr>
+          <a:xfrm>
+            <a:off x="4649819" y="696031"/>
+            <a:ext cx="598651" cy="584775"/>
+          </a:xfrm>
+          <a:prstGeom prst="rect">
+            <a:avLst/>
+          </a:prstGeom>
+          <a:noFill/>
+          <a:ln w="12700" cap="flat">
+            <a:noFill/>
+            <a:miter lim="400000"/>
+          </a:ln>
+          <a:effectLst/>
+          <a:sp3d/>
+        </p:spPr>
+        <p:style>
+          <a:lnRef idx="0">
+            <a:scrgbClr r="0" g="0" b="0"/>
+          </a:lnRef>
+          <a:fillRef idx="0">
+            <a:scrgbClr r="0" g="0" b="0"/>
+          </a:fillRef>
+          <a:effectRef idx="0">
+            <a:scrgbClr r="0" g="0" b="0"/>
+          </a:effectRef>
+          <a:fontRef idx="none"/>
+        </p:style>
+        <p:txBody>
+          <a:bodyPr wrap="square">
+            <a:spAutoFit/>
+          </a:bodyPr>
+          <a:lstStyle/>
+          <a:p>
+            <a:pPr algn="l"/>
+            <a:r>
+              <a:rPr lang="en-US" sz="3200" noProof="1">
+                <a:solidFill>
+                  <a:srgbClr val="FF0000"/>
+                </a:solidFill>
+              </a:rPr>
+              <a:t>1</a:t>
+            </a:r>
+          </a:p>
+        </p:txBody>
+      </p:sp>
+      <p:sp>
+        <p:nvSpPr>
+          <p:cNvPr id="58" name="TextBox 57">
+            <a:extLst>
+              <a:ext uri="{FF2B5EF4-FFF2-40B4-BE49-F238E27FC236}">
+                <a16:creationId xmlns:a16="http://schemas.microsoft.com/office/drawing/2014/main" id="{06BFAC2F-9941-4A55-A330-83F365FA2455}"/>
+              </a:ext>
+            </a:extLst>
+          </p:cNvPr>
+          <p:cNvSpPr txBox="1"/>
+          <p:nvPr/>
+        </p:nvSpPr>
+        <p:spPr>
+          <a:xfrm>
+            <a:off x="5553997" y="143278"/>
+            <a:ext cx="598651" cy="584775"/>
+          </a:xfrm>
+          <a:prstGeom prst="rect">
+            <a:avLst/>
+          </a:prstGeom>
+          <a:noFill/>
+          <a:ln w="12700" cap="flat">
+            <a:noFill/>
+            <a:miter lim="400000"/>
+          </a:ln>
+          <a:effectLst/>
+          <a:sp3d/>
+        </p:spPr>
+        <p:style>
+          <a:lnRef idx="0">
+            <a:scrgbClr r="0" g="0" b="0"/>
+          </a:lnRef>
+          <a:fillRef idx="0">
+            <a:scrgbClr r="0" g="0" b="0"/>
+          </a:fillRef>
+          <a:effectRef idx="0">
+            <a:scrgbClr r="0" g="0" b="0"/>
+          </a:effectRef>
+          <a:fontRef idx="none"/>
+        </p:style>
+        <p:txBody>
+          <a:bodyPr wrap="square">
+            <a:spAutoFit/>
+          </a:bodyPr>
+          <a:lstStyle/>
+          <a:p>
+            <a:pPr algn="l"/>
+            <a:r>
+              <a:rPr lang="en-US" sz="3200" noProof="1">
+                <a:solidFill>
+                  <a:srgbClr val="FF0000"/>
+                </a:solidFill>
+              </a:rPr>
+              <a:t>0</a:t>
+            </a:r>
+          </a:p>
+        </p:txBody>
+      </p:sp>
+      <p:sp>
+        <p:nvSpPr>
+          <p:cNvPr id="59" name="TextBox 58">
+            <a:extLst>
+              <a:ext uri="{FF2B5EF4-FFF2-40B4-BE49-F238E27FC236}">
+                <a16:creationId xmlns:a16="http://schemas.microsoft.com/office/drawing/2014/main" id="{EEA182C1-701D-4E69-A22B-A9320550E433}"/>
+              </a:ext>
+            </a:extLst>
+          </p:cNvPr>
+          <p:cNvSpPr txBox="1"/>
+          <p:nvPr/>
+        </p:nvSpPr>
+        <p:spPr>
+          <a:xfrm>
+            <a:off x="8707861" y="114971"/>
+            <a:ext cx="598651" cy="584775"/>
+          </a:xfrm>
+          <a:prstGeom prst="rect">
+            <a:avLst/>
+          </a:prstGeom>
+          <a:noFill/>
+          <a:ln w="12700" cap="flat">
+            <a:noFill/>
+            <a:miter lim="400000"/>
+          </a:ln>
+          <a:effectLst/>
+          <a:sp3d/>
+        </p:spPr>
+        <p:style>
+          <a:lnRef idx="0">
+            <a:scrgbClr r="0" g="0" b="0"/>
+          </a:lnRef>
+          <a:fillRef idx="0">
+            <a:scrgbClr r="0" g="0" b="0"/>
+          </a:fillRef>
+          <a:effectRef idx="0">
+            <a:scrgbClr r="0" g="0" b="0"/>
+          </a:effectRef>
+          <a:fontRef idx="none"/>
+        </p:style>
+        <p:txBody>
+          <a:bodyPr wrap="square">
+            <a:spAutoFit/>
+          </a:bodyPr>
+          <a:lstStyle/>
+          <a:p>
+            <a:pPr algn="l"/>
+            <a:r>
+              <a:rPr lang="en-US" sz="3200" noProof="1">
+                <a:solidFill>
+                  <a:srgbClr val="FF0000"/>
+                </a:solidFill>
+              </a:rPr>
+              <a:t>0</a:t>
+            </a:r>
+          </a:p>
+        </p:txBody>
+      </p:sp>
+      <p:sp>
+        <p:nvSpPr>
+          <p:cNvPr id="60" name="TextBox 59">
+            <a:extLst>
+              <a:ext uri="{FF2B5EF4-FFF2-40B4-BE49-F238E27FC236}">
+                <a16:creationId xmlns:a16="http://schemas.microsoft.com/office/drawing/2014/main" id="{4106435F-9F41-47BA-ABEB-61EF48EA512A}"/>
+              </a:ext>
+            </a:extLst>
+          </p:cNvPr>
+          <p:cNvSpPr txBox="1"/>
+          <p:nvPr/>
+        </p:nvSpPr>
+        <p:spPr>
+          <a:xfrm>
+            <a:off x="11935144" y="158732"/>
+            <a:ext cx="598651" cy="584775"/>
+          </a:xfrm>
+          <a:prstGeom prst="rect">
+            <a:avLst/>
+          </a:prstGeom>
+          <a:noFill/>
+          <a:ln w="12700" cap="flat">
+            <a:noFill/>
+            <a:miter lim="400000"/>
+          </a:ln>
+          <a:effectLst/>
+          <a:sp3d/>
+        </p:spPr>
+        <p:style>
+          <a:lnRef idx="0">
+            <a:scrgbClr r="0" g="0" b="0"/>
+          </a:lnRef>
+          <a:fillRef idx="0">
+            <a:scrgbClr r="0" g="0" b="0"/>
+          </a:fillRef>
+          <a:effectRef idx="0">
+            <a:scrgbClr r="0" g="0" b="0"/>
+          </a:effectRef>
+          <a:fontRef idx="none"/>
+        </p:style>
+        <p:txBody>
+          <a:bodyPr wrap="square">
+            <a:spAutoFit/>
+          </a:bodyPr>
+          <a:lstStyle/>
+          <a:p>
+            <a:pPr algn="l"/>
+            <a:r>
+              <a:rPr lang="en-US" sz="3200" noProof="1">
+                <a:solidFill>
+                  <a:srgbClr val="FF0000"/>
+                </a:solidFill>
+              </a:rPr>
+              <a:t>0</a:t>
+            </a:r>
+          </a:p>
+        </p:txBody>
+      </p:sp>
+      <p:sp>
+        <p:nvSpPr>
+          <p:cNvPr id="61" name="TextBox 60">
+            <a:extLst>
+              <a:ext uri="{FF2B5EF4-FFF2-40B4-BE49-F238E27FC236}">
+                <a16:creationId xmlns:a16="http://schemas.microsoft.com/office/drawing/2014/main" id="{56BC9BDE-D9D8-45FC-98D1-53D36934BADB}"/>
+              </a:ext>
+            </a:extLst>
+          </p:cNvPr>
+          <p:cNvSpPr txBox="1"/>
+          <p:nvPr/>
+        </p:nvSpPr>
+        <p:spPr>
+          <a:xfrm>
+            <a:off x="14790079" y="158731"/>
+            <a:ext cx="598651" cy="584775"/>
+          </a:xfrm>
+          <a:prstGeom prst="rect">
+            <a:avLst/>
+          </a:prstGeom>
+          <a:noFill/>
+          <a:ln w="12700" cap="flat">
+            <a:noFill/>
+            <a:miter lim="400000"/>
+          </a:ln>
+          <a:effectLst/>
+          <a:sp3d/>
+        </p:spPr>
+        <p:style>
+          <a:lnRef idx="0">
+            <a:scrgbClr r="0" g="0" b="0"/>
+          </a:lnRef>
+          <a:fillRef idx="0">
+            <a:scrgbClr r="0" g="0" b="0"/>
+          </a:fillRef>
+          <a:effectRef idx="0">
+            <a:scrgbClr r="0" g="0" b="0"/>
+          </a:effectRef>
+          <a:fontRef idx="none"/>
+        </p:style>
+        <p:txBody>
+          <a:bodyPr wrap="square">
+            <a:spAutoFit/>
+          </a:bodyPr>
+          <a:lstStyle/>
+          <a:p>
+            <a:pPr algn="l"/>
+            <a:r>
+              <a:rPr lang="en-US" sz="3200" noProof="1">
+                <a:solidFill>
+                  <a:srgbClr val="FF0000"/>
+                </a:solidFill>
+              </a:rPr>
+              <a:t>0</a:t>
+            </a:r>
+          </a:p>
+        </p:txBody>
+      </p:sp>
+      <p:sp>
+        <p:nvSpPr>
+          <p:cNvPr id="62" name="TextBox 61">
+            <a:extLst>
+              <a:ext uri="{FF2B5EF4-FFF2-40B4-BE49-F238E27FC236}">
+                <a16:creationId xmlns:a16="http://schemas.microsoft.com/office/drawing/2014/main" id="{F2AA46A4-E5B4-4795-BF9D-466D4D5E34F5}"/>
+              </a:ext>
+            </a:extLst>
+          </p:cNvPr>
+          <p:cNvSpPr txBox="1"/>
+          <p:nvPr/>
+        </p:nvSpPr>
+        <p:spPr>
+          <a:xfrm>
+            <a:off x="21290424" y="158736"/>
+            <a:ext cx="598651" cy="584775"/>
+          </a:xfrm>
+          <a:prstGeom prst="rect">
+            <a:avLst/>
+          </a:prstGeom>
+          <a:noFill/>
+          <a:ln w="12700" cap="flat">
+            <a:noFill/>
+            <a:miter lim="400000"/>
+          </a:ln>
+          <a:effectLst/>
+          <a:sp3d/>
+        </p:spPr>
+        <p:style>
+          <a:lnRef idx="0">
+            <a:scrgbClr r="0" g="0" b="0"/>
+          </a:lnRef>
+          <a:fillRef idx="0">
+            <a:scrgbClr r="0" g="0" b="0"/>
+          </a:fillRef>
+          <a:effectRef idx="0">
+            <a:scrgbClr r="0" g="0" b="0"/>
+          </a:effectRef>
+          <a:fontRef idx="none"/>
+        </p:style>
+        <p:txBody>
+          <a:bodyPr wrap="square">
+            <a:spAutoFit/>
+          </a:bodyPr>
+          <a:lstStyle/>
+          <a:p>
+            <a:pPr algn="l"/>
+            <a:r>
+              <a:rPr lang="en-US" sz="3200" noProof="1">
+                <a:solidFill>
+                  <a:srgbClr val="FF0000"/>
+                </a:solidFill>
+              </a:rPr>
+              <a:t>0</a:t>
+            </a:r>
+          </a:p>
+        </p:txBody>
+      </p:sp>
+      <p:sp>
+        <p:nvSpPr>
+          <p:cNvPr id="63" name="TextBox 62">
+            <a:extLst>
+              <a:ext uri="{FF2B5EF4-FFF2-40B4-BE49-F238E27FC236}">
+                <a16:creationId xmlns:a16="http://schemas.microsoft.com/office/drawing/2014/main" id="{BFC92E42-7B9E-4BE5-91CE-7C5F4F803EA5}"/>
+              </a:ext>
+            </a:extLst>
+          </p:cNvPr>
+          <p:cNvSpPr txBox="1"/>
+          <p:nvPr/>
+        </p:nvSpPr>
+        <p:spPr>
+          <a:xfrm>
+            <a:off x="5564186" y="1567886"/>
+            <a:ext cx="598651" cy="584775"/>
+          </a:xfrm>
+          <a:prstGeom prst="rect">
+            <a:avLst/>
+          </a:prstGeom>
+          <a:noFill/>
+          <a:ln w="12700" cap="flat">
+            <a:noFill/>
+            <a:miter lim="400000"/>
+          </a:ln>
+          <a:effectLst/>
+          <a:sp3d/>
+        </p:spPr>
+        <p:style>
+          <a:lnRef idx="0">
+            <a:scrgbClr r="0" g="0" b="0"/>
+          </a:lnRef>
+          <a:fillRef idx="0">
+            <a:scrgbClr r="0" g="0" b="0"/>
+          </a:fillRef>
+          <a:effectRef idx="0">
+            <a:scrgbClr r="0" g="0" b="0"/>
+          </a:effectRef>
+          <a:fontRef idx="none"/>
+        </p:style>
+        <p:txBody>
+          <a:bodyPr wrap="square">
+            <a:spAutoFit/>
+          </a:bodyPr>
+          <a:lstStyle/>
+          <a:p>
+            <a:pPr algn="l"/>
+            <a:r>
+              <a:rPr lang="en-US" sz="3200" noProof="1">
+                <a:solidFill>
+                  <a:srgbClr val="FF0000"/>
+                </a:solidFill>
+              </a:rPr>
+              <a:t>0</a:t>
+            </a:r>
+          </a:p>
+        </p:txBody>
+      </p:sp>
+      <p:sp>
+        <p:nvSpPr>
+          <p:cNvPr id="64" name="TextBox 63">
+            <a:extLst>
+              <a:ext uri="{FF2B5EF4-FFF2-40B4-BE49-F238E27FC236}">
+                <a16:creationId xmlns:a16="http://schemas.microsoft.com/office/drawing/2014/main" id="{2A9A01E5-47A7-4C85-9919-255115943550}"/>
+              </a:ext>
+            </a:extLst>
+          </p:cNvPr>
+          <p:cNvSpPr txBox="1"/>
+          <p:nvPr/>
+        </p:nvSpPr>
+        <p:spPr>
+          <a:xfrm>
+            <a:off x="5553996" y="2958524"/>
+            <a:ext cx="598651" cy="584775"/>
+          </a:xfrm>
+          <a:prstGeom prst="rect">
+            <a:avLst/>
+          </a:prstGeom>
+          <a:noFill/>
+          <a:ln w="12700" cap="flat">
+            <a:noFill/>
+            <a:miter lim="400000"/>
+          </a:ln>
+          <a:effectLst/>
+          <a:sp3d/>
+        </p:spPr>
+        <p:style>
+          <a:lnRef idx="0">
+            <a:scrgbClr r="0" g="0" b="0"/>
+          </a:lnRef>
+          <a:fillRef idx="0">
+            <a:scrgbClr r="0" g="0" b="0"/>
+          </a:fillRef>
+          <a:effectRef idx="0">
+            <a:scrgbClr r="0" g="0" b="0"/>
+          </a:effectRef>
+          <a:fontRef idx="none"/>
+        </p:style>
+        <p:txBody>
+          <a:bodyPr wrap="square">
+            <a:spAutoFit/>
+          </a:bodyPr>
+          <a:lstStyle/>
+          <a:p>
+            <a:pPr algn="l"/>
+            <a:r>
+              <a:rPr lang="en-US" sz="3200" noProof="1">
+                <a:solidFill>
+                  <a:srgbClr val="FF0000"/>
+                </a:solidFill>
+              </a:rPr>
+              <a:t>0</a:t>
+            </a:r>
+          </a:p>
+        </p:txBody>
+      </p:sp>
+      <p:sp>
+        <p:nvSpPr>
+          <p:cNvPr id="65" name="TextBox 64">
+            <a:extLst>
+              <a:ext uri="{FF2B5EF4-FFF2-40B4-BE49-F238E27FC236}">
+                <a16:creationId xmlns:a16="http://schemas.microsoft.com/office/drawing/2014/main" id="{891F7B37-A322-45B4-B884-EA998941338C}"/>
+              </a:ext>
+            </a:extLst>
+          </p:cNvPr>
+          <p:cNvSpPr txBox="1"/>
+          <p:nvPr/>
+        </p:nvSpPr>
+        <p:spPr>
+          <a:xfrm>
+            <a:off x="5564186" y="4469270"/>
+            <a:ext cx="598651" cy="584775"/>
+          </a:xfrm>
+          <a:prstGeom prst="rect">
+            <a:avLst/>
+          </a:prstGeom>
+          <a:noFill/>
+          <a:ln w="12700" cap="flat">
+            <a:noFill/>
+            <a:miter lim="400000"/>
+          </a:ln>
+          <a:effectLst/>
+          <a:sp3d/>
+        </p:spPr>
+        <p:style>
+          <a:lnRef idx="0">
+            <a:scrgbClr r="0" g="0" b="0"/>
+          </a:lnRef>
+          <a:fillRef idx="0">
+            <a:scrgbClr r="0" g="0" b="0"/>
+          </a:fillRef>
+          <a:effectRef idx="0">
+            <a:scrgbClr r="0" g="0" b="0"/>
+          </a:effectRef>
+          <a:fontRef idx="none"/>
+        </p:style>
+        <p:txBody>
+          <a:bodyPr wrap="square">
+            <a:spAutoFit/>
+          </a:bodyPr>
+          <a:lstStyle/>
+          <a:p>
+            <a:pPr algn="l"/>
+            <a:r>
+              <a:rPr lang="en-US" sz="3200" noProof="1">
+                <a:solidFill>
+                  <a:srgbClr val="FF0000"/>
+                </a:solidFill>
+              </a:rPr>
+              <a:t>0</a:t>
+            </a:r>
+          </a:p>
+        </p:txBody>
+      </p:sp>
+      <p:sp>
+        <p:nvSpPr>
+          <p:cNvPr id="66" name="TextBox 65">
+            <a:extLst>
+              <a:ext uri="{FF2B5EF4-FFF2-40B4-BE49-F238E27FC236}">
+                <a16:creationId xmlns:a16="http://schemas.microsoft.com/office/drawing/2014/main" id="{A0E5FAB3-9970-4D77-9097-417A47D76012}"/>
+              </a:ext>
+            </a:extLst>
+          </p:cNvPr>
+          <p:cNvSpPr txBox="1"/>
+          <p:nvPr/>
+        </p:nvSpPr>
+        <p:spPr>
+          <a:xfrm>
+            <a:off x="5564186" y="5940261"/>
+            <a:ext cx="598651" cy="584775"/>
+          </a:xfrm>
+          <a:prstGeom prst="rect">
+            <a:avLst/>
+          </a:prstGeom>
+          <a:noFill/>
+          <a:ln w="12700" cap="flat">
+            <a:noFill/>
+            <a:miter lim="400000"/>
+          </a:ln>
+          <a:effectLst/>
+          <a:sp3d/>
+        </p:spPr>
+        <p:style>
+          <a:lnRef idx="0">
+            <a:scrgbClr r="0" g="0" b="0"/>
+          </a:lnRef>
+          <a:fillRef idx="0">
+            <a:scrgbClr r="0" g="0" b="0"/>
+          </a:fillRef>
+          <a:effectRef idx="0">
+            <a:scrgbClr r="0" g="0" b="0"/>
+          </a:effectRef>
+          <a:fontRef idx="none"/>
+        </p:style>
+        <p:txBody>
+          <a:bodyPr wrap="square">
+            <a:spAutoFit/>
+          </a:bodyPr>
+          <a:lstStyle/>
+          <a:p>
+            <a:pPr algn="l"/>
+            <a:r>
+              <a:rPr lang="en-US" sz="3200" noProof="1">
+                <a:solidFill>
+                  <a:srgbClr val="FF0000"/>
+                </a:solidFill>
+              </a:rPr>
+              <a:t>0</a:t>
+            </a:r>
+          </a:p>
+        </p:txBody>
+      </p:sp>
+      <p:sp>
+        <p:nvSpPr>
+          <p:cNvPr id="67" name="TextBox 66">
+            <a:extLst>
+              <a:ext uri="{FF2B5EF4-FFF2-40B4-BE49-F238E27FC236}">
+                <a16:creationId xmlns:a16="http://schemas.microsoft.com/office/drawing/2014/main" id="{8C80F30B-A516-417A-A025-BF26C78C2432}"/>
+              </a:ext>
+            </a:extLst>
+          </p:cNvPr>
+          <p:cNvSpPr txBox="1"/>
+          <p:nvPr/>
+        </p:nvSpPr>
+        <p:spPr>
+          <a:xfrm>
+            <a:off x="5548821" y="7436918"/>
+            <a:ext cx="598651" cy="584775"/>
+          </a:xfrm>
+          <a:prstGeom prst="rect">
+            <a:avLst/>
+          </a:prstGeom>
+          <a:noFill/>
+          <a:ln w="12700" cap="flat">
+            <a:noFill/>
+            <a:miter lim="400000"/>
+          </a:ln>
+          <a:effectLst/>
+          <a:sp3d/>
+        </p:spPr>
+        <p:style>
+          <a:lnRef idx="0">
+            <a:scrgbClr r="0" g="0" b="0"/>
+          </a:lnRef>
+          <a:fillRef idx="0">
+            <a:scrgbClr r="0" g="0" b="0"/>
+          </a:fillRef>
+          <a:effectRef idx="0">
+            <a:scrgbClr r="0" g="0" b="0"/>
+          </a:effectRef>
+          <a:fontRef idx="none"/>
+        </p:style>
+        <p:txBody>
+          <a:bodyPr wrap="square">
+            <a:spAutoFit/>
+          </a:bodyPr>
+          <a:lstStyle/>
+          <a:p>
+            <a:pPr algn="l"/>
+            <a:r>
+              <a:rPr lang="en-US" sz="3200" noProof="1">
+                <a:solidFill>
+                  <a:srgbClr val="FF0000"/>
+                </a:solidFill>
+              </a:rPr>
+              <a:t>0</a:t>
+            </a:r>
+          </a:p>
+        </p:txBody>
+      </p:sp>
+      <p:sp>
+        <p:nvSpPr>
+          <p:cNvPr id="68" name="TextBox 67">
+            <a:extLst>
+              <a:ext uri="{FF2B5EF4-FFF2-40B4-BE49-F238E27FC236}">
+                <a16:creationId xmlns:a16="http://schemas.microsoft.com/office/drawing/2014/main" id="{3C82D70F-B845-47F6-B983-E2784B6493DE}"/>
+              </a:ext>
+            </a:extLst>
+          </p:cNvPr>
+          <p:cNvSpPr txBox="1"/>
+          <p:nvPr/>
+        </p:nvSpPr>
+        <p:spPr>
+          <a:xfrm>
+            <a:off x="5548278" y="8882246"/>
+            <a:ext cx="598651" cy="584775"/>
+          </a:xfrm>
+          <a:prstGeom prst="rect">
+            <a:avLst/>
+          </a:prstGeom>
+          <a:noFill/>
+          <a:ln w="12700" cap="flat">
+            <a:noFill/>
+            <a:miter lim="400000"/>
+          </a:ln>
+          <a:effectLst/>
+          <a:sp3d/>
+        </p:spPr>
+        <p:style>
+          <a:lnRef idx="0">
+            <a:scrgbClr r="0" g="0" b="0"/>
+          </a:lnRef>
+          <a:fillRef idx="0">
+            <a:scrgbClr r="0" g="0" b="0"/>
+          </a:fillRef>
+          <a:effectRef idx="0">
+            <a:scrgbClr r="0" g="0" b="0"/>
+          </a:effectRef>
+          <a:fontRef idx="none"/>
+        </p:style>
+        <p:txBody>
+          <a:bodyPr wrap="square">
+            <a:spAutoFit/>
+          </a:bodyPr>
+          <a:lstStyle/>
+          <a:p>
+            <a:pPr algn="l"/>
+            <a:r>
+              <a:rPr lang="en-US" sz="3200" noProof="1">
+                <a:solidFill>
+                  <a:srgbClr val="FF0000"/>
+                </a:solidFill>
+              </a:rPr>
+              <a:t>0</a:t>
+            </a:r>
+          </a:p>
+        </p:txBody>
+      </p:sp>
+      <p:sp>
+        <p:nvSpPr>
+          <p:cNvPr id="69" name="TextBox 68">
+            <a:extLst>
+              <a:ext uri="{FF2B5EF4-FFF2-40B4-BE49-F238E27FC236}">
+                <a16:creationId xmlns:a16="http://schemas.microsoft.com/office/drawing/2014/main" id="{FD8C82D6-CB68-426C-8846-C1CA0648C737}"/>
+              </a:ext>
+            </a:extLst>
+          </p:cNvPr>
+          <p:cNvSpPr txBox="1"/>
+          <p:nvPr/>
+        </p:nvSpPr>
+        <p:spPr>
+          <a:xfrm>
+            <a:off x="5548277" y="10411216"/>
+            <a:ext cx="598651" cy="584775"/>
+          </a:xfrm>
+          <a:prstGeom prst="rect">
+            <a:avLst/>
+          </a:prstGeom>
+          <a:noFill/>
+          <a:ln w="12700" cap="flat">
+            <a:noFill/>
+            <a:miter lim="400000"/>
+          </a:ln>
+          <a:effectLst/>
+          <a:sp3d/>
+        </p:spPr>
+        <p:style>
+          <a:lnRef idx="0">
+            <a:scrgbClr r="0" g="0" b="0"/>
+          </a:lnRef>
+          <a:fillRef idx="0">
+            <a:scrgbClr r="0" g="0" b="0"/>
+          </a:fillRef>
+          <a:effectRef idx="0">
+            <a:scrgbClr r="0" g="0" b="0"/>
+          </a:effectRef>
+          <a:fontRef idx="none"/>
+        </p:style>
+        <p:txBody>
+          <a:bodyPr wrap="square">
+            <a:spAutoFit/>
+          </a:bodyPr>
+          <a:lstStyle/>
+          <a:p>
+            <a:pPr algn="l"/>
+            <a:r>
+              <a:rPr lang="en-US" sz="3200" noProof="1">
+                <a:solidFill>
+                  <a:srgbClr val="FF0000"/>
+                </a:solidFill>
+              </a:rPr>
+              <a:t>0</a:t>
+            </a:r>
+          </a:p>
+        </p:txBody>
+      </p:sp>
+      <p:sp>
+        <p:nvSpPr>
+          <p:cNvPr id="70" name="TextBox 69">
+            <a:extLst>
+              <a:ext uri="{FF2B5EF4-FFF2-40B4-BE49-F238E27FC236}">
+                <a16:creationId xmlns:a16="http://schemas.microsoft.com/office/drawing/2014/main" id="{97A10C32-235A-4C2F-B0D3-C5E48C8244E6}"/>
+              </a:ext>
+            </a:extLst>
+          </p:cNvPr>
+          <p:cNvSpPr txBox="1"/>
+          <p:nvPr/>
+        </p:nvSpPr>
+        <p:spPr>
+          <a:xfrm>
+            <a:off x="5567182" y="11824901"/>
+            <a:ext cx="598651" cy="584775"/>
+          </a:xfrm>
+          <a:prstGeom prst="rect">
+            <a:avLst/>
+          </a:prstGeom>
+          <a:noFill/>
+          <a:ln w="12700" cap="flat">
+            <a:noFill/>
+            <a:miter lim="400000"/>
+          </a:ln>
+          <a:effectLst/>
+          <a:sp3d/>
+        </p:spPr>
+        <p:style>
+          <a:lnRef idx="0">
+            <a:scrgbClr r="0" g="0" b="0"/>
+          </a:lnRef>
+          <a:fillRef idx="0">
+            <a:scrgbClr r="0" g="0" b="0"/>
+          </a:fillRef>
+          <a:effectRef idx="0">
+            <a:scrgbClr r="0" g="0" b="0"/>
+          </a:effectRef>
+          <a:fontRef idx="none"/>
+        </p:style>
+        <p:txBody>
+          <a:bodyPr wrap="square">
+            <a:spAutoFit/>
+          </a:bodyPr>
+          <a:lstStyle/>
+          <a:p>
+            <a:pPr algn="l"/>
+            <a:r>
+              <a:rPr lang="en-US" sz="3200" noProof="1">
+                <a:solidFill>
+                  <a:srgbClr val="FF0000"/>
+                </a:solidFill>
+              </a:rPr>
+              <a:t>0</a:t>
+            </a:r>
+          </a:p>
+        </p:txBody>
+      </p:sp>
+      <p:sp>
+        <p:nvSpPr>
+          <p:cNvPr id="71" name="TextBox 70">
+            <a:extLst>
+              <a:ext uri="{FF2B5EF4-FFF2-40B4-BE49-F238E27FC236}">
+                <a16:creationId xmlns:a16="http://schemas.microsoft.com/office/drawing/2014/main" id="{7EE16D24-0F5C-41C8-B800-B50B13FEF8F6}"/>
+              </a:ext>
+            </a:extLst>
+          </p:cNvPr>
+          <p:cNvSpPr txBox="1"/>
+          <p:nvPr/>
+        </p:nvSpPr>
+        <p:spPr>
+          <a:xfrm>
+            <a:off x="8707861" y="2960183"/>
+            <a:ext cx="598651" cy="584775"/>
+          </a:xfrm>
+          <a:prstGeom prst="rect">
+            <a:avLst/>
+          </a:prstGeom>
+          <a:noFill/>
+          <a:ln w="12700" cap="flat">
+            <a:noFill/>
+            <a:miter lim="400000"/>
+          </a:ln>
+          <a:effectLst/>
+          <a:sp3d/>
+        </p:spPr>
+        <p:style>
+          <a:lnRef idx="0">
+            <a:scrgbClr r="0" g="0" b="0"/>
+          </a:lnRef>
+          <a:fillRef idx="0">
+            <a:scrgbClr r="0" g="0" b="0"/>
+          </a:fillRef>
+          <a:effectRef idx="0">
+            <a:scrgbClr r="0" g="0" b="0"/>
+          </a:effectRef>
+          <a:fontRef idx="none"/>
+        </p:style>
+        <p:txBody>
+          <a:bodyPr wrap="square">
+            <a:spAutoFit/>
+          </a:bodyPr>
+          <a:lstStyle/>
+          <a:p>
+            <a:pPr algn="l"/>
+            <a:r>
+              <a:rPr lang="en-US" sz="3200" noProof="1">
+                <a:solidFill>
+                  <a:srgbClr val="FF0000"/>
+                </a:solidFill>
+              </a:rPr>
+              <a:t>0</a:t>
+            </a:r>
+          </a:p>
+        </p:txBody>
+      </p:sp>
+      <p:sp>
+        <p:nvSpPr>
+          <p:cNvPr id="72" name="TextBox 71">
+            <a:extLst>
+              <a:ext uri="{FF2B5EF4-FFF2-40B4-BE49-F238E27FC236}">
+                <a16:creationId xmlns:a16="http://schemas.microsoft.com/office/drawing/2014/main" id="{E89E581E-F92E-464F-AD67-2CB0E3CB1036}"/>
+              </a:ext>
+            </a:extLst>
+          </p:cNvPr>
+          <p:cNvSpPr txBox="1"/>
+          <p:nvPr/>
+        </p:nvSpPr>
+        <p:spPr>
+          <a:xfrm>
+            <a:off x="8707861" y="5918730"/>
+            <a:ext cx="598651" cy="584775"/>
+          </a:xfrm>
+          <a:prstGeom prst="rect">
+            <a:avLst/>
+          </a:prstGeom>
+          <a:noFill/>
+          <a:ln w="12700" cap="flat">
+            <a:noFill/>
+            <a:miter lim="400000"/>
+          </a:ln>
+          <a:effectLst/>
+          <a:sp3d/>
+        </p:spPr>
+        <p:style>
+          <a:lnRef idx="0">
+            <a:scrgbClr r="0" g="0" b="0"/>
+          </a:lnRef>
+          <a:fillRef idx="0">
+            <a:scrgbClr r="0" g="0" b="0"/>
+          </a:fillRef>
+          <a:effectRef idx="0">
+            <a:scrgbClr r="0" g="0" b="0"/>
+          </a:effectRef>
+          <a:fontRef idx="none"/>
+        </p:style>
+        <p:txBody>
+          <a:bodyPr wrap="square">
+            <a:spAutoFit/>
+          </a:bodyPr>
+          <a:lstStyle/>
+          <a:p>
+            <a:pPr algn="l"/>
+            <a:r>
+              <a:rPr lang="en-US" sz="3200" noProof="1">
+                <a:solidFill>
+                  <a:srgbClr val="FF0000"/>
+                </a:solidFill>
+              </a:rPr>
+              <a:t>0</a:t>
+            </a:r>
+          </a:p>
+        </p:txBody>
+      </p:sp>
+      <p:sp>
+        <p:nvSpPr>
+          <p:cNvPr id="73" name="TextBox 72">
+            <a:extLst>
+              <a:ext uri="{FF2B5EF4-FFF2-40B4-BE49-F238E27FC236}">
+                <a16:creationId xmlns:a16="http://schemas.microsoft.com/office/drawing/2014/main" id="{83EB4D1D-1093-4101-B5E9-A6850C7972E9}"/>
+              </a:ext>
+            </a:extLst>
+          </p:cNvPr>
+          <p:cNvSpPr txBox="1"/>
+          <p:nvPr/>
+        </p:nvSpPr>
+        <p:spPr>
+          <a:xfrm>
+            <a:off x="8707861" y="8860712"/>
+            <a:ext cx="598651" cy="584775"/>
+          </a:xfrm>
+          <a:prstGeom prst="rect">
+            <a:avLst/>
+          </a:prstGeom>
+          <a:noFill/>
+          <a:ln w="12700" cap="flat">
+            <a:noFill/>
+            <a:miter lim="400000"/>
+          </a:ln>
+          <a:effectLst/>
+          <a:sp3d/>
+        </p:spPr>
+        <p:style>
+          <a:lnRef idx="0">
+            <a:scrgbClr r="0" g="0" b="0"/>
+          </a:lnRef>
+          <a:fillRef idx="0">
+            <a:scrgbClr r="0" g="0" b="0"/>
+          </a:fillRef>
+          <a:effectRef idx="0">
+            <a:scrgbClr r="0" g="0" b="0"/>
+          </a:effectRef>
+          <a:fontRef idx="none"/>
+        </p:style>
+        <p:txBody>
+          <a:bodyPr wrap="square">
+            <a:spAutoFit/>
+          </a:bodyPr>
+          <a:lstStyle/>
+          <a:p>
+            <a:pPr algn="l"/>
+            <a:r>
+              <a:rPr lang="en-US" sz="3200" noProof="1">
+                <a:solidFill>
+                  <a:srgbClr val="FF0000"/>
+                </a:solidFill>
+              </a:rPr>
+              <a:t>0</a:t>
+            </a:r>
+          </a:p>
+        </p:txBody>
+      </p:sp>
+      <p:sp>
+        <p:nvSpPr>
+          <p:cNvPr id="74" name="TextBox 73">
+            <a:extLst>
+              <a:ext uri="{FF2B5EF4-FFF2-40B4-BE49-F238E27FC236}">
+                <a16:creationId xmlns:a16="http://schemas.microsoft.com/office/drawing/2014/main" id="{6F4EAB78-25AD-4EF7-98DD-5FAD28472B8D}"/>
+              </a:ext>
+            </a:extLst>
+          </p:cNvPr>
+          <p:cNvSpPr txBox="1"/>
+          <p:nvPr/>
+        </p:nvSpPr>
+        <p:spPr>
+          <a:xfrm>
+            <a:off x="11889827" y="5874842"/>
+            <a:ext cx="598651" cy="584775"/>
+          </a:xfrm>
+          <a:prstGeom prst="rect">
+            <a:avLst/>
+          </a:prstGeom>
+          <a:noFill/>
+          <a:ln w="12700" cap="flat">
+            <a:noFill/>
+            <a:miter lim="400000"/>
+          </a:ln>
+          <a:effectLst/>
+          <a:sp3d/>
+        </p:spPr>
+        <p:style>
+          <a:lnRef idx="0">
+            <a:scrgbClr r="0" g="0" b="0"/>
+          </a:lnRef>
+          <a:fillRef idx="0">
+            <a:scrgbClr r="0" g="0" b="0"/>
+          </a:fillRef>
+          <a:effectRef idx="0">
+            <a:scrgbClr r="0" g="0" b="0"/>
+          </a:effectRef>
+          <a:fontRef idx="none"/>
+        </p:style>
+        <p:txBody>
+          <a:bodyPr wrap="square">
+            <a:spAutoFit/>
+          </a:bodyPr>
+          <a:lstStyle/>
+          <a:p>
+            <a:pPr algn="l"/>
+            <a:r>
+              <a:rPr lang="en-US" sz="3200" noProof="1">
+                <a:solidFill>
+                  <a:srgbClr val="FF0000"/>
+                </a:solidFill>
+              </a:rPr>
+              <a:t>0</a:t>
+            </a:r>
+          </a:p>
+        </p:txBody>
+      </p:sp>
+      <p:sp>
+        <p:nvSpPr>
+          <p:cNvPr id="76" name="TextBox 75">
+            <a:extLst>
+              <a:ext uri="{FF2B5EF4-FFF2-40B4-BE49-F238E27FC236}">
+                <a16:creationId xmlns:a16="http://schemas.microsoft.com/office/drawing/2014/main" id="{30E24EDA-85F2-4F61-9F1D-374C135C08C1}"/>
+              </a:ext>
+            </a:extLst>
+          </p:cNvPr>
+          <p:cNvSpPr txBox="1"/>
+          <p:nvPr/>
+        </p:nvSpPr>
+        <p:spPr>
+          <a:xfrm>
+            <a:off x="4664582" y="2100471"/>
+            <a:ext cx="598651" cy="584775"/>
+          </a:xfrm>
+          <a:prstGeom prst="rect">
+            <a:avLst/>
+          </a:prstGeom>
+          <a:noFill/>
+          <a:ln w="12700" cap="flat">
+            <a:noFill/>
+            <a:miter lim="400000"/>
+          </a:ln>
+          <a:effectLst/>
+          <a:sp3d/>
+        </p:spPr>
+        <p:style>
+          <a:lnRef idx="0">
+            <a:scrgbClr r="0" g="0" b="0"/>
+          </a:lnRef>
+          <a:fillRef idx="0">
+            <a:scrgbClr r="0" g="0" b="0"/>
+          </a:fillRef>
+          <a:effectRef idx="0">
+            <a:scrgbClr r="0" g="0" b="0"/>
+          </a:effectRef>
+          <a:fontRef idx="none"/>
+        </p:style>
+        <p:txBody>
+          <a:bodyPr wrap="square">
+            <a:spAutoFit/>
+          </a:bodyPr>
+          <a:lstStyle/>
+          <a:p>
+            <a:pPr algn="l"/>
+            <a:r>
+              <a:rPr lang="en-US" sz="3200" noProof="1">
+                <a:solidFill>
+                  <a:srgbClr val="FF0000"/>
+                </a:solidFill>
+              </a:rPr>
+              <a:t>1</a:t>
+            </a:r>
+          </a:p>
+        </p:txBody>
+      </p:sp>
+      <p:sp>
+        <p:nvSpPr>
+          <p:cNvPr id="77" name="TextBox 76">
+            <a:extLst>
+              <a:ext uri="{FF2B5EF4-FFF2-40B4-BE49-F238E27FC236}">
+                <a16:creationId xmlns:a16="http://schemas.microsoft.com/office/drawing/2014/main" id="{DCAD544D-FE11-46DD-B206-1717CB0662CA}"/>
+              </a:ext>
+            </a:extLst>
+          </p:cNvPr>
+          <p:cNvSpPr txBox="1"/>
+          <p:nvPr/>
+        </p:nvSpPr>
+        <p:spPr>
+          <a:xfrm>
+            <a:off x="4649798" y="3551584"/>
+            <a:ext cx="598651" cy="584775"/>
+          </a:xfrm>
+          <a:prstGeom prst="rect">
+            <a:avLst/>
+          </a:prstGeom>
+          <a:noFill/>
+          <a:ln w="12700" cap="flat">
+            <a:noFill/>
+            <a:miter lim="400000"/>
+          </a:ln>
+          <a:effectLst/>
+          <a:sp3d/>
+        </p:spPr>
+        <p:style>
+          <a:lnRef idx="0">
+            <a:scrgbClr r="0" g="0" b="0"/>
+          </a:lnRef>
+          <a:fillRef idx="0">
+            <a:scrgbClr r="0" g="0" b="0"/>
+          </a:fillRef>
+          <a:effectRef idx="0">
+            <a:scrgbClr r="0" g="0" b="0"/>
+          </a:effectRef>
+          <a:fontRef idx="none"/>
+        </p:style>
+        <p:txBody>
+          <a:bodyPr wrap="square">
+            <a:spAutoFit/>
+          </a:bodyPr>
+          <a:lstStyle/>
+          <a:p>
+            <a:pPr algn="l"/>
+            <a:r>
+              <a:rPr lang="en-US" sz="3200" noProof="1">
+                <a:solidFill>
+                  <a:srgbClr val="FF0000"/>
+                </a:solidFill>
+              </a:rPr>
+              <a:t>1</a:t>
+            </a:r>
+          </a:p>
+        </p:txBody>
+      </p:sp>
+      <p:sp>
+        <p:nvSpPr>
+          <p:cNvPr id="78" name="TextBox 77">
+            <a:extLst>
+              <a:ext uri="{FF2B5EF4-FFF2-40B4-BE49-F238E27FC236}">
+                <a16:creationId xmlns:a16="http://schemas.microsoft.com/office/drawing/2014/main" id="{CCC6EA8B-0888-49D1-8848-2CF9F3644581}"/>
+              </a:ext>
+            </a:extLst>
+          </p:cNvPr>
+          <p:cNvSpPr txBox="1"/>
+          <p:nvPr/>
+        </p:nvSpPr>
+        <p:spPr>
+          <a:xfrm>
+            <a:off x="4604795" y="5002696"/>
+            <a:ext cx="598651" cy="584775"/>
+          </a:xfrm>
+          <a:prstGeom prst="rect">
+            <a:avLst/>
+          </a:prstGeom>
+          <a:noFill/>
+          <a:ln w="12700" cap="flat">
+            <a:noFill/>
+            <a:miter lim="400000"/>
+          </a:ln>
+          <a:effectLst/>
+          <a:sp3d/>
+        </p:spPr>
+        <p:style>
+          <a:lnRef idx="0">
+            <a:scrgbClr r="0" g="0" b="0"/>
+          </a:lnRef>
+          <a:fillRef idx="0">
+            <a:scrgbClr r="0" g="0" b="0"/>
+          </a:fillRef>
+          <a:effectRef idx="0">
+            <a:scrgbClr r="0" g="0" b="0"/>
+          </a:effectRef>
+          <a:fontRef idx="none"/>
+        </p:style>
+        <p:txBody>
+          <a:bodyPr wrap="square">
+            <a:spAutoFit/>
+          </a:bodyPr>
+          <a:lstStyle/>
+          <a:p>
+            <a:pPr algn="l"/>
+            <a:r>
+              <a:rPr lang="en-US" sz="3200" noProof="1">
+                <a:solidFill>
+                  <a:srgbClr val="FF0000"/>
+                </a:solidFill>
+              </a:rPr>
+              <a:t>1</a:t>
+            </a:r>
+          </a:p>
+        </p:txBody>
+      </p:sp>
+      <p:sp>
+        <p:nvSpPr>
+          <p:cNvPr id="79" name="TextBox 78">
+            <a:extLst>
+              <a:ext uri="{FF2B5EF4-FFF2-40B4-BE49-F238E27FC236}">
+                <a16:creationId xmlns:a16="http://schemas.microsoft.com/office/drawing/2014/main" id="{03C49E8B-D24B-4F1E-8394-2884CB75FFD9}"/>
+              </a:ext>
+            </a:extLst>
+          </p:cNvPr>
+          <p:cNvSpPr txBox="1"/>
+          <p:nvPr/>
+        </p:nvSpPr>
+        <p:spPr>
+          <a:xfrm>
+            <a:off x="4564045" y="6592957"/>
+            <a:ext cx="598651" cy="584775"/>
+          </a:xfrm>
+          <a:prstGeom prst="rect">
+            <a:avLst/>
+          </a:prstGeom>
+          <a:noFill/>
+          <a:ln w="12700" cap="flat">
+            <a:noFill/>
+            <a:miter lim="400000"/>
+          </a:ln>
+          <a:effectLst/>
+          <a:sp3d/>
+        </p:spPr>
+        <p:style>
+          <a:lnRef idx="0">
+            <a:scrgbClr r="0" g="0" b="0"/>
+          </a:lnRef>
+          <a:fillRef idx="0">
+            <a:scrgbClr r="0" g="0" b="0"/>
+          </a:fillRef>
+          <a:effectRef idx="0">
+            <a:scrgbClr r="0" g="0" b="0"/>
+          </a:effectRef>
+          <a:fontRef idx="none"/>
+        </p:style>
+        <p:txBody>
+          <a:bodyPr wrap="square">
+            <a:spAutoFit/>
+          </a:bodyPr>
+          <a:lstStyle/>
+          <a:p>
+            <a:pPr algn="l"/>
+            <a:r>
+              <a:rPr lang="en-US" sz="3200" noProof="1">
+                <a:solidFill>
+                  <a:srgbClr val="FF0000"/>
+                </a:solidFill>
+              </a:rPr>
+              <a:t>1</a:t>
+            </a:r>
+          </a:p>
+        </p:txBody>
+      </p:sp>
+      <p:sp>
+        <p:nvSpPr>
+          <p:cNvPr id="80" name="TextBox 79">
+            <a:extLst>
+              <a:ext uri="{FF2B5EF4-FFF2-40B4-BE49-F238E27FC236}">
+                <a16:creationId xmlns:a16="http://schemas.microsoft.com/office/drawing/2014/main" id="{B4A108C7-5830-40F3-B33B-4C4C394F787D}"/>
+              </a:ext>
+            </a:extLst>
+          </p:cNvPr>
+          <p:cNvSpPr txBox="1"/>
+          <p:nvPr/>
+        </p:nvSpPr>
+        <p:spPr>
+          <a:xfrm>
+            <a:off x="4522770" y="8004313"/>
+            <a:ext cx="598651" cy="584775"/>
+          </a:xfrm>
+          <a:prstGeom prst="rect">
+            <a:avLst/>
+          </a:prstGeom>
+          <a:noFill/>
+          <a:ln w="12700" cap="flat">
+            <a:noFill/>
+            <a:miter lim="400000"/>
+          </a:ln>
+          <a:effectLst/>
+          <a:sp3d/>
+        </p:spPr>
+        <p:style>
+          <a:lnRef idx="0">
+            <a:scrgbClr r="0" g="0" b="0"/>
+          </a:lnRef>
+          <a:fillRef idx="0">
+            <a:scrgbClr r="0" g="0" b="0"/>
+          </a:fillRef>
+          <a:effectRef idx="0">
+            <a:scrgbClr r="0" g="0" b="0"/>
+          </a:effectRef>
+          <a:fontRef idx="none"/>
+        </p:style>
+        <p:txBody>
+          <a:bodyPr wrap="square">
+            <a:spAutoFit/>
+          </a:bodyPr>
+          <a:lstStyle/>
+          <a:p>
+            <a:pPr algn="l"/>
+            <a:r>
+              <a:rPr lang="en-US" sz="3200" noProof="1">
+                <a:solidFill>
+                  <a:srgbClr val="FF0000"/>
+                </a:solidFill>
+              </a:rPr>
+              <a:t>1</a:t>
+            </a:r>
+          </a:p>
+        </p:txBody>
+      </p:sp>
+      <p:sp>
+        <p:nvSpPr>
+          <p:cNvPr id="81" name="TextBox 80">
+            <a:extLst>
+              <a:ext uri="{FF2B5EF4-FFF2-40B4-BE49-F238E27FC236}">
+                <a16:creationId xmlns:a16="http://schemas.microsoft.com/office/drawing/2014/main" id="{8B7173AE-8611-4347-8C15-A142A5066AF9}"/>
+              </a:ext>
+            </a:extLst>
+          </p:cNvPr>
+          <p:cNvSpPr txBox="1"/>
+          <p:nvPr/>
+        </p:nvSpPr>
+        <p:spPr>
+          <a:xfrm>
+            <a:off x="4522770" y="9475305"/>
+            <a:ext cx="598651" cy="584775"/>
+          </a:xfrm>
+          <a:prstGeom prst="rect">
+            <a:avLst/>
+          </a:prstGeom>
+          <a:noFill/>
+          <a:ln w="12700" cap="flat">
+            <a:noFill/>
+            <a:miter lim="400000"/>
+          </a:ln>
+          <a:effectLst/>
+          <a:sp3d/>
+        </p:spPr>
+        <p:style>
+          <a:lnRef idx="0">
+            <a:scrgbClr r="0" g="0" b="0"/>
+          </a:lnRef>
+          <a:fillRef idx="0">
+            <a:scrgbClr r="0" g="0" b="0"/>
+          </a:fillRef>
+          <a:effectRef idx="0">
+            <a:scrgbClr r="0" g="0" b="0"/>
+          </a:effectRef>
+          <a:fontRef idx="none"/>
+        </p:style>
+        <p:txBody>
+          <a:bodyPr wrap="square">
+            <a:spAutoFit/>
+          </a:bodyPr>
+          <a:lstStyle/>
+          <a:p>
+            <a:pPr algn="l"/>
+            <a:r>
+              <a:rPr lang="en-US" sz="3200" noProof="1">
+                <a:solidFill>
+                  <a:srgbClr val="FF0000"/>
+                </a:solidFill>
+              </a:rPr>
+              <a:t>1</a:t>
+            </a:r>
+          </a:p>
+        </p:txBody>
+      </p:sp>
+      <p:sp>
+        <p:nvSpPr>
+          <p:cNvPr id="82" name="TextBox 81">
+            <a:extLst>
+              <a:ext uri="{FF2B5EF4-FFF2-40B4-BE49-F238E27FC236}">
+                <a16:creationId xmlns:a16="http://schemas.microsoft.com/office/drawing/2014/main" id="{BF348F3C-F7DD-4B6F-8C9B-9AF32C3357FB}"/>
+              </a:ext>
+            </a:extLst>
+          </p:cNvPr>
+          <p:cNvSpPr txBox="1"/>
+          <p:nvPr/>
+        </p:nvSpPr>
+        <p:spPr>
+          <a:xfrm>
+            <a:off x="4564044" y="10986052"/>
+            <a:ext cx="598651" cy="584775"/>
+          </a:xfrm>
+          <a:prstGeom prst="rect">
+            <a:avLst/>
+          </a:prstGeom>
+          <a:noFill/>
+          <a:ln w="12700" cap="flat">
+            <a:noFill/>
+            <a:miter lim="400000"/>
+          </a:ln>
+          <a:effectLst/>
+          <a:sp3d/>
+        </p:spPr>
+        <p:style>
+          <a:lnRef idx="0">
+            <a:scrgbClr r="0" g="0" b="0"/>
+          </a:lnRef>
+          <a:fillRef idx="0">
+            <a:scrgbClr r="0" g="0" b="0"/>
+          </a:fillRef>
+          <a:effectRef idx="0">
+            <a:scrgbClr r="0" g="0" b="0"/>
+          </a:effectRef>
+          <a:fontRef idx="none"/>
+        </p:style>
+        <p:txBody>
+          <a:bodyPr wrap="square">
+            <a:spAutoFit/>
+          </a:bodyPr>
+          <a:lstStyle/>
+          <a:p>
+            <a:pPr algn="l"/>
+            <a:r>
+              <a:rPr lang="en-US" sz="3200" noProof="1">
+                <a:solidFill>
+                  <a:srgbClr val="FF0000"/>
+                </a:solidFill>
+              </a:rPr>
+              <a:t>1</a:t>
+            </a:r>
+          </a:p>
+        </p:txBody>
+      </p:sp>
+      <p:sp>
+        <p:nvSpPr>
+          <p:cNvPr id="83" name="TextBox 82">
+            <a:extLst>
+              <a:ext uri="{FF2B5EF4-FFF2-40B4-BE49-F238E27FC236}">
+                <a16:creationId xmlns:a16="http://schemas.microsoft.com/office/drawing/2014/main" id="{18EA8C1E-9873-492B-8F9D-4EBE4D82CFED}"/>
+              </a:ext>
+            </a:extLst>
+          </p:cNvPr>
+          <p:cNvSpPr txBox="1"/>
+          <p:nvPr/>
+        </p:nvSpPr>
+        <p:spPr>
+          <a:xfrm>
+            <a:off x="4642524" y="12409676"/>
+            <a:ext cx="598651" cy="584775"/>
+          </a:xfrm>
+          <a:prstGeom prst="rect">
+            <a:avLst/>
+          </a:prstGeom>
+          <a:noFill/>
+          <a:ln w="12700" cap="flat">
+            <a:noFill/>
+            <a:miter lim="400000"/>
+          </a:ln>
+          <a:effectLst/>
+          <a:sp3d/>
+        </p:spPr>
+        <p:style>
+          <a:lnRef idx="0">
+            <a:scrgbClr r="0" g="0" b="0"/>
+          </a:lnRef>
+          <a:fillRef idx="0">
+            <a:scrgbClr r="0" g="0" b="0"/>
+          </a:fillRef>
+          <a:effectRef idx="0">
+            <a:scrgbClr r="0" g="0" b="0"/>
+          </a:effectRef>
+          <a:fontRef idx="none"/>
+        </p:style>
+        <p:txBody>
+          <a:bodyPr wrap="square">
+            <a:spAutoFit/>
+          </a:bodyPr>
+          <a:lstStyle/>
+          <a:p>
+            <a:pPr algn="l"/>
+            <a:r>
+              <a:rPr lang="en-US" sz="3200" noProof="1">
+                <a:solidFill>
+                  <a:srgbClr val="FF0000"/>
+                </a:solidFill>
+              </a:rPr>
+              <a:t>1</a:t>
+            </a:r>
+          </a:p>
+        </p:txBody>
+      </p:sp>
+      <p:sp>
+        <p:nvSpPr>
+          <p:cNvPr id="84" name="TextBox 83">
+            <a:extLst>
+              <a:ext uri="{FF2B5EF4-FFF2-40B4-BE49-F238E27FC236}">
+                <a16:creationId xmlns:a16="http://schemas.microsoft.com/office/drawing/2014/main" id="{3184CC4C-768F-4251-9E76-FD4BD26D86C9}"/>
+              </a:ext>
+            </a:extLst>
+          </p:cNvPr>
+          <p:cNvSpPr txBox="1"/>
+          <p:nvPr/>
+        </p:nvSpPr>
+        <p:spPr>
+          <a:xfrm>
+            <a:off x="7685937" y="1125595"/>
+            <a:ext cx="598651" cy="584775"/>
+          </a:xfrm>
+          <a:prstGeom prst="rect">
+            <a:avLst/>
+          </a:prstGeom>
+          <a:noFill/>
+          <a:ln w="12700" cap="flat">
+            <a:noFill/>
+            <a:miter lim="400000"/>
+          </a:ln>
+          <a:effectLst/>
+          <a:sp3d/>
+        </p:spPr>
+        <p:style>
+          <a:lnRef idx="0">
+            <a:scrgbClr r="0" g="0" b="0"/>
+          </a:lnRef>
+          <a:fillRef idx="0">
+            <a:scrgbClr r="0" g="0" b="0"/>
+          </a:fillRef>
+          <a:effectRef idx="0">
+            <a:scrgbClr r="0" g="0" b="0"/>
+          </a:effectRef>
+          <a:fontRef idx="none"/>
+        </p:style>
+        <p:txBody>
+          <a:bodyPr wrap="square">
+            <a:spAutoFit/>
+          </a:bodyPr>
+          <a:lstStyle/>
+          <a:p>
+            <a:pPr algn="l"/>
+            <a:r>
+              <a:rPr lang="en-US" sz="3200" noProof="1">
+                <a:solidFill>
+                  <a:srgbClr val="FF0000"/>
+                </a:solidFill>
+              </a:rPr>
+              <a:t>1</a:t>
+            </a:r>
+          </a:p>
+        </p:txBody>
+      </p:sp>
+      <p:sp>
+        <p:nvSpPr>
+          <p:cNvPr id="85" name="TextBox 84">
+            <a:extLst>
+              <a:ext uri="{FF2B5EF4-FFF2-40B4-BE49-F238E27FC236}">
+                <a16:creationId xmlns:a16="http://schemas.microsoft.com/office/drawing/2014/main" id="{E71994C9-83FB-4C18-891C-E0E3EB0C2B0B}"/>
+              </a:ext>
+            </a:extLst>
+          </p:cNvPr>
+          <p:cNvSpPr txBox="1"/>
+          <p:nvPr/>
+        </p:nvSpPr>
+        <p:spPr>
+          <a:xfrm>
+            <a:off x="7685936" y="3884495"/>
+            <a:ext cx="598651" cy="584775"/>
+          </a:xfrm>
+          <a:prstGeom prst="rect">
+            <a:avLst/>
+          </a:prstGeom>
+          <a:noFill/>
+          <a:ln w="12700" cap="flat">
+            <a:noFill/>
+            <a:miter lim="400000"/>
+          </a:ln>
+          <a:effectLst/>
+          <a:sp3d/>
+        </p:spPr>
+        <p:style>
+          <a:lnRef idx="0">
+            <a:scrgbClr r="0" g="0" b="0"/>
+          </a:lnRef>
+          <a:fillRef idx="0">
+            <a:scrgbClr r="0" g="0" b="0"/>
+          </a:fillRef>
+          <a:effectRef idx="0">
+            <a:scrgbClr r="0" g="0" b="0"/>
+          </a:effectRef>
+          <a:fontRef idx="none"/>
+        </p:style>
+        <p:txBody>
+          <a:bodyPr wrap="square">
+            <a:spAutoFit/>
+          </a:bodyPr>
+          <a:lstStyle/>
+          <a:p>
+            <a:pPr algn="l"/>
+            <a:r>
+              <a:rPr lang="en-US" sz="3200" noProof="1">
+                <a:solidFill>
+                  <a:srgbClr val="FF0000"/>
+                </a:solidFill>
+              </a:rPr>
+              <a:t>1</a:t>
+            </a:r>
+          </a:p>
+        </p:txBody>
+      </p:sp>
+      <p:sp>
+        <p:nvSpPr>
+          <p:cNvPr id="86" name="TextBox 85">
+            <a:extLst>
+              <a:ext uri="{FF2B5EF4-FFF2-40B4-BE49-F238E27FC236}">
+                <a16:creationId xmlns:a16="http://schemas.microsoft.com/office/drawing/2014/main" id="{893AC765-84AB-4A8A-BAFB-29CFD76BA413}"/>
+              </a:ext>
+            </a:extLst>
+          </p:cNvPr>
+          <p:cNvSpPr txBox="1"/>
+          <p:nvPr/>
+        </p:nvSpPr>
+        <p:spPr>
+          <a:xfrm>
+            <a:off x="7827444" y="6859971"/>
+            <a:ext cx="598651" cy="584775"/>
+          </a:xfrm>
+          <a:prstGeom prst="rect">
+            <a:avLst/>
+          </a:prstGeom>
+          <a:noFill/>
+          <a:ln w="12700" cap="flat">
+            <a:noFill/>
+            <a:miter lim="400000"/>
+          </a:ln>
+          <a:effectLst/>
+          <a:sp3d/>
+        </p:spPr>
+        <p:style>
+          <a:lnRef idx="0">
+            <a:scrgbClr r="0" g="0" b="0"/>
+          </a:lnRef>
+          <a:fillRef idx="0">
+            <a:scrgbClr r="0" g="0" b="0"/>
+          </a:fillRef>
+          <a:effectRef idx="0">
+            <a:scrgbClr r="0" g="0" b="0"/>
+          </a:effectRef>
+          <a:fontRef idx="none"/>
+        </p:style>
+        <p:txBody>
+          <a:bodyPr wrap="square">
+            <a:spAutoFit/>
+          </a:bodyPr>
+          <a:lstStyle/>
+          <a:p>
+            <a:pPr algn="l"/>
+            <a:r>
+              <a:rPr lang="en-US" sz="3200" noProof="1">
+                <a:solidFill>
+                  <a:srgbClr val="FF0000"/>
+                </a:solidFill>
+              </a:rPr>
+              <a:t>1</a:t>
+            </a:r>
+          </a:p>
+        </p:txBody>
+      </p:sp>
+      <p:sp>
+        <p:nvSpPr>
+          <p:cNvPr id="87" name="TextBox 86">
+            <a:extLst>
+              <a:ext uri="{FF2B5EF4-FFF2-40B4-BE49-F238E27FC236}">
+                <a16:creationId xmlns:a16="http://schemas.microsoft.com/office/drawing/2014/main" id="{27DD128C-268A-43ED-A99A-C6EACF79DDE0}"/>
+              </a:ext>
+            </a:extLst>
+          </p:cNvPr>
+          <p:cNvSpPr txBox="1"/>
+          <p:nvPr/>
+        </p:nvSpPr>
+        <p:spPr>
+          <a:xfrm>
+            <a:off x="7821736" y="9741955"/>
+            <a:ext cx="598651" cy="584775"/>
+          </a:xfrm>
+          <a:prstGeom prst="rect">
+            <a:avLst/>
+          </a:prstGeom>
+          <a:noFill/>
+          <a:ln w="12700" cap="flat">
+            <a:noFill/>
+            <a:miter lim="400000"/>
+          </a:ln>
+          <a:effectLst/>
+          <a:sp3d/>
+        </p:spPr>
+        <p:style>
+          <a:lnRef idx="0">
+            <a:scrgbClr r="0" g="0" b="0"/>
+          </a:lnRef>
+          <a:fillRef idx="0">
+            <a:scrgbClr r="0" g="0" b="0"/>
+          </a:fillRef>
+          <a:effectRef idx="0">
+            <a:scrgbClr r="0" g="0" b="0"/>
+          </a:effectRef>
+          <a:fontRef idx="none"/>
+        </p:style>
+        <p:txBody>
+          <a:bodyPr wrap="square">
+            <a:spAutoFit/>
+          </a:bodyPr>
+          <a:lstStyle/>
+          <a:p>
+            <a:pPr algn="l"/>
+            <a:r>
+              <a:rPr lang="en-US" sz="3200" noProof="1">
+                <a:solidFill>
+                  <a:srgbClr val="FF0000"/>
+                </a:solidFill>
+              </a:rPr>
+              <a:t>1</a:t>
+            </a:r>
+          </a:p>
+        </p:txBody>
+      </p:sp>
+      <p:sp>
+        <p:nvSpPr>
+          <p:cNvPr id="88" name="TextBox 87">
+            <a:extLst>
+              <a:ext uri="{FF2B5EF4-FFF2-40B4-BE49-F238E27FC236}">
+                <a16:creationId xmlns:a16="http://schemas.microsoft.com/office/drawing/2014/main" id="{A3BB1189-BB47-482E-9C44-64D4E083CA6D}"/>
+              </a:ext>
+            </a:extLst>
+          </p:cNvPr>
+          <p:cNvSpPr txBox="1"/>
+          <p:nvPr/>
+        </p:nvSpPr>
+        <p:spPr>
+          <a:xfrm>
+            <a:off x="10841907" y="1829932"/>
+            <a:ext cx="598651" cy="584775"/>
+          </a:xfrm>
+          <a:prstGeom prst="rect">
+            <a:avLst/>
+          </a:prstGeom>
+          <a:noFill/>
+          <a:ln w="12700" cap="flat">
+            <a:noFill/>
+            <a:miter lim="400000"/>
+          </a:ln>
+          <a:effectLst/>
+          <a:sp3d/>
+        </p:spPr>
+        <p:style>
+          <a:lnRef idx="0">
+            <a:scrgbClr r="0" g="0" b="0"/>
+          </a:lnRef>
+          <a:fillRef idx="0">
+            <a:scrgbClr r="0" g="0" b="0"/>
+          </a:fillRef>
+          <a:effectRef idx="0">
+            <a:scrgbClr r="0" g="0" b="0"/>
+          </a:effectRef>
+          <a:fontRef idx="none"/>
+        </p:style>
+        <p:txBody>
+          <a:bodyPr wrap="square">
+            <a:spAutoFit/>
+          </a:bodyPr>
+          <a:lstStyle/>
+          <a:p>
+            <a:pPr algn="l"/>
+            <a:r>
+              <a:rPr lang="en-US" sz="3200" noProof="1">
+                <a:solidFill>
+                  <a:srgbClr val="FF0000"/>
+                </a:solidFill>
+              </a:rPr>
+              <a:t>1</a:t>
+            </a:r>
+          </a:p>
+        </p:txBody>
+      </p:sp>
+      <p:sp>
+        <p:nvSpPr>
+          <p:cNvPr id="89" name="TextBox 88">
+            <a:extLst>
+              <a:ext uri="{FF2B5EF4-FFF2-40B4-BE49-F238E27FC236}">
+                <a16:creationId xmlns:a16="http://schemas.microsoft.com/office/drawing/2014/main" id="{61C70388-9917-4618-9C1F-D51F0178C806}"/>
+              </a:ext>
+            </a:extLst>
+          </p:cNvPr>
+          <p:cNvSpPr txBox="1"/>
+          <p:nvPr/>
+        </p:nvSpPr>
+        <p:spPr>
+          <a:xfrm>
+            <a:off x="10905938" y="7687392"/>
+            <a:ext cx="598651" cy="584775"/>
+          </a:xfrm>
+          <a:prstGeom prst="rect">
+            <a:avLst/>
+          </a:prstGeom>
+          <a:noFill/>
+          <a:ln w="12700" cap="flat">
+            <a:noFill/>
+            <a:miter lim="400000"/>
+          </a:ln>
+          <a:effectLst/>
+          <a:sp3d/>
+        </p:spPr>
+        <p:style>
+          <a:lnRef idx="0">
+            <a:scrgbClr r="0" g="0" b="0"/>
+          </a:lnRef>
+          <a:fillRef idx="0">
+            <a:scrgbClr r="0" g="0" b="0"/>
+          </a:fillRef>
+          <a:effectRef idx="0">
+            <a:scrgbClr r="0" g="0" b="0"/>
+          </a:effectRef>
+          <a:fontRef idx="none"/>
+        </p:style>
+        <p:txBody>
+          <a:bodyPr wrap="square">
+            <a:spAutoFit/>
+          </a:bodyPr>
+          <a:lstStyle/>
+          <a:p>
+            <a:pPr algn="l"/>
+            <a:r>
+              <a:rPr lang="en-US" sz="3200" noProof="1">
+                <a:solidFill>
+                  <a:srgbClr val="FF0000"/>
+                </a:solidFill>
+              </a:rPr>
+              <a:t>1</a:t>
+            </a:r>
+          </a:p>
+        </p:txBody>
+      </p:sp>
+      <p:sp>
+        <p:nvSpPr>
+          <p:cNvPr id="90" name="TextBox 89">
+            <a:extLst>
+              <a:ext uri="{FF2B5EF4-FFF2-40B4-BE49-F238E27FC236}">
+                <a16:creationId xmlns:a16="http://schemas.microsoft.com/office/drawing/2014/main" id="{B4A83FC4-E33E-4B34-B0C8-371A6FEC0EB7}"/>
+              </a:ext>
+            </a:extLst>
+          </p:cNvPr>
+          <p:cNvSpPr txBox="1"/>
+          <p:nvPr/>
+        </p:nvSpPr>
+        <p:spPr>
+          <a:xfrm>
+            <a:off x="14069263" y="3571461"/>
+            <a:ext cx="598651" cy="584775"/>
+          </a:xfrm>
+          <a:prstGeom prst="rect">
+            <a:avLst/>
+          </a:prstGeom>
+          <a:noFill/>
+          <a:ln w="12700" cap="flat">
+            <a:noFill/>
+            <a:miter lim="400000"/>
+          </a:ln>
+          <a:effectLst/>
+          <a:sp3d/>
+        </p:spPr>
+        <p:style>
+          <a:lnRef idx="0">
+            <a:scrgbClr r="0" g="0" b="0"/>
+          </a:lnRef>
+          <a:fillRef idx="0">
+            <a:scrgbClr r="0" g="0" b="0"/>
+          </a:fillRef>
+          <a:effectRef idx="0">
+            <a:scrgbClr r="0" g="0" b="0"/>
+          </a:effectRef>
+          <a:fontRef idx="none"/>
+        </p:style>
+        <p:txBody>
+          <a:bodyPr wrap="square">
+            <a:spAutoFit/>
+          </a:bodyPr>
+          <a:lstStyle/>
+          <a:p>
+            <a:pPr algn="l"/>
+            <a:r>
+              <a:rPr lang="en-US" sz="3200" noProof="1">
+                <a:solidFill>
+                  <a:srgbClr val="FF0000"/>
+                </a:solidFill>
+              </a:rPr>
+              <a:t>1</a:t>
+            </a:r>
+          </a:p>
+        </p:txBody>
+      </p:sp>
+      <p:sp>
+        <p:nvSpPr>
+          <p:cNvPr id="91" name="TextBox 90">
+            <a:extLst>
+              <a:ext uri="{FF2B5EF4-FFF2-40B4-BE49-F238E27FC236}">
+                <a16:creationId xmlns:a16="http://schemas.microsoft.com/office/drawing/2014/main" id="{DF0011C7-D56D-4143-A15C-EBCE09D07BE3}"/>
+              </a:ext>
+            </a:extLst>
+          </p:cNvPr>
+          <p:cNvSpPr txBox="1"/>
+          <p:nvPr/>
+        </p:nvSpPr>
+        <p:spPr>
+          <a:xfrm>
+            <a:off x="18638001" y="2915479"/>
+            <a:ext cx="598651" cy="584775"/>
+          </a:xfrm>
+          <a:prstGeom prst="rect">
+            <a:avLst/>
+          </a:prstGeom>
+          <a:noFill/>
+          <a:ln w="12700" cap="flat">
+            <a:noFill/>
+            <a:miter lim="400000"/>
+          </a:ln>
+          <a:effectLst/>
+          <a:sp3d/>
+        </p:spPr>
+        <p:style>
+          <a:lnRef idx="0">
+            <a:scrgbClr r="0" g="0" b="0"/>
+          </a:lnRef>
+          <a:fillRef idx="0">
+            <a:scrgbClr r="0" g="0" b="0"/>
+          </a:fillRef>
+          <a:effectRef idx="0">
+            <a:scrgbClr r="0" g="0" b="0"/>
+          </a:effectRef>
+          <a:fontRef idx="none"/>
+        </p:style>
+        <p:txBody>
+          <a:bodyPr wrap="square">
+            <a:spAutoFit/>
+          </a:bodyPr>
+          <a:lstStyle/>
+          <a:p>
+            <a:pPr algn="l"/>
+            <a:r>
+              <a:rPr lang="en-US" sz="3200" noProof="1">
+                <a:solidFill>
+                  <a:srgbClr val="FF0000"/>
+                </a:solidFill>
+              </a:rPr>
+              <a:t>1</a:t>
+            </a:r>
+          </a:p>
+        </p:txBody>
+      </p:sp>
+      <p:sp>
+        <p:nvSpPr>
+          <p:cNvPr id="94" name="TextBox 93">
+            <a:extLst>
+              <a:ext uri="{FF2B5EF4-FFF2-40B4-BE49-F238E27FC236}">
+                <a16:creationId xmlns:a16="http://schemas.microsoft.com/office/drawing/2014/main" id="{D2FE8B16-318D-48C3-A168-E79D1A393E0B}"/>
+              </a:ext>
+            </a:extLst>
+          </p:cNvPr>
+          <p:cNvSpPr txBox="1"/>
+          <p:nvPr/>
+        </p:nvSpPr>
+        <p:spPr>
+          <a:xfrm>
+            <a:off x="609130" y="160701"/>
+            <a:ext cx="1817805" cy="13398540"/>
+          </a:xfrm>
+          <a:prstGeom prst="rect">
+            <a:avLst/>
+          </a:prstGeom>
+          <a:noFill/>
+          <a:ln w="12700" cap="flat">
+            <a:noFill/>
+            <a:miter lim="400000"/>
+          </a:ln>
+          <a:effectLst/>
+          <a:sp3d/>
+        </p:spPr>
+        <p:style>
+          <a:lnRef idx="0">
+            <a:scrgbClr r="0" g="0" b="0"/>
+          </a:lnRef>
+          <a:fillRef idx="0">
+            <a:scrgbClr r="0" g="0" b="0"/>
+          </a:fillRef>
+          <a:effectRef idx="0">
+            <a:scrgbClr r="0" g="0" b="0"/>
+          </a:effectRef>
+          <a:fontRef idx="none"/>
+        </p:style>
+        <p:txBody>
+          <a:bodyPr rot="0" spcFirstLastPara="1" vertOverflow="overflow" horzOverflow="overflow" vert="horz" wrap="none" lIns="50800" tIns="50800" rIns="50800" bIns="50800" numCol="1" spcCol="38100" rtlCol="0" anchor="ctr">
+            <a:spAutoFit/>
+          </a:bodyPr>
+          <a:lstStyle/>
+          <a:p>
+            <a:pPr algn="r"/>
+            <a:r>
+              <a:rPr lang="en-US" sz="4800" noProof="1">
+                <a:solidFill>
+                  <a:srgbClr val="000000"/>
+                </a:solidFill>
+              </a:rPr>
+              <a:t>00000</a:t>
+            </a:r>
+          </a:p>
+          <a:p>
+            <a:pPr algn="r"/>
+            <a:r>
+              <a:rPr lang="en-US" sz="4800" noProof="1">
+                <a:solidFill>
+                  <a:srgbClr val="000000"/>
+                </a:solidFill>
+              </a:rPr>
+              <a:t>00001</a:t>
+            </a:r>
+          </a:p>
+          <a:p>
+            <a:pPr algn="r"/>
+            <a:r>
+              <a:rPr lang="en-US" sz="4800" noProof="1">
+                <a:solidFill>
+                  <a:srgbClr val="000000"/>
+                </a:solidFill>
+              </a:rPr>
+              <a:t>00010</a:t>
+            </a:r>
+          </a:p>
+          <a:p>
+            <a:pPr algn="r"/>
+            <a:r>
+              <a:rPr lang="en-US" sz="4800" noProof="1">
+                <a:solidFill>
+                  <a:srgbClr val="000000"/>
+                </a:solidFill>
+              </a:rPr>
+              <a:t>00011</a:t>
+            </a:r>
+          </a:p>
+          <a:p>
+            <a:pPr algn="r"/>
+            <a:r>
+              <a:rPr lang="en-US" sz="4800" noProof="1">
+                <a:solidFill>
+                  <a:srgbClr val="000000"/>
+                </a:solidFill>
+              </a:rPr>
+              <a:t>00100</a:t>
+            </a:r>
+          </a:p>
+          <a:p>
+            <a:pPr algn="r"/>
+            <a:r>
+              <a:rPr lang="en-US" sz="4800" noProof="1">
+                <a:solidFill>
+                  <a:srgbClr val="000000"/>
+                </a:solidFill>
+              </a:rPr>
+              <a:t>00101</a:t>
+            </a:r>
+            <a:endParaRPr kumimoji="0" lang="en-US" sz="4800" b="0" i="0" u="none" strike="noStrike" cap="none" spc="0" normalizeH="0" baseline="0" noProof="1">
+              <a:ln>
+                <a:noFill/>
+              </a:ln>
+              <a:solidFill>
+                <a:srgbClr val="000000"/>
+              </a:solidFill>
+              <a:effectLst/>
+              <a:uFillTx/>
+              <a:latin typeface="+mn-lt"/>
+              <a:ea typeface="+mn-ea"/>
+              <a:cs typeface="+mn-cs"/>
+              <a:sym typeface="Helvetica Neue"/>
+            </a:endParaRPr>
+          </a:p>
+          <a:p>
+            <a:pPr algn="r"/>
+            <a:r>
+              <a:rPr lang="en-US" sz="4800" noProof="1">
+                <a:solidFill>
+                  <a:srgbClr val="000000"/>
+                </a:solidFill>
+              </a:rPr>
+              <a:t>00110</a:t>
+            </a:r>
+            <a:endParaRPr kumimoji="0" lang="en-US" sz="4800" b="0" i="0" u="none" strike="noStrike" cap="none" spc="0" normalizeH="0" baseline="0" noProof="1">
+              <a:ln>
+                <a:noFill/>
+              </a:ln>
+              <a:solidFill>
+                <a:srgbClr val="000000"/>
+              </a:solidFill>
+              <a:effectLst/>
+              <a:uFillTx/>
+              <a:latin typeface="+mn-lt"/>
+              <a:ea typeface="+mn-ea"/>
+              <a:cs typeface="+mn-cs"/>
+              <a:sym typeface="Helvetica Neue"/>
+            </a:endParaRPr>
+          </a:p>
+          <a:p>
+            <a:pPr algn="r"/>
+            <a:r>
+              <a:rPr lang="en-US" sz="4800" noProof="1">
+                <a:solidFill>
+                  <a:srgbClr val="000000"/>
+                </a:solidFill>
+              </a:rPr>
+              <a:t>00111</a:t>
+            </a:r>
+            <a:endParaRPr kumimoji="0" lang="en-US" sz="4800" b="0" i="0" u="none" strike="noStrike" cap="none" spc="0" normalizeH="0" baseline="0" noProof="1">
+              <a:ln>
+                <a:noFill/>
+              </a:ln>
+              <a:solidFill>
+                <a:srgbClr val="000000"/>
+              </a:solidFill>
+              <a:effectLst/>
+              <a:uFillTx/>
+              <a:latin typeface="+mn-lt"/>
+              <a:ea typeface="+mn-ea"/>
+              <a:cs typeface="+mn-cs"/>
+              <a:sym typeface="Helvetica Neue"/>
+            </a:endParaRPr>
+          </a:p>
+          <a:p>
+            <a:pPr algn="r"/>
+            <a:r>
+              <a:rPr lang="en-US" sz="4800" noProof="1">
+                <a:solidFill>
+                  <a:srgbClr val="000000"/>
+                </a:solidFill>
+              </a:rPr>
+              <a:t>01000</a:t>
+            </a:r>
+            <a:endParaRPr kumimoji="0" lang="en-US" sz="4800" b="0" i="0" u="none" strike="noStrike" cap="none" spc="0" normalizeH="0" baseline="0" noProof="1">
+              <a:ln>
+                <a:noFill/>
+              </a:ln>
+              <a:solidFill>
+                <a:srgbClr val="000000"/>
+              </a:solidFill>
+              <a:effectLst/>
+              <a:uFillTx/>
+              <a:latin typeface="+mn-lt"/>
+              <a:ea typeface="+mn-ea"/>
+              <a:cs typeface="+mn-cs"/>
+              <a:sym typeface="Helvetica Neue"/>
+            </a:endParaRPr>
+          </a:p>
+          <a:p>
+            <a:pPr algn="r"/>
+            <a:r>
+              <a:rPr kumimoji="0" lang="en-US" sz="4800" b="0" i="0" u="none" strike="noStrike" cap="none" spc="0" normalizeH="0" baseline="0" noProof="1">
+                <a:ln>
+                  <a:noFill/>
+                </a:ln>
+                <a:solidFill>
+                  <a:srgbClr val="000000"/>
+                </a:solidFill>
+                <a:effectLst/>
+                <a:uFillTx/>
+                <a:latin typeface="+mn-lt"/>
+                <a:ea typeface="+mn-ea"/>
+                <a:cs typeface="+mn-cs"/>
+                <a:sym typeface="Helvetica Neue"/>
+              </a:rPr>
+              <a:t>01001</a:t>
+            </a:r>
+          </a:p>
+          <a:p>
+            <a:pPr algn="r"/>
+            <a:r>
+              <a:rPr lang="en-US" sz="4800" noProof="1">
+                <a:solidFill>
+                  <a:srgbClr val="000000"/>
+                </a:solidFill>
+              </a:rPr>
+              <a:t>01010</a:t>
+            </a:r>
+            <a:endParaRPr kumimoji="0" lang="en-US" sz="4800" b="0" i="0" u="none" strike="noStrike" cap="none" spc="0" normalizeH="0" baseline="0" noProof="1">
+              <a:ln>
+                <a:noFill/>
+              </a:ln>
+              <a:solidFill>
+                <a:srgbClr val="000000"/>
+              </a:solidFill>
+              <a:effectLst/>
+              <a:uFillTx/>
+              <a:latin typeface="+mn-lt"/>
+              <a:ea typeface="+mn-ea"/>
+              <a:cs typeface="+mn-cs"/>
+              <a:sym typeface="Helvetica Neue"/>
+            </a:endParaRPr>
+          </a:p>
+          <a:p>
+            <a:pPr algn="r"/>
+            <a:r>
+              <a:rPr lang="en-US" sz="4800" noProof="1">
+                <a:solidFill>
+                  <a:srgbClr val="000000"/>
+                </a:solidFill>
+              </a:rPr>
+              <a:t>01011</a:t>
+            </a:r>
+            <a:endParaRPr kumimoji="0" lang="en-US" sz="4800" b="0" i="0" u="none" strike="noStrike" cap="none" spc="0" normalizeH="0" baseline="0" noProof="1">
+              <a:ln>
+                <a:noFill/>
+              </a:ln>
+              <a:solidFill>
+                <a:srgbClr val="000000"/>
+              </a:solidFill>
+              <a:effectLst/>
+              <a:uFillTx/>
+              <a:latin typeface="+mn-lt"/>
+              <a:ea typeface="+mn-ea"/>
+              <a:cs typeface="+mn-cs"/>
+              <a:sym typeface="Helvetica Neue"/>
+            </a:endParaRPr>
+          </a:p>
+          <a:p>
+            <a:pPr algn="r"/>
+            <a:r>
+              <a:rPr lang="en-US" sz="4800" noProof="1">
+                <a:solidFill>
+                  <a:srgbClr val="000000"/>
+                </a:solidFill>
+              </a:rPr>
+              <a:t>01100</a:t>
+            </a:r>
+            <a:endParaRPr kumimoji="0" lang="en-US" sz="4800" b="0" i="0" u="none" strike="noStrike" cap="none" spc="0" normalizeH="0" baseline="0" noProof="1">
+              <a:ln>
+                <a:noFill/>
+              </a:ln>
+              <a:solidFill>
+                <a:srgbClr val="000000"/>
+              </a:solidFill>
+              <a:effectLst/>
+              <a:uFillTx/>
+              <a:latin typeface="+mn-lt"/>
+              <a:ea typeface="+mn-ea"/>
+              <a:cs typeface="+mn-cs"/>
+              <a:sym typeface="Helvetica Neue"/>
+            </a:endParaRPr>
+          </a:p>
+          <a:p>
+            <a:pPr algn="r"/>
+            <a:r>
+              <a:rPr lang="en-US" sz="4800" noProof="1">
+                <a:solidFill>
+                  <a:srgbClr val="000000"/>
+                </a:solidFill>
+              </a:rPr>
+              <a:t>01101</a:t>
+            </a:r>
+            <a:endParaRPr kumimoji="0" lang="en-US" sz="4800" b="0" i="0" u="none" strike="noStrike" cap="none" spc="0" normalizeH="0" baseline="0" noProof="1">
+              <a:ln>
+                <a:noFill/>
+              </a:ln>
+              <a:solidFill>
+                <a:srgbClr val="000000"/>
+              </a:solidFill>
+              <a:effectLst/>
+              <a:uFillTx/>
+              <a:latin typeface="+mn-lt"/>
+              <a:ea typeface="+mn-ea"/>
+              <a:cs typeface="+mn-cs"/>
+              <a:sym typeface="Helvetica Neue"/>
+            </a:endParaRPr>
+          </a:p>
+          <a:p>
+            <a:pPr algn="r"/>
+            <a:r>
+              <a:rPr lang="en-US" sz="4800" noProof="1">
+                <a:solidFill>
+                  <a:srgbClr val="000000"/>
+                </a:solidFill>
+              </a:rPr>
+              <a:t>01110</a:t>
+            </a:r>
+            <a:endParaRPr kumimoji="0" lang="en-US" sz="4800" b="0" i="0" u="none" strike="noStrike" cap="none" spc="0" normalizeH="0" baseline="0" noProof="1">
+              <a:ln>
+                <a:noFill/>
+              </a:ln>
+              <a:solidFill>
+                <a:srgbClr val="000000"/>
+              </a:solidFill>
+              <a:effectLst/>
+              <a:uFillTx/>
+              <a:latin typeface="+mn-lt"/>
+              <a:ea typeface="+mn-ea"/>
+              <a:cs typeface="+mn-cs"/>
+              <a:sym typeface="Helvetica Neue"/>
+            </a:endParaRPr>
+          </a:p>
+          <a:p>
+            <a:pPr algn="r"/>
+            <a:r>
+              <a:rPr lang="en-US" sz="4800" noProof="1">
+                <a:solidFill>
+                  <a:srgbClr val="000000"/>
+                </a:solidFill>
+              </a:rPr>
+              <a:t>01111</a:t>
+            </a:r>
+            <a:endParaRPr kumimoji="0" lang="en-US" sz="4800" b="0" i="0" u="none" strike="noStrike" cap="none" spc="0" normalizeH="0" baseline="0" noProof="1">
+              <a:ln>
+                <a:noFill/>
+              </a:ln>
+              <a:solidFill>
+                <a:srgbClr val="000000"/>
+              </a:solidFill>
+              <a:effectLst/>
+              <a:uFillTx/>
+              <a:latin typeface="+mn-lt"/>
+              <a:ea typeface="+mn-ea"/>
+              <a:cs typeface="+mn-cs"/>
+              <a:sym typeface="Helvetica Neue"/>
+            </a:endParaRPr>
+          </a:p>
+          <a:p>
+            <a:pPr algn="r"/>
+            <a:r>
+              <a:rPr lang="en-US" sz="4800" noProof="1">
+                <a:solidFill>
+                  <a:srgbClr val="000000"/>
+                </a:solidFill>
+              </a:rPr>
+              <a:t>10</a:t>
+            </a:r>
+            <a:endParaRPr kumimoji="0" lang="en-US" sz="4800" b="0" i="0" u="none" strike="noStrike" cap="none" spc="0" normalizeH="0" baseline="0" noProof="1">
+              <a:ln>
+                <a:noFill/>
+              </a:ln>
+              <a:solidFill>
+                <a:srgbClr val="000000"/>
+              </a:solidFill>
+              <a:effectLst/>
+              <a:uFillTx/>
+              <a:latin typeface="+mn-lt"/>
+              <a:ea typeface="+mn-ea"/>
+              <a:cs typeface="+mn-cs"/>
+              <a:sym typeface="Helvetica Neue"/>
+            </a:endParaRPr>
+          </a:p>
+          <a:p>
+            <a:pPr algn="r"/>
+            <a:r>
+              <a:rPr lang="en-US" sz="4800" noProof="1">
+                <a:solidFill>
+                  <a:srgbClr val="000000"/>
+                </a:solidFill>
+              </a:rPr>
+              <a:t>11</a:t>
+            </a:r>
+            <a:endParaRPr kumimoji="0" lang="id-ID" sz="4800" b="0" i="0" u="none" strike="noStrike" cap="none" spc="0" normalizeH="0" baseline="0" noProof="1">
+              <a:ln>
+                <a:noFill/>
+              </a:ln>
+              <a:solidFill>
+                <a:srgbClr val="000000"/>
+              </a:solidFill>
+              <a:effectLst/>
+              <a:uFillTx/>
+              <a:latin typeface="+mn-lt"/>
+              <a:ea typeface="+mn-ea"/>
+              <a:cs typeface="+mn-cs"/>
+              <a:sym typeface="Helvetica Neue"/>
+            </a:endParaRPr>
+          </a:p>
+        </p:txBody>
+      </p:sp>
     </p:spTree>
     <p:extLst>
       <p:ext uri="{BB962C8B-B14F-4D97-AF65-F5344CB8AC3E}">
         <p14:creationId xmlns:p14="http://schemas.microsoft.com/office/powerpoint/2010/main" val="1509855005"/>
+      </p:ext>
+    </p:extLst>
+  </p:cSld>
+  <p:clrMapOvr>
+    <a:masterClrMapping/>
+  </p:clrMapOvr>
+  <p:transition spd="med"/>
+</p:sld>
+</file>
+
+<file path=ppt/slides/slide9.xml><?xml version="1.0" encoding="utf-8"?>
+<p:sld xmlns:a="http://schemas.openxmlformats.org/drawingml/2006/main" xmlns:r="http://schemas.openxmlformats.org/officeDocument/2006/relationships" xmlns:p="http://schemas.openxmlformats.org/presentationml/2006/main">
+  <p:cSld>
+    <p:spTree>
+      <p:nvGrpSpPr>
+        <p:cNvPr id="1" name=""/>
+        <p:cNvGrpSpPr/>
+        <p:nvPr/>
+      </p:nvGrpSpPr>
+      <p:grpSpPr>
+        <a:xfrm>
+          <a:off x="0" y="0"/>
+          <a:ext cx="0" cy="0"/>
+          <a:chOff x="0" y="0"/>
+          <a:chExt cx="0" cy="0"/>
+        </a:xfrm>
+      </p:grpSpPr>
+      <p:sp>
+        <p:nvSpPr>
+          <p:cNvPr id="7" name="TextBox 6">
+            <a:extLst>
+              <a:ext uri="{FF2B5EF4-FFF2-40B4-BE49-F238E27FC236}">
+                <a16:creationId xmlns:a16="http://schemas.microsoft.com/office/drawing/2014/main" id="{320D9967-9A8D-5A4F-9E49-C39E5F3AC2DE}"/>
+              </a:ext>
+            </a:extLst>
+          </p:cNvPr>
+          <p:cNvSpPr txBox="1"/>
+          <p:nvPr/>
+        </p:nvSpPr>
+        <p:spPr>
+          <a:xfrm>
+            <a:off x="5117943" y="158732"/>
+            <a:ext cx="615553" cy="13398540"/>
+          </a:xfrm>
+          <a:prstGeom prst="rect">
+            <a:avLst/>
+          </a:prstGeom>
+          <a:noFill/>
+          <a:ln w="12700" cap="flat">
+            <a:noFill/>
+            <a:miter lim="400000"/>
+          </a:ln>
+          <a:effectLst/>
+          <a:sp3d/>
+        </p:spPr>
+        <p:style>
+          <a:lnRef idx="0">
+            <a:scrgbClr r="0" g="0" b="0"/>
+          </a:lnRef>
+          <a:fillRef idx="0">
+            <a:scrgbClr r="0" g="0" b="0"/>
+          </a:fillRef>
+          <a:effectRef idx="0">
+            <a:scrgbClr r="0" g="0" b="0"/>
+          </a:effectRef>
+          <a:fontRef idx="none"/>
+        </p:style>
+        <p:txBody>
+          <a:bodyPr rot="0" spcFirstLastPara="1" vertOverflow="overflow" horzOverflow="overflow" vert="horz" wrap="none" lIns="50800" tIns="50800" rIns="50800" bIns="50800" numCol="1" spcCol="38100" rtlCol="0" anchor="ctr">
+            <a:spAutoFit/>
+          </a:bodyPr>
+          <a:lstStyle/>
+          <a:p>
+            <a:pPr algn="l"/>
+            <a:r>
+              <a:rPr lang="en-US" sz="4800" noProof="1">
+                <a:solidFill>
+                  <a:srgbClr val="000000"/>
+                </a:solidFill>
+              </a:rPr>
+              <a:t>h</a:t>
+            </a:r>
+          </a:p>
+          <a:p>
+            <a:pPr algn="l"/>
+            <a:r>
+              <a:rPr lang="en-US" sz="4800" noProof="1">
+                <a:solidFill>
+                  <a:srgbClr val="000000"/>
+                </a:solidFill>
+              </a:rPr>
+              <a:t>k</a:t>
+            </a:r>
+          </a:p>
+          <a:p>
+            <a:pPr algn="l"/>
+            <a:r>
+              <a:rPr lang="en-US" sz="4800" noProof="1">
+                <a:solidFill>
+                  <a:srgbClr val="000000"/>
+                </a:solidFill>
+              </a:rPr>
+              <a:t>o</a:t>
+            </a:r>
+          </a:p>
+          <a:p>
+            <a:pPr algn="l"/>
+            <a:r>
+              <a:rPr lang="en-US" sz="4800" noProof="1">
+                <a:solidFill>
+                  <a:srgbClr val="000000"/>
+                </a:solidFill>
+              </a:rPr>
+              <a:t>w</a:t>
+            </a:r>
+          </a:p>
+          <a:p>
+            <a:pPr algn="l"/>
+            <a:r>
+              <a:rPr lang="en-US" sz="4800" noProof="1">
+                <a:solidFill>
+                  <a:srgbClr val="000000"/>
+                </a:solidFill>
+              </a:rPr>
+              <a:t>y</a:t>
+            </a:r>
+          </a:p>
+          <a:p>
+            <a:pPr algn="l"/>
+            <a:r>
+              <a:rPr kumimoji="0" lang="en-US" sz="4800" b="0" i="0" u="none" strike="noStrike" cap="none" spc="0" normalizeH="0" baseline="0" noProof="1">
+                <a:ln>
+                  <a:noFill/>
+                </a:ln>
+                <a:solidFill>
+                  <a:srgbClr val="000000"/>
+                </a:solidFill>
+                <a:effectLst/>
+                <a:uFillTx/>
+                <a:latin typeface="+mn-lt"/>
+                <a:ea typeface="+mn-ea"/>
+                <a:cs typeface="+mn-cs"/>
+                <a:sym typeface="Helvetica Neue"/>
+              </a:rPr>
+              <a:t>g</a:t>
+            </a:r>
+          </a:p>
+          <a:p>
+            <a:pPr algn="l"/>
+            <a:r>
+              <a:rPr kumimoji="0" lang="en-US" sz="4800" b="0" i="0" u="none" strike="noStrike" cap="none" spc="0" normalizeH="0" baseline="0" noProof="1">
+                <a:ln>
+                  <a:noFill/>
+                </a:ln>
+                <a:solidFill>
+                  <a:srgbClr val="000000"/>
+                </a:solidFill>
+                <a:effectLst/>
+                <a:uFillTx/>
+                <a:latin typeface="+mn-lt"/>
+                <a:ea typeface="+mn-ea"/>
+                <a:cs typeface="+mn-cs"/>
+                <a:sym typeface="Helvetica Neue"/>
+              </a:rPr>
+              <a:t>p</a:t>
+            </a:r>
+          </a:p>
+          <a:p>
+            <a:pPr algn="l"/>
+            <a:r>
+              <a:rPr kumimoji="0" lang="en-US" sz="4800" b="0" i="0" u="none" strike="noStrike" cap="none" spc="0" normalizeH="0" baseline="0" noProof="1">
+                <a:ln>
+                  <a:noFill/>
+                </a:ln>
+                <a:solidFill>
+                  <a:srgbClr val="000000"/>
+                </a:solidFill>
+                <a:effectLst/>
+                <a:uFillTx/>
+                <a:latin typeface="+mn-lt"/>
+                <a:ea typeface="+mn-ea"/>
+                <a:cs typeface="+mn-cs"/>
+                <a:sym typeface="Helvetica Neue"/>
+              </a:rPr>
+              <a:t>u</a:t>
+            </a:r>
+          </a:p>
+          <a:p>
+            <a:pPr algn="l"/>
+            <a:r>
+              <a:rPr kumimoji="0" lang="en-US" sz="4800" b="0" i="0" u="none" strike="noStrike" cap="none" spc="0" normalizeH="0" baseline="0" noProof="1">
+                <a:ln>
+                  <a:noFill/>
+                </a:ln>
+                <a:solidFill>
+                  <a:srgbClr val="000000"/>
+                </a:solidFill>
+                <a:effectLst/>
+                <a:uFillTx/>
+                <a:latin typeface="+mn-lt"/>
+                <a:ea typeface="+mn-ea"/>
+                <a:cs typeface="+mn-cs"/>
+                <a:sym typeface="Helvetica Neue"/>
+              </a:rPr>
+              <a:t>e</a:t>
+            </a:r>
+          </a:p>
+          <a:p>
+            <a:pPr algn="l"/>
+            <a:r>
+              <a:rPr lang="en-US" sz="4800" noProof="1">
+                <a:solidFill>
+                  <a:srgbClr val="000000"/>
+                </a:solidFill>
+              </a:rPr>
+              <a:t>l</a:t>
+            </a:r>
+            <a:endParaRPr kumimoji="0" lang="en-US" sz="4800" b="0" i="0" u="none" strike="noStrike" cap="none" spc="0" normalizeH="0" baseline="0" noProof="1">
+              <a:ln>
+                <a:noFill/>
+              </a:ln>
+              <a:solidFill>
+                <a:srgbClr val="000000"/>
+              </a:solidFill>
+              <a:effectLst/>
+              <a:uFillTx/>
+              <a:latin typeface="+mn-lt"/>
+              <a:ea typeface="+mn-ea"/>
+              <a:cs typeface="+mn-cs"/>
+              <a:sym typeface="Helvetica Neue"/>
+            </a:endParaRPr>
+          </a:p>
+          <a:p>
+            <a:pPr algn="l"/>
+            <a:r>
+              <a:rPr kumimoji="0" lang="en-US" sz="4800" b="0" i="0" u="none" strike="noStrike" cap="none" spc="0" normalizeH="0" baseline="0" noProof="1">
+                <a:ln>
+                  <a:noFill/>
+                </a:ln>
+                <a:solidFill>
+                  <a:srgbClr val="000000"/>
+                </a:solidFill>
+                <a:effectLst/>
+                <a:uFillTx/>
+                <a:latin typeface="+mn-lt"/>
+                <a:ea typeface="+mn-ea"/>
+                <a:cs typeface="+mn-cs"/>
+                <a:sym typeface="Helvetica Neue"/>
+              </a:rPr>
+              <a:t>m</a:t>
+            </a:r>
+          </a:p>
+          <a:p>
+            <a:pPr algn="l"/>
+            <a:r>
+              <a:rPr kumimoji="0" lang="en-US" sz="4800" b="0" i="0" u="none" strike="noStrike" cap="none" spc="0" normalizeH="0" baseline="0" noProof="1">
+                <a:ln>
+                  <a:noFill/>
+                </a:ln>
+                <a:solidFill>
+                  <a:srgbClr val="000000"/>
+                </a:solidFill>
+                <a:effectLst/>
+                <a:uFillTx/>
+                <a:latin typeface="+mn-lt"/>
+                <a:ea typeface="+mn-ea"/>
+                <a:cs typeface="+mn-cs"/>
+                <a:sym typeface="Helvetica Neue"/>
+              </a:rPr>
+              <a:t>s</a:t>
+            </a:r>
+          </a:p>
+          <a:p>
+            <a:pPr algn="l"/>
+            <a:r>
+              <a:rPr kumimoji="0" lang="en-US" sz="4800" b="0" i="0" u="none" strike="noStrike" cap="none" spc="0" normalizeH="0" baseline="0" noProof="1">
+                <a:ln>
+                  <a:noFill/>
+                </a:ln>
+                <a:solidFill>
+                  <a:srgbClr val="000000"/>
+                </a:solidFill>
+                <a:effectLst/>
+                <a:uFillTx/>
+                <a:latin typeface="+mn-lt"/>
+                <a:ea typeface="+mn-ea"/>
+                <a:cs typeface="+mn-cs"/>
+                <a:sym typeface="Helvetica Neue"/>
+              </a:rPr>
+              <a:t>d</a:t>
+            </a:r>
+          </a:p>
+          <a:p>
+            <a:pPr algn="l"/>
+            <a:r>
+              <a:rPr kumimoji="0" lang="en-US" sz="4800" b="0" i="0" u="none" strike="noStrike" cap="none" spc="0" normalizeH="0" baseline="0" noProof="1">
+                <a:ln>
+                  <a:noFill/>
+                </a:ln>
+                <a:solidFill>
+                  <a:srgbClr val="000000"/>
+                </a:solidFill>
+                <a:effectLst/>
+                <a:uFillTx/>
+                <a:latin typeface="+mn-lt"/>
+                <a:ea typeface="+mn-ea"/>
+                <a:cs typeface="+mn-cs"/>
+                <a:sym typeface="Helvetica Neue"/>
+              </a:rPr>
+              <a:t>i</a:t>
+            </a:r>
+          </a:p>
+          <a:p>
+            <a:pPr algn="l"/>
+            <a:r>
+              <a:rPr kumimoji="0" lang="en-US" sz="4800" b="0" i="0" u="none" strike="noStrike" cap="none" spc="0" normalizeH="0" baseline="0" noProof="1">
+                <a:ln>
+                  <a:noFill/>
+                </a:ln>
+                <a:solidFill>
+                  <a:srgbClr val="000000"/>
+                </a:solidFill>
+                <a:effectLst/>
+                <a:uFillTx/>
+                <a:latin typeface="+mn-lt"/>
+                <a:ea typeface="+mn-ea"/>
+                <a:cs typeface="+mn-cs"/>
+                <a:sym typeface="Helvetica Neue"/>
+              </a:rPr>
+              <a:t>n</a:t>
+            </a:r>
+          </a:p>
+          <a:p>
+            <a:pPr algn="l"/>
+            <a:r>
+              <a:rPr kumimoji="0" lang="en-US" sz="4800" b="0" i="0" u="none" strike="noStrike" cap="none" spc="0" normalizeH="0" baseline="0" noProof="1">
+                <a:ln>
+                  <a:noFill/>
+                </a:ln>
+                <a:solidFill>
+                  <a:srgbClr val="000000"/>
+                </a:solidFill>
+                <a:effectLst/>
+                <a:uFillTx/>
+                <a:latin typeface="+mn-lt"/>
+                <a:ea typeface="+mn-ea"/>
+                <a:cs typeface="+mn-cs"/>
+                <a:sym typeface="Helvetica Neue"/>
+              </a:rPr>
+              <a:t>t</a:t>
+            </a:r>
+          </a:p>
+          <a:p>
+            <a:pPr algn="l"/>
+            <a:r>
+              <a:rPr kumimoji="0" lang="en-US" sz="4800" b="0" i="0" u="none" strike="noStrike" cap="none" spc="0" normalizeH="0" baseline="0" noProof="1">
+                <a:ln>
+                  <a:noFill/>
+                </a:ln>
+                <a:solidFill>
+                  <a:srgbClr val="000000"/>
+                </a:solidFill>
+                <a:effectLst/>
+                <a:uFillTx/>
+                <a:latin typeface="+mn-lt"/>
+                <a:ea typeface="+mn-ea"/>
+                <a:cs typeface="+mn-cs"/>
+                <a:sym typeface="Helvetica Neue"/>
+              </a:rPr>
+              <a:t>r</a:t>
+            </a:r>
+          </a:p>
+          <a:p>
+            <a:pPr algn="l"/>
+            <a:r>
+              <a:rPr kumimoji="0" lang="en-US" sz="4800" b="0" i="0" u="none" strike="noStrike" cap="none" spc="0" normalizeH="0" baseline="0" noProof="1">
+                <a:ln>
+                  <a:noFill/>
+                </a:ln>
+                <a:solidFill>
+                  <a:srgbClr val="000000"/>
+                </a:solidFill>
+                <a:effectLst/>
+                <a:uFillTx/>
+                <a:latin typeface="+mn-lt"/>
+                <a:ea typeface="+mn-ea"/>
+                <a:cs typeface="+mn-cs"/>
+                <a:sym typeface="Helvetica Neue"/>
+              </a:rPr>
+              <a:t>a </a:t>
+            </a:r>
+            <a:endParaRPr kumimoji="0" lang="id-ID" sz="4800" b="0" i="0" u="none" strike="noStrike" cap="none" spc="0" normalizeH="0" baseline="0" noProof="1">
+              <a:ln>
+                <a:noFill/>
+              </a:ln>
+              <a:solidFill>
+                <a:srgbClr val="000000"/>
+              </a:solidFill>
+              <a:effectLst/>
+              <a:uFillTx/>
+              <a:latin typeface="+mn-lt"/>
+              <a:ea typeface="+mn-ea"/>
+              <a:cs typeface="+mn-cs"/>
+              <a:sym typeface="Helvetica Neue"/>
+            </a:endParaRPr>
+          </a:p>
+        </p:txBody>
+      </p:sp>
+      <p:sp>
+        <p:nvSpPr>
+          <p:cNvPr id="94" name="TextBox 93">
+            <a:extLst>
+              <a:ext uri="{FF2B5EF4-FFF2-40B4-BE49-F238E27FC236}">
+                <a16:creationId xmlns:a16="http://schemas.microsoft.com/office/drawing/2014/main" id="{D2FE8B16-318D-48C3-A168-E79D1A393E0B}"/>
+              </a:ext>
+            </a:extLst>
+          </p:cNvPr>
+          <p:cNvSpPr txBox="1"/>
+          <p:nvPr/>
+        </p:nvSpPr>
+        <p:spPr>
+          <a:xfrm>
+            <a:off x="2934887" y="160701"/>
+            <a:ext cx="1817805" cy="13398540"/>
+          </a:xfrm>
+          <a:prstGeom prst="rect">
+            <a:avLst/>
+          </a:prstGeom>
+          <a:noFill/>
+          <a:ln w="12700" cap="flat">
+            <a:noFill/>
+            <a:miter lim="400000"/>
+          </a:ln>
+          <a:effectLst/>
+          <a:sp3d/>
+        </p:spPr>
+        <p:style>
+          <a:lnRef idx="0">
+            <a:scrgbClr r="0" g="0" b="0"/>
+          </a:lnRef>
+          <a:fillRef idx="0">
+            <a:scrgbClr r="0" g="0" b="0"/>
+          </a:fillRef>
+          <a:effectRef idx="0">
+            <a:scrgbClr r="0" g="0" b="0"/>
+          </a:effectRef>
+          <a:fontRef idx="none"/>
+        </p:style>
+        <p:txBody>
+          <a:bodyPr rot="0" spcFirstLastPara="1" vertOverflow="overflow" horzOverflow="overflow" vert="horz" wrap="none" lIns="50800" tIns="50800" rIns="50800" bIns="50800" numCol="1" spcCol="38100" rtlCol="0" anchor="ctr">
+            <a:spAutoFit/>
+          </a:bodyPr>
+          <a:lstStyle/>
+          <a:p>
+            <a:pPr algn="r"/>
+            <a:r>
+              <a:rPr lang="en-US" sz="4800" noProof="1">
+                <a:solidFill>
+                  <a:srgbClr val="000000"/>
+                </a:solidFill>
+              </a:rPr>
+              <a:t>00000</a:t>
+            </a:r>
+          </a:p>
+          <a:p>
+            <a:pPr algn="r"/>
+            <a:r>
+              <a:rPr lang="en-US" sz="4800" noProof="1">
+                <a:solidFill>
+                  <a:srgbClr val="000000"/>
+                </a:solidFill>
+              </a:rPr>
+              <a:t>00001</a:t>
+            </a:r>
+          </a:p>
+          <a:p>
+            <a:pPr algn="r"/>
+            <a:r>
+              <a:rPr lang="en-US" sz="4800" noProof="1">
+                <a:solidFill>
+                  <a:srgbClr val="000000"/>
+                </a:solidFill>
+              </a:rPr>
+              <a:t>00010</a:t>
+            </a:r>
+          </a:p>
+          <a:p>
+            <a:pPr algn="r"/>
+            <a:r>
+              <a:rPr lang="en-US" sz="4800" noProof="1">
+                <a:solidFill>
+                  <a:srgbClr val="000000"/>
+                </a:solidFill>
+              </a:rPr>
+              <a:t>00011</a:t>
+            </a:r>
+          </a:p>
+          <a:p>
+            <a:pPr algn="r"/>
+            <a:r>
+              <a:rPr lang="en-US" sz="4800" noProof="1">
+                <a:solidFill>
+                  <a:srgbClr val="000000"/>
+                </a:solidFill>
+              </a:rPr>
+              <a:t>00100</a:t>
+            </a:r>
+          </a:p>
+          <a:p>
+            <a:pPr algn="r"/>
+            <a:r>
+              <a:rPr lang="en-US" sz="4800" noProof="1">
+                <a:solidFill>
+                  <a:srgbClr val="000000"/>
+                </a:solidFill>
+              </a:rPr>
+              <a:t>00101</a:t>
+            </a:r>
+            <a:endParaRPr kumimoji="0" lang="en-US" sz="4800" b="0" i="0" u="none" strike="noStrike" cap="none" spc="0" normalizeH="0" baseline="0" noProof="1">
+              <a:ln>
+                <a:noFill/>
+              </a:ln>
+              <a:solidFill>
+                <a:srgbClr val="000000"/>
+              </a:solidFill>
+              <a:effectLst/>
+              <a:uFillTx/>
+              <a:latin typeface="+mn-lt"/>
+              <a:ea typeface="+mn-ea"/>
+              <a:cs typeface="+mn-cs"/>
+              <a:sym typeface="Helvetica Neue"/>
+            </a:endParaRPr>
+          </a:p>
+          <a:p>
+            <a:pPr algn="r"/>
+            <a:r>
+              <a:rPr lang="en-US" sz="4800" noProof="1">
+                <a:solidFill>
+                  <a:srgbClr val="000000"/>
+                </a:solidFill>
+              </a:rPr>
+              <a:t>00110</a:t>
+            </a:r>
+            <a:endParaRPr kumimoji="0" lang="en-US" sz="4800" b="0" i="0" u="none" strike="noStrike" cap="none" spc="0" normalizeH="0" baseline="0" noProof="1">
+              <a:ln>
+                <a:noFill/>
+              </a:ln>
+              <a:solidFill>
+                <a:srgbClr val="000000"/>
+              </a:solidFill>
+              <a:effectLst/>
+              <a:uFillTx/>
+              <a:latin typeface="+mn-lt"/>
+              <a:ea typeface="+mn-ea"/>
+              <a:cs typeface="+mn-cs"/>
+              <a:sym typeface="Helvetica Neue"/>
+            </a:endParaRPr>
+          </a:p>
+          <a:p>
+            <a:pPr algn="r"/>
+            <a:r>
+              <a:rPr lang="en-US" sz="4800" noProof="1">
+                <a:solidFill>
+                  <a:srgbClr val="000000"/>
+                </a:solidFill>
+              </a:rPr>
+              <a:t>00111</a:t>
+            </a:r>
+            <a:endParaRPr kumimoji="0" lang="en-US" sz="4800" b="0" i="0" u="none" strike="noStrike" cap="none" spc="0" normalizeH="0" baseline="0" noProof="1">
+              <a:ln>
+                <a:noFill/>
+              </a:ln>
+              <a:solidFill>
+                <a:srgbClr val="000000"/>
+              </a:solidFill>
+              <a:effectLst/>
+              <a:uFillTx/>
+              <a:latin typeface="+mn-lt"/>
+              <a:ea typeface="+mn-ea"/>
+              <a:cs typeface="+mn-cs"/>
+              <a:sym typeface="Helvetica Neue"/>
+            </a:endParaRPr>
+          </a:p>
+          <a:p>
+            <a:pPr algn="r"/>
+            <a:r>
+              <a:rPr lang="en-US" sz="4800" noProof="1">
+                <a:solidFill>
+                  <a:srgbClr val="000000"/>
+                </a:solidFill>
+              </a:rPr>
+              <a:t>01000</a:t>
+            </a:r>
+            <a:endParaRPr kumimoji="0" lang="en-US" sz="4800" b="0" i="0" u="none" strike="noStrike" cap="none" spc="0" normalizeH="0" baseline="0" noProof="1">
+              <a:ln>
+                <a:noFill/>
+              </a:ln>
+              <a:solidFill>
+                <a:srgbClr val="000000"/>
+              </a:solidFill>
+              <a:effectLst/>
+              <a:uFillTx/>
+              <a:latin typeface="+mn-lt"/>
+              <a:ea typeface="+mn-ea"/>
+              <a:cs typeface="+mn-cs"/>
+              <a:sym typeface="Helvetica Neue"/>
+            </a:endParaRPr>
+          </a:p>
+          <a:p>
+            <a:pPr algn="r"/>
+            <a:r>
+              <a:rPr kumimoji="0" lang="en-US" sz="4800" b="0" i="0" u="none" strike="noStrike" cap="none" spc="0" normalizeH="0" baseline="0" noProof="1">
+                <a:ln>
+                  <a:noFill/>
+                </a:ln>
+                <a:solidFill>
+                  <a:srgbClr val="000000"/>
+                </a:solidFill>
+                <a:effectLst/>
+                <a:uFillTx/>
+                <a:latin typeface="+mn-lt"/>
+                <a:ea typeface="+mn-ea"/>
+                <a:cs typeface="+mn-cs"/>
+                <a:sym typeface="Helvetica Neue"/>
+              </a:rPr>
+              <a:t>01001</a:t>
+            </a:r>
+          </a:p>
+          <a:p>
+            <a:pPr algn="r"/>
+            <a:r>
+              <a:rPr lang="en-US" sz="4800" noProof="1">
+                <a:solidFill>
+                  <a:srgbClr val="000000"/>
+                </a:solidFill>
+              </a:rPr>
+              <a:t>01010</a:t>
+            </a:r>
+            <a:endParaRPr kumimoji="0" lang="en-US" sz="4800" b="0" i="0" u="none" strike="noStrike" cap="none" spc="0" normalizeH="0" baseline="0" noProof="1">
+              <a:ln>
+                <a:noFill/>
+              </a:ln>
+              <a:solidFill>
+                <a:srgbClr val="000000"/>
+              </a:solidFill>
+              <a:effectLst/>
+              <a:uFillTx/>
+              <a:latin typeface="+mn-lt"/>
+              <a:ea typeface="+mn-ea"/>
+              <a:cs typeface="+mn-cs"/>
+              <a:sym typeface="Helvetica Neue"/>
+            </a:endParaRPr>
+          </a:p>
+          <a:p>
+            <a:pPr algn="r"/>
+            <a:r>
+              <a:rPr lang="en-US" sz="4800" noProof="1">
+                <a:solidFill>
+                  <a:srgbClr val="000000"/>
+                </a:solidFill>
+              </a:rPr>
+              <a:t>01011</a:t>
+            </a:r>
+            <a:endParaRPr kumimoji="0" lang="en-US" sz="4800" b="0" i="0" u="none" strike="noStrike" cap="none" spc="0" normalizeH="0" baseline="0" noProof="1">
+              <a:ln>
+                <a:noFill/>
+              </a:ln>
+              <a:solidFill>
+                <a:srgbClr val="000000"/>
+              </a:solidFill>
+              <a:effectLst/>
+              <a:uFillTx/>
+              <a:latin typeface="+mn-lt"/>
+              <a:ea typeface="+mn-ea"/>
+              <a:cs typeface="+mn-cs"/>
+              <a:sym typeface="Helvetica Neue"/>
+            </a:endParaRPr>
+          </a:p>
+          <a:p>
+            <a:pPr algn="r"/>
+            <a:r>
+              <a:rPr lang="en-US" sz="4800" noProof="1">
+                <a:solidFill>
+                  <a:srgbClr val="000000"/>
+                </a:solidFill>
+              </a:rPr>
+              <a:t>01100</a:t>
+            </a:r>
+            <a:endParaRPr kumimoji="0" lang="en-US" sz="4800" b="0" i="0" u="none" strike="noStrike" cap="none" spc="0" normalizeH="0" baseline="0" noProof="1">
+              <a:ln>
+                <a:noFill/>
+              </a:ln>
+              <a:solidFill>
+                <a:srgbClr val="000000"/>
+              </a:solidFill>
+              <a:effectLst/>
+              <a:uFillTx/>
+              <a:latin typeface="+mn-lt"/>
+              <a:ea typeface="+mn-ea"/>
+              <a:cs typeface="+mn-cs"/>
+              <a:sym typeface="Helvetica Neue"/>
+            </a:endParaRPr>
+          </a:p>
+          <a:p>
+            <a:pPr algn="r"/>
+            <a:r>
+              <a:rPr lang="en-US" sz="4800" noProof="1">
+                <a:solidFill>
+                  <a:srgbClr val="000000"/>
+                </a:solidFill>
+              </a:rPr>
+              <a:t>01101</a:t>
+            </a:r>
+            <a:endParaRPr kumimoji="0" lang="en-US" sz="4800" b="0" i="0" u="none" strike="noStrike" cap="none" spc="0" normalizeH="0" baseline="0" noProof="1">
+              <a:ln>
+                <a:noFill/>
+              </a:ln>
+              <a:solidFill>
+                <a:srgbClr val="000000"/>
+              </a:solidFill>
+              <a:effectLst/>
+              <a:uFillTx/>
+              <a:latin typeface="+mn-lt"/>
+              <a:ea typeface="+mn-ea"/>
+              <a:cs typeface="+mn-cs"/>
+              <a:sym typeface="Helvetica Neue"/>
+            </a:endParaRPr>
+          </a:p>
+          <a:p>
+            <a:pPr algn="r"/>
+            <a:r>
+              <a:rPr lang="en-US" sz="4800" noProof="1">
+                <a:solidFill>
+                  <a:srgbClr val="000000"/>
+                </a:solidFill>
+              </a:rPr>
+              <a:t>01110</a:t>
+            </a:r>
+            <a:endParaRPr kumimoji="0" lang="en-US" sz="4800" b="0" i="0" u="none" strike="noStrike" cap="none" spc="0" normalizeH="0" baseline="0" noProof="1">
+              <a:ln>
+                <a:noFill/>
+              </a:ln>
+              <a:solidFill>
+                <a:srgbClr val="000000"/>
+              </a:solidFill>
+              <a:effectLst/>
+              <a:uFillTx/>
+              <a:latin typeface="+mn-lt"/>
+              <a:ea typeface="+mn-ea"/>
+              <a:cs typeface="+mn-cs"/>
+              <a:sym typeface="Helvetica Neue"/>
+            </a:endParaRPr>
+          </a:p>
+          <a:p>
+            <a:pPr algn="r"/>
+            <a:r>
+              <a:rPr lang="en-US" sz="4800" noProof="1">
+                <a:solidFill>
+                  <a:srgbClr val="000000"/>
+                </a:solidFill>
+              </a:rPr>
+              <a:t>01111</a:t>
+            </a:r>
+            <a:endParaRPr kumimoji="0" lang="en-US" sz="4800" b="0" i="0" u="none" strike="noStrike" cap="none" spc="0" normalizeH="0" baseline="0" noProof="1">
+              <a:ln>
+                <a:noFill/>
+              </a:ln>
+              <a:solidFill>
+                <a:srgbClr val="000000"/>
+              </a:solidFill>
+              <a:effectLst/>
+              <a:uFillTx/>
+              <a:latin typeface="+mn-lt"/>
+              <a:ea typeface="+mn-ea"/>
+              <a:cs typeface="+mn-cs"/>
+              <a:sym typeface="Helvetica Neue"/>
+            </a:endParaRPr>
+          </a:p>
+          <a:p>
+            <a:pPr algn="r"/>
+            <a:r>
+              <a:rPr lang="en-US" sz="4800" noProof="1">
+                <a:solidFill>
+                  <a:srgbClr val="000000"/>
+                </a:solidFill>
+              </a:rPr>
+              <a:t>10</a:t>
+            </a:r>
+            <a:endParaRPr kumimoji="0" lang="en-US" sz="4800" b="0" i="0" u="none" strike="noStrike" cap="none" spc="0" normalizeH="0" baseline="0" noProof="1">
+              <a:ln>
+                <a:noFill/>
+              </a:ln>
+              <a:solidFill>
+                <a:srgbClr val="000000"/>
+              </a:solidFill>
+              <a:effectLst/>
+              <a:uFillTx/>
+              <a:latin typeface="+mn-lt"/>
+              <a:ea typeface="+mn-ea"/>
+              <a:cs typeface="+mn-cs"/>
+              <a:sym typeface="Helvetica Neue"/>
+            </a:endParaRPr>
+          </a:p>
+          <a:p>
+            <a:pPr algn="r"/>
+            <a:r>
+              <a:rPr lang="en-US" sz="4800" noProof="1">
+                <a:solidFill>
+                  <a:srgbClr val="000000"/>
+                </a:solidFill>
+              </a:rPr>
+              <a:t>11</a:t>
+            </a:r>
+            <a:endParaRPr kumimoji="0" lang="id-ID" sz="4800" b="0" i="0" u="none" strike="noStrike" cap="none" spc="0" normalizeH="0" baseline="0" noProof="1">
+              <a:ln>
+                <a:noFill/>
+              </a:ln>
+              <a:solidFill>
+                <a:srgbClr val="000000"/>
+              </a:solidFill>
+              <a:effectLst/>
+              <a:uFillTx/>
+              <a:latin typeface="+mn-lt"/>
+              <a:ea typeface="+mn-ea"/>
+              <a:cs typeface="+mn-cs"/>
+              <a:sym typeface="Helvetica Neue"/>
+            </a:endParaRPr>
+          </a:p>
+        </p:txBody>
+      </p:sp>
+      <p:sp>
+        <p:nvSpPr>
+          <p:cNvPr id="92" name="TextBox 91">
+            <a:extLst>
+              <a:ext uri="{FF2B5EF4-FFF2-40B4-BE49-F238E27FC236}">
+                <a16:creationId xmlns:a16="http://schemas.microsoft.com/office/drawing/2014/main" id="{DBE44912-0356-4428-BF17-3AA0730434E4}"/>
+              </a:ext>
+            </a:extLst>
+          </p:cNvPr>
+          <p:cNvSpPr txBox="1"/>
+          <p:nvPr/>
+        </p:nvSpPr>
+        <p:spPr>
+          <a:xfrm>
+            <a:off x="7383592" y="718489"/>
+            <a:ext cx="12381595" cy="11921212"/>
+          </a:xfrm>
+          <a:prstGeom prst="rect">
+            <a:avLst/>
+          </a:prstGeom>
+          <a:noFill/>
+          <a:ln w="12700" cap="flat">
+            <a:noFill/>
+            <a:miter lim="400000"/>
+          </a:ln>
+          <a:effectLst/>
+          <a:sp3d/>
+        </p:spPr>
+        <p:style>
+          <a:lnRef idx="0">
+            <a:scrgbClr r="0" g="0" b="0"/>
+          </a:lnRef>
+          <a:fillRef idx="0">
+            <a:scrgbClr r="0" g="0" b="0"/>
+          </a:fillRef>
+          <a:effectRef idx="0">
+            <a:scrgbClr r="0" g="0" b="0"/>
+          </a:effectRef>
+          <a:fontRef idx="none"/>
+        </p:style>
+        <p:txBody>
+          <a:bodyPr rot="0" spcFirstLastPara="1" vertOverflow="overflow" horzOverflow="overflow" vert="horz" wrap="none" lIns="50800" tIns="50800" rIns="50800" bIns="50800" numCol="1" spcCol="38100" rtlCol="0" anchor="ctr">
+            <a:spAutoFit/>
+          </a:bodyPr>
+          <a:lstStyle/>
+          <a:p>
+            <a:pPr algn="l"/>
+            <a:r>
+              <a:rPr lang="en-US" sz="4800" noProof="1">
+                <a:solidFill>
+                  <a:srgbClr val="000000"/>
+                </a:solidFill>
+              </a:rPr>
+              <a:t>01011 01000 01010 00111 11 00110 11</a:t>
+            </a:r>
+          </a:p>
+          <a:p>
+            <a:pPr algn="l"/>
+            <a:r>
+              <a:rPr lang="en-US" sz="4800" noProof="1">
+                <a:solidFill>
+                  <a:srgbClr val="000000"/>
+                </a:solidFill>
+              </a:rPr>
+              <a:t>    s          e         m        u      a      p      a </a:t>
+            </a:r>
+          </a:p>
+          <a:p>
+            <a:pPr algn="l"/>
+            <a:r>
+              <a:rPr lang="en-US" sz="4800" noProof="1">
+                <a:solidFill>
+                  <a:srgbClr val="000000"/>
+                </a:solidFill>
+              </a:rPr>
+              <a:t>01011 01011 00011 00010 10 01100 01001</a:t>
+            </a:r>
+          </a:p>
+          <a:p>
+            <a:pPr algn="l"/>
+            <a:r>
+              <a:rPr lang="en-US" sz="4800" noProof="1">
+                <a:solidFill>
+                  <a:srgbClr val="000000"/>
+                </a:solidFill>
+              </a:rPr>
+              <a:t>    s         s          w        o      r       d         l</a:t>
+            </a:r>
+          </a:p>
+          <a:p>
+            <a:pPr algn="l"/>
+            <a:r>
+              <a:rPr lang="en-US" sz="4800" noProof="1">
+                <a:solidFill>
+                  <a:srgbClr val="000000"/>
+                </a:solidFill>
+              </a:rPr>
+              <a:t>00111 00001 01010 11 01110 01111 01000</a:t>
+            </a:r>
+          </a:p>
+          <a:p>
+            <a:pPr algn="l"/>
+            <a:r>
+              <a:rPr lang="en-US" sz="4800" noProof="1">
+                <a:solidFill>
+                  <a:srgbClr val="000000"/>
+                </a:solidFill>
+              </a:rPr>
+              <a:t>    u          k         m     a      n         t          e</a:t>
+            </a:r>
+          </a:p>
+          <a:p>
+            <a:pPr algn="l"/>
+            <a:r>
+              <a:rPr lang="en-US" sz="4800" noProof="1">
+                <a:solidFill>
+                  <a:srgbClr val="000000"/>
+                </a:solidFill>
+              </a:rPr>
+              <a:t>10 01100 01101 10 01101 01100 11</a:t>
+            </a:r>
+          </a:p>
+          <a:p>
+            <a:pPr algn="l"/>
+            <a:r>
+              <a:rPr lang="en-US" sz="4800" noProof="1">
+                <a:solidFill>
+                  <a:srgbClr val="000000"/>
+                </a:solidFill>
+              </a:rPr>
+              <a:t>  r      d          i       r       i         d       a </a:t>
+            </a:r>
+          </a:p>
+          <a:p>
+            <a:pPr algn="l"/>
+            <a:r>
+              <a:rPr lang="en-US" sz="4800" noProof="1">
+                <a:solidFill>
+                  <a:srgbClr val="000000"/>
+                </a:solidFill>
+              </a:rPr>
+              <a:t>10 01101 01111 01000 01010 00110 11</a:t>
+            </a:r>
+          </a:p>
+          <a:p>
+            <a:pPr algn="l"/>
+            <a:r>
+              <a:rPr lang="en-US" sz="4800" noProof="1">
+                <a:solidFill>
+                  <a:srgbClr val="000000"/>
+                </a:solidFill>
+              </a:rPr>
+              <a:t>  r       i          t         e         m        p      a </a:t>
+            </a:r>
+          </a:p>
+          <a:p>
+            <a:pPr algn="l"/>
+            <a:r>
+              <a:rPr lang="en-US" sz="4800" noProof="1">
+                <a:solidFill>
+                  <a:srgbClr val="000000"/>
+                </a:solidFill>
+              </a:rPr>
+              <a:t>01111 01100 11 01110 01111 11 01110</a:t>
+            </a:r>
+          </a:p>
+          <a:p>
+            <a:pPr algn="l"/>
+            <a:r>
+              <a:rPr lang="en-US" sz="4800" noProof="1">
+                <a:solidFill>
+                  <a:srgbClr val="000000"/>
+                </a:solidFill>
+              </a:rPr>
+              <a:t>    t          d      a      n         t       a       n </a:t>
+            </a:r>
+          </a:p>
+          <a:p>
+            <a:pPr algn="l"/>
+            <a:r>
+              <a:rPr lang="en-US" sz="4800" noProof="1">
+                <a:solidFill>
+                  <a:srgbClr val="000000"/>
+                </a:solidFill>
+              </a:rPr>
+              <a:t>00101 00101 11 01001 01001 11 00000</a:t>
+            </a:r>
+          </a:p>
+          <a:p>
+            <a:pPr algn="l"/>
+            <a:r>
+              <a:rPr lang="en-US" sz="4800" noProof="1">
+                <a:solidFill>
+                  <a:srgbClr val="000000"/>
+                </a:solidFill>
+              </a:rPr>
+              <a:t>    g         g      a       l          l       a      h          </a:t>
+            </a:r>
+          </a:p>
+          <a:p>
+            <a:pPr algn="l"/>
+            <a:r>
+              <a:rPr lang="en-US" sz="4800" noProof="1">
+                <a:solidFill>
+                  <a:srgbClr val="000000"/>
+                </a:solidFill>
+              </a:rPr>
+              <a:t>01101 10 01110 00100 11</a:t>
+            </a:r>
+          </a:p>
+          <a:p>
+            <a:pPr algn="l"/>
+            <a:r>
+              <a:rPr kumimoji="0" lang="en-US" sz="4800" b="0" i="0" u="none" strike="noStrike" cap="none" spc="0" normalizeH="0" baseline="0" noProof="1">
+                <a:ln>
+                  <a:noFill/>
+                </a:ln>
+                <a:solidFill>
+                  <a:srgbClr val="000000"/>
+                </a:solidFill>
+                <a:effectLst/>
+                <a:uFillTx/>
+                <a:latin typeface="+mn-lt"/>
+                <a:ea typeface="+mn-ea"/>
+                <a:cs typeface="+mn-cs"/>
+                <a:sym typeface="Helvetica Neue"/>
+              </a:rPr>
+              <a:t>     </a:t>
+            </a:r>
+            <a:r>
+              <a:rPr lang="en-US" sz="4800" noProof="1">
+                <a:solidFill>
+                  <a:srgbClr val="000000"/>
+                </a:solidFill>
+              </a:rPr>
+              <a:t>i       r      n         y      a</a:t>
+            </a:r>
+            <a:endParaRPr kumimoji="0" lang="id-ID" sz="4800" b="0" i="0" u="none" strike="noStrike" cap="none" spc="0" normalizeH="0" baseline="0" noProof="1">
+              <a:ln>
+                <a:noFill/>
+              </a:ln>
+              <a:solidFill>
+                <a:srgbClr val="000000"/>
+              </a:solidFill>
+              <a:effectLst/>
+              <a:uFillTx/>
+              <a:latin typeface="+mn-lt"/>
+              <a:ea typeface="+mn-ea"/>
+              <a:cs typeface="+mn-cs"/>
+              <a:sym typeface="Helvetica Neue"/>
+            </a:endParaRPr>
+          </a:p>
+        </p:txBody>
+      </p:sp>
+    </p:spTree>
+    <p:extLst>
+      <p:ext uri="{BB962C8B-B14F-4D97-AF65-F5344CB8AC3E}">
+        <p14:creationId xmlns:p14="http://schemas.microsoft.com/office/powerpoint/2010/main" val="2145275616"/>
       </p:ext>
     </p:extLst>
   </p:cSld>
@@ -16953,9 +22951,12 @@
 </file>
 
 <file path=customXml/item1.xml><?xml version="1.0" encoding="utf-8"?>
-<p:properties xmlns:p="http://schemas.microsoft.com/office/2006/metadata/properties" xmlns:xsi="http://www.w3.org/2001/XMLSchema-instance" xmlns:pc="http://schemas.microsoft.com/office/infopath/2007/PartnerControls">
-  <documentManagement/>
-</p:properties>
+<?mso-contentType ?>
+<FormTemplates xmlns="http://schemas.microsoft.com/sharepoint/v3/contenttype/forms">
+  <Display>DocumentLibraryForm</Display>
+  <Edit>DocumentLibraryForm</Edit>
+  <New>DocumentLibraryForm</New>
+</FormTemplates>
 </file>
 
 <file path=customXml/item2.xml><?xml version="1.0" encoding="utf-8"?>
@@ -17162,19 +23163,15 @@
 </file>
 
 <file path=customXml/item3.xml><?xml version="1.0" encoding="utf-8"?>
-<?mso-contentType ?>
-<FormTemplates xmlns="http://schemas.microsoft.com/sharepoint/v3/contenttype/forms">
-  <Display>DocumentLibraryForm</Display>
-  <Edit>DocumentLibraryForm</Edit>
-  <New>DocumentLibraryForm</New>
-</FormTemplates>
+<p:properties xmlns:p="http://schemas.microsoft.com/office/2006/metadata/properties" xmlns:xsi="http://www.w3.org/2001/XMLSchema-instance" xmlns:pc="http://schemas.microsoft.com/office/infopath/2007/PartnerControls">
+  <documentManagement/>
+</p:properties>
 </file>
 
 <file path=customXml/itemProps1.xml><?xml version="1.0" encoding="utf-8"?>
-<ds:datastoreItem xmlns:ds="http://schemas.openxmlformats.org/officeDocument/2006/customXml" ds:itemID="{0B24D49F-F276-498D-A24D-B13464F5F0FE}">
+<ds:datastoreItem xmlns:ds="http://schemas.openxmlformats.org/officeDocument/2006/customXml" ds:itemID="{7DF2CD51-6DB2-48C4-8BB2-FE46CBA753F9}">
   <ds:schemaRefs>
-    <ds:schemaRef ds:uri="http://schemas.microsoft.com/office/2006/metadata/properties"/>
-    <ds:schemaRef ds:uri="http://schemas.microsoft.com/office/infopath/2007/PartnerControls"/>
+    <ds:schemaRef ds:uri="http://schemas.microsoft.com/sharepoint/v3/contenttype/forms"/>
   </ds:schemaRefs>
 </ds:datastoreItem>
 </file>
@@ -17199,9 +23196,10 @@
 </file>
 
 <file path=customXml/itemProps3.xml><?xml version="1.0" encoding="utf-8"?>
-<ds:datastoreItem xmlns:ds="http://schemas.openxmlformats.org/officeDocument/2006/customXml" ds:itemID="{7DF2CD51-6DB2-48C4-8BB2-FE46CBA753F9}">
+<ds:datastoreItem xmlns:ds="http://schemas.openxmlformats.org/officeDocument/2006/customXml" ds:itemID="{0B24D49F-F276-498D-A24D-B13464F5F0FE}">
   <ds:schemaRefs>
-    <ds:schemaRef ds:uri="http://schemas.microsoft.com/sharepoint/v3/contenttype/forms"/>
+    <ds:schemaRef ds:uri="http://schemas.microsoft.com/office/2006/metadata/properties"/>
+    <ds:schemaRef ds:uri="http://schemas.microsoft.com/office/infopath/2007/PartnerControls"/>
   </ds:schemaRefs>
 </ds:datastoreItem>
 </file>